--- a/Final AgroEnergy.pptx
+++ b/Final AgroEnergy.pptx
@@ -12,9 +12,9 @@
     <p:sldId id="258" r:id="rId6"/>
     <p:sldId id="263" r:id="rId7"/>
     <p:sldId id="289" r:id="rId8"/>
-    <p:sldId id="264" r:id="rId9"/>
-    <p:sldId id="291" r:id="rId10"/>
-    <p:sldId id="292" r:id="rId11"/>
+    <p:sldId id="292" r:id="rId9"/>
+    <p:sldId id="264" r:id="rId10"/>
+    <p:sldId id="291" r:id="rId11"/>
     <p:sldId id="293" r:id="rId12"/>
   </p:sldIdLst>
   <p:sldSz cx="12192000" cy="6858000"/>
@@ -4125,15 +4125,6 @@
               </a:rPr>
               <a:t> Latif</a:t>
             </a:r>
-            <a:endParaRPr lang="en-US" sz="2000" dirty="0">
-              <a:effectLst>
-                <a:innerShdw blurRad="63500" dist="50800" dir="13500000">
-                  <a:srgbClr val="000000">
-                    <a:alpha val="50000"/>
-                  </a:srgbClr>
-                </a:innerShdw>
-              </a:effectLst>
-            </a:endParaRPr>
           </a:p>
         </p:txBody>
       </p:sp>
@@ -4163,454 +4154,1295 @@
           <a:chExt cx="0" cy="0"/>
         </a:xfrm>
       </p:grpSpPr>
-      <p:pic>
-        <p:nvPicPr>
-          <p:cNvPr id="3" name="Picture 2"/>
-          <p:cNvPicPr>
-            <a:picLocks noChangeAspect="1"/>
-          </p:cNvPicPr>
+      <p:cxnSp>
+        <p:nvCxnSpPr>
+          <p:cNvPr id="34" name="Straight Connector 33"/>
+          <p:cNvCxnSpPr/>
           <p:nvPr/>
-        </p:nvPicPr>
-        <p:blipFill>
-          <a:blip r:embed="rId2">
-            <a:extLst>
-              <a:ext uri="{28A0092B-C50C-407E-A947-70E740481C1C}">
-                <a14:useLocalDpi xmlns:a14="http://schemas.microsoft.com/office/drawing/2010/main" val="0"/>
-              </a:ext>
-            </a:extLst>
-          </a:blip>
-          <a:stretch>
-            <a:fillRect/>
-          </a:stretch>
-        </p:blipFill>
+        </p:nvCxnSpPr>
         <p:spPr>
           <a:xfrm>
-            <a:off x="2041" y="0"/>
-            <a:ext cx="4898571" cy="6858000"/>
+            <a:off x="2563458" y="4147796"/>
+            <a:ext cx="935935" cy="6943"/>
           </a:xfrm>
-          <a:prstGeom prst="rect">
+          <a:prstGeom prst="line">
             <a:avLst/>
           </a:prstGeom>
+          <a:ln>
+            <a:solidFill>
+              <a:schemeClr val="bg1">
+                <a:lumMod val="95000"/>
+              </a:schemeClr>
+            </a:solidFill>
+          </a:ln>
           <a:effectLst>
-            <a:outerShdw blurRad="50800" dist="38100" dir="8100000" algn="tr" rotWithShape="0">
+            <a:outerShdw blurRad="50800" dist="38100" dir="5400000" algn="t" rotWithShape="0">
               <a:prstClr val="black">
                 <a:alpha val="40000"/>
               </a:prstClr>
             </a:outerShdw>
           </a:effectLst>
         </p:spPr>
-      </p:pic>
-      <p:pic>
-        <p:nvPicPr>
-          <p:cNvPr id="4" name="Picture 3"/>
-          <p:cNvPicPr>
-            <a:picLocks noChangeAspect="1"/>
-          </p:cNvPicPr>
+        <p:style>
+          <a:lnRef idx="1">
+            <a:schemeClr val="accent1"/>
+          </a:lnRef>
+          <a:fillRef idx="0">
+            <a:schemeClr val="accent1"/>
+          </a:fillRef>
+          <a:effectRef idx="0">
+            <a:schemeClr val="accent1"/>
+          </a:effectRef>
+          <a:fontRef idx="minor">
+            <a:schemeClr val="tx1"/>
+          </a:fontRef>
+        </p:style>
+      </p:cxnSp>
+      <p:cxnSp>
+        <p:nvCxnSpPr>
+          <p:cNvPr id="70" name="Straight Connector 69"/>
+          <p:cNvCxnSpPr/>
           <p:nvPr/>
-        </p:nvPicPr>
-        <p:blipFill>
-          <a:blip r:embed="rId3">
-            <a:extLst>
-              <a:ext uri="{28A0092B-C50C-407E-A947-70E740481C1C}">
-                <a14:useLocalDpi xmlns:a14="http://schemas.microsoft.com/office/drawing/2010/main" val="0"/>
-              </a:ext>
-            </a:extLst>
-          </a:blip>
-          <a:stretch>
-            <a:fillRect/>
-          </a:stretch>
-        </p:blipFill>
+        </p:nvCxnSpPr>
         <p:spPr>
           <a:xfrm>
-            <a:off x="912837" y="0"/>
-            <a:ext cx="4898571" cy="6858000"/>
+            <a:off x="2485429" y="4870784"/>
+            <a:ext cx="935935" cy="6943"/>
           </a:xfrm>
-          <a:prstGeom prst="rect">
+          <a:prstGeom prst="line">
             <a:avLst/>
           </a:prstGeom>
+          <a:ln>
+            <a:solidFill>
+              <a:schemeClr val="bg1">
+                <a:lumMod val="95000"/>
+              </a:schemeClr>
+            </a:solidFill>
+          </a:ln>
           <a:effectLst>
-            <a:outerShdw blurRad="50800" dist="38100" dir="8100000" algn="tr" rotWithShape="0">
+            <a:outerShdw blurRad="50800" dist="38100" dir="5400000" algn="t" rotWithShape="0">
               <a:prstClr val="black">
                 <a:alpha val="40000"/>
               </a:prstClr>
             </a:outerShdw>
           </a:effectLst>
         </p:spPr>
-      </p:pic>
-      <p:pic>
-        <p:nvPicPr>
-          <p:cNvPr id="5" name="Picture 4"/>
-          <p:cNvPicPr>
-            <a:picLocks noChangeAspect="1"/>
-          </p:cNvPicPr>
+        <p:style>
+          <a:lnRef idx="1">
+            <a:schemeClr val="accent1"/>
+          </a:lnRef>
+          <a:fillRef idx="0">
+            <a:schemeClr val="accent1"/>
+          </a:fillRef>
+          <a:effectRef idx="0">
+            <a:schemeClr val="accent1"/>
+          </a:effectRef>
+          <a:fontRef idx="minor">
+            <a:schemeClr val="tx1"/>
+          </a:fontRef>
+        </p:style>
+      </p:cxnSp>
+      <p:sp>
+        <p:nvSpPr>
+          <p:cNvPr id="3" name="Title 1"/>
+          <p:cNvSpPr txBox="1">
+            <a:spLocks/>
+          </p:cNvSpPr>
           <p:nvPr/>
-        </p:nvPicPr>
-        <p:blipFill>
-          <a:blip r:embed="rId4">
-            <a:extLst>
-              <a:ext uri="{28A0092B-C50C-407E-A947-70E740481C1C}">
-                <a14:useLocalDpi xmlns:a14="http://schemas.microsoft.com/office/drawing/2010/main" val="0"/>
-              </a:ext>
-            </a:extLst>
-          </a:blip>
-          <a:stretch>
-            <a:fillRect/>
-          </a:stretch>
-        </p:blipFill>
+        </p:nvSpPr>
         <p:spPr>
           <a:xfrm>
-            <a:off x="1497428" y="0"/>
-            <a:ext cx="4898571" cy="6858000"/>
+            <a:off x="762000" y="-362878"/>
+            <a:ext cx="10515600" cy="2462481"/>
           </a:xfrm>
           <a:prstGeom prst="rect">
             <a:avLst/>
           </a:prstGeom>
+        </p:spPr>
+        <p:txBody>
+          <a:bodyPr anchor="ctr">
+            <a:normAutofit/>
+            <a:scene3d>
+              <a:camera prst="orthographicFront"/>
+              <a:lightRig rig="threePt" dir="t"/>
+            </a:scene3d>
+            <a:sp3d extrusionH="57150">
+              <a:bevelT h="25400" prst="softRound"/>
+            </a:sp3d>
+          </a:bodyPr>
+          <a:lstStyle>
+            <a:lvl1pPr algn="ctr" defTabSz="914400" rtl="0" eaLnBrk="1" latinLnBrk="0" hangingPunct="1">
+              <a:lnSpc>
+                <a:spcPct val="90000"/>
+              </a:lnSpc>
+              <a:spcBef>
+                <a:spcPct val="0"/>
+              </a:spcBef>
+              <a:buNone/>
+              <a:defRPr lang="en-US" sz="4400" b="1" kern="1200" cap="none" spc="50" dirty="0">
+                <a:ln w="0"/>
+                <a:solidFill>
+                  <a:schemeClr val="bg2"/>
+                </a:solidFill>
+                <a:effectLst>
+                  <a:outerShdw blurRad="50800" dist="38100" dir="5400000" algn="t" rotWithShape="0">
+                    <a:prstClr val="black">
+                      <a:alpha val="40000"/>
+                    </a:prstClr>
+                  </a:outerShdw>
+                </a:effectLst>
+                <a:latin typeface="Adobe Gothic Std B" panose="020B0800000000000000" pitchFamily="34" charset="-128"/>
+                <a:ea typeface="Adobe Gothic Std B" panose="020B0800000000000000" pitchFamily="34" charset="-128"/>
+                <a:cs typeface="+mj-cs"/>
+              </a:defRPr>
+            </a:lvl1pPr>
+          </a:lstStyle>
+          <a:p>
+            <a:pPr fontAlgn="auto">
+              <a:spcAft>
+                <a:spcPts val="0"/>
+              </a:spcAft>
+              <a:defRPr/>
+            </a:pPr>
+            <a:r>
+              <a:rPr dirty="0">
+                <a:solidFill>
+                  <a:srgbClr val="FFFF00"/>
+                </a:solidFill>
+              </a:rPr>
+              <a:t>BUSINESS MODEL</a:t>
+            </a:r>
+          </a:p>
+        </p:txBody>
+      </p:sp>
+      <p:sp>
+        <p:nvSpPr>
+          <p:cNvPr id="9" name="TextBox 8"/>
+          <p:cNvSpPr txBox="1"/>
+          <p:nvPr/>
+        </p:nvSpPr>
+        <p:spPr>
+          <a:xfrm>
+            <a:off x="1948062" y="1709529"/>
+            <a:ext cx="2398643" cy="369332"/>
+          </a:xfrm>
+          <a:prstGeom prst="rect">
+            <a:avLst/>
+          </a:prstGeom>
+          <a:solidFill>
+            <a:schemeClr val="accent1">
+              <a:lumMod val="60000"/>
+              <a:lumOff val="40000"/>
+            </a:schemeClr>
+          </a:solidFill>
           <a:effectLst>
-            <a:outerShdw blurRad="50800" dist="38100" dir="8100000" algn="tr" rotWithShape="0">
+            <a:outerShdw blurRad="50800" dist="38100" dir="5400000" algn="t" rotWithShape="0">
               <a:prstClr val="black">
                 <a:alpha val="40000"/>
               </a:prstClr>
             </a:outerShdw>
           </a:effectLst>
         </p:spPr>
-      </p:pic>
-      <p:pic>
-        <p:nvPicPr>
-          <p:cNvPr id="6" name="Picture 5"/>
-          <p:cNvPicPr>
-            <a:picLocks noChangeAspect="1"/>
-          </p:cNvPicPr>
+        <p:txBody>
+          <a:bodyPr wrap="square" rtlCol="0">
+            <a:spAutoFit/>
+          </a:bodyPr>
+          <a:lstStyle/>
+          <a:p>
+            <a:pPr algn="ctr"/>
+            <a:r>
+              <a:rPr lang="en-US" dirty="0">
+                <a:solidFill>
+                  <a:schemeClr val="accent6">
+                    <a:lumMod val="75000"/>
+                  </a:schemeClr>
+                </a:solidFill>
+              </a:rPr>
+              <a:t>Investment</a:t>
+            </a:r>
+          </a:p>
+        </p:txBody>
+      </p:sp>
+      <p:sp>
+        <p:nvSpPr>
+          <p:cNvPr id="10" name="TextBox 9"/>
+          <p:cNvSpPr txBox="1"/>
           <p:nvPr/>
-        </p:nvPicPr>
-        <p:blipFill>
-          <a:blip r:embed="rId5">
-            <a:extLst>
-              <a:ext uri="{28A0092B-C50C-407E-A947-70E740481C1C}">
-                <a14:useLocalDpi xmlns:a14="http://schemas.microsoft.com/office/drawing/2010/main" val="0"/>
-              </a:ext>
-            </a:extLst>
-          </a:blip>
-          <a:stretch>
-            <a:fillRect/>
-          </a:stretch>
-        </p:blipFill>
+        </p:nvSpPr>
         <p:spPr>
           <a:xfrm>
-            <a:off x="2325005" y="11363"/>
-            <a:ext cx="4898571" cy="6858000"/>
+            <a:off x="7321825" y="1730271"/>
+            <a:ext cx="2398643" cy="369332"/>
           </a:xfrm>
           <a:prstGeom prst="rect">
             <a:avLst/>
           </a:prstGeom>
+          <a:solidFill>
+            <a:schemeClr val="accent1">
+              <a:lumMod val="60000"/>
+              <a:lumOff val="40000"/>
+            </a:schemeClr>
+          </a:solidFill>
           <a:effectLst>
-            <a:outerShdw blurRad="50800" dist="38100" dir="8100000" algn="tr" rotWithShape="0">
+            <a:outerShdw blurRad="50800" dist="38100" dir="5400000" algn="t" rotWithShape="0">
               <a:prstClr val="black">
                 <a:alpha val="40000"/>
               </a:prstClr>
             </a:outerShdw>
           </a:effectLst>
         </p:spPr>
-      </p:pic>
-      <p:pic>
-        <p:nvPicPr>
-          <p:cNvPr id="7" name="Picture 6"/>
-          <p:cNvPicPr>
-            <a:picLocks noChangeAspect="1"/>
-          </p:cNvPicPr>
+        <p:txBody>
+          <a:bodyPr wrap="square" rtlCol="0">
+            <a:spAutoFit/>
+          </a:bodyPr>
+          <a:lstStyle/>
+          <a:p>
+            <a:pPr algn="ctr"/>
+            <a:r>
+              <a:rPr lang="en-US" dirty="0">
+                <a:solidFill>
+                  <a:schemeClr val="accent6">
+                    <a:lumMod val="75000"/>
+                  </a:schemeClr>
+                </a:solidFill>
+              </a:rPr>
+              <a:t>Revenue</a:t>
+            </a:r>
+          </a:p>
+        </p:txBody>
+      </p:sp>
+      <p:sp>
+        <p:nvSpPr>
+          <p:cNvPr id="11" name="TextBox 10"/>
+          <p:cNvSpPr txBox="1"/>
           <p:nvPr/>
-        </p:nvPicPr>
-        <p:blipFill>
-          <a:blip r:embed="rId6">
-            <a:extLst>
-              <a:ext uri="{28A0092B-C50C-407E-A947-70E740481C1C}">
-                <a14:useLocalDpi xmlns:a14="http://schemas.microsoft.com/office/drawing/2010/main" val="0"/>
-              </a:ext>
-            </a:extLst>
-          </a:blip>
-          <a:stretch>
-            <a:fillRect/>
-          </a:stretch>
-        </p:blipFill>
+        </p:nvSpPr>
         <p:spPr>
           <a:xfrm>
-            <a:off x="3270123" y="-331"/>
-            <a:ext cx="4898571" cy="6858000"/>
+            <a:off x="1136367" y="2639518"/>
+            <a:ext cx="1557130" cy="1200329"/>
           </a:xfrm>
           <a:prstGeom prst="rect">
             <a:avLst/>
           </a:prstGeom>
+          <a:solidFill>
+            <a:schemeClr val="bg1">
+              <a:lumMod val="95000"/>
+            </a:schemeClr>
+          </a:solidFill>
           <a:effectLst>
-            <a:outerShdw blurRad="50800" dist="38100" dir="8100000" algn="tr" rotWithShape="0">
+            <a:outerShdw blurRad="50800" dist="38100" dir="5400000" algn="t" rotWithShape="0">
               <a:prstClr val="black">
                 <a:alpha val="40000"/>
               </a:prstClr>
             </a:outerShdw>
           </a:effectLst>
         </p:spPr>
-      </p:pic>
-      <p:pic>
-        <p:nvPicPr>
-          <p:cNvPr id="8" name="Picture 7"/>
-          <p:cNvPicPr>
-            <a:picLocks noChangeAspect="1"/>
-          </p:cNvPicPr>
+        <p:txBody>
+          <a:bodyPr wrap="square" rtlCol="0">
+            <a:spAutoFit/>
+          </a:bodyPr>
+          <a:lstStyle/>
+          <a:p>
+            <a:pPr algn="ctr"/>
+            <a:r>
+              <a:rPr lang="en-US" dirty="0">
+                <a:solidFill>
+                  <a:schemeClr val="accent6">
+                    <a:lumMod val="75000"/>
+                  </a:schemeClr>
+                </a:solidFill>
+              </a:rPr>
+              <a:t>Owners</a:t>
+            </a:r>
+          </a:p>
+          <a:p>
+            <a:pPr algn="ctr"/>
+            <a:r>
+              <a:rPr lang="en-US" dirty="0">
+                <a:solidFill>
+                  <a:schemeClr val="accent6">
+                    <a:lumMod val="75000"/>
+                  </a:schemeClr>
+                </a:solidFill>
+              </a:rPr>
+              <a:t>Capital</a:t>
+            </a:r>
+          </a:p>
+          <a:p>
+            <a:pPr algn="ctr"/>
+            <a:r>
+              <a:rPr lang="en-US" dirty="0">
+                <a:solidFill>
+                  <a:schemeClr val="accent6">
+                    <a:lumMod val="75000"/>
+                  </a:schemeClr>
+                </a:solidFill>
+              </a:rPr>
+              <a:t>(App Development)</a:t>
+            </a:r>
+          </a:p>
+        </p:txBody>
+      </p:sp>
+      <p:sp>
+        <p:nvSpPr>
+          <p:cNvPr id="12" name="TextBox 11"/>
+          <p:cNvSpPr txBox="1"/>
           <p:nvPr/>
-        </p:nvPicPr>
-        <p:blipFill>
-          <a:blip r:embed="rId7">
-            <a:extLst>
-              <a:ext uri="{28A0092B-C50C-407E-A947-70E740481C1C}">
-                <a14:useLocalDpi xmlns:a14="http://schemas.microsoft.com/office/drawing/2010/main" val="0"/>
-              </a:ext>
-            </a:extLst>
-          </a:blip>
-          <a:stretch>
-            <a:fillRect/>
-          </a:stretch>
-        </p:blipFill>
+        </p:nvSpPr>
         <p:spPr>
           <a:xfrm>
-            <a:off x="3914366" y="11200"/>
-            <a:ext cx="4898571" cy="6858000"/>
+            <a:off x="3415741" y="3087930"/>
+            <a:ext cx="1464366" cy="369332"/>
           </a:xfrm>
           <a:prstGeom prst="rect">
             <a:avLst/>
           </a:prstGeom>
+          <a:solidFill>
+            <a:schemeClr val="bg1">
+              <a:lumMod val="95000"/>
+            </a:schemeClr>
+          </a:solidFill>
           <a:effectLst>
-            <a:outerShdw blurRad="50800" dist="38100" dir="8100000" algn="tr" rotWithShape="0">
+            <a:outerShdw blurRad="50800" dist="38100" dir="5400000" algn="t" rotWithShape="0">
               <a:prstClr val="black">
                 <a:alpha val="40000"/>
               </a:prstClr>
             </a:outerShdw>
           </a:effectLst>
         </p:spPr>
-      </p:pic>
-      <p:pic>
-        <p:nvPicPr>
-          <p:cNvPr id="9" name="Picture 8"/>
-          <p:cNvPicPr>
-            <a:picLocks noChangeAspect="1"/>
-          </p:cNvPicPr>
+        <p:txBody>
+          <a:bodyPr wrap="square" rtlCol="0">
+            <a:spAutoFit/>
+          </a:bodyPr>
+          <a:lstStyle/>
+          <a:p>
+            <a:pPr algn="ctr"/>
+            <a:r>
+              <a:rPr lang="en-US" dirty="0">
+                <a:solidFill>
+                  <a:schemeClr val="accent6">
+                    <a:lumMod val="75000"/>
+                  </a:schemeClr>
+                </a:solidFill>
+              </a:rPr>
+              <a:t>Manpower</a:t>
+            </a:r>
+          </a:p>
+        </p:txBody>
+      </p:sp>
+      <p:sp>
+        <p:nvSpPr>
+          <p:cNvPr id="13" name="TextBox 12"/>
+          <p:cNvSpPr txBox="1"/>
           <p:nvPr/>
-        </p:nvPicPr>
-        <p:blipFill>
-          <a:blip r:embed="rId8">
-            <a:extLst>
-              <a:ext uri="{28A0092B-C50C-407E-A947-70E740481C1C}">
-                <a14:useLocalDpi xmlns:a14="http://schemas.microsoft.com/office/drawing/2010/main" val="0"/>
-              </a:ext>
-            </a:extLst>
-          </a:blip>
-          <a:stretch>
-            <a:fillRect/>
-          </a:stretch>
-        </p:blipFill>
+        </p:nvSpPr>
         <p:spPr>
           <a:xfrm>
-            <a:off x="4676815" y="30510"/>
-            <a:ext cx="4898571" cy="6858000"/>
+            <a:off x="3425679" y="3523786"/>
+            <a:ext cx="1464366" cy="369332"/>
           </a:xfrm>
           <a:prstGeom prst="rect">
             <a:avLst/>
           </a:prstGeom>
+          <a:solidFill>
+            <a:schemeClr val="bg1">
+              <a:lumMod val="95000"/>
+            </a:schemeClr>
+          </a:solidFill>
           <a:effectLst>
-            <a:outerShdw blurRad="50800" dist="38100" dir="8100000" algn="tr" rotWithShape="0">
+            <a:outerShdw blurRad="50800" dist="38100" dir="5400000" algn="t" rotWithShape="0">
               <a:prstClr val="black">
                 <a:alpha val="40000"/>
               </a:prstClr>
             </a:outerShdw>
           </a:effectLst>
         </p:spPr>
-      </p:pic>
-      <p:pic>
-        <p:nvPicPr>
-          <p:cNvPr id="10" name="Picture 9"/>
-          <p:cNvPicPr>
-            <a:picLocks noChangeAspect="1"/>
-          </p:cNvPicPr>
+        <p:txBody>
+          <a:bodyPr wrap="square" rtlCol="0">
+            <a:spAutoFit/>
+          </a:bodyPr>
+          <a:lstStyle/>
+          <a:p>
+            <a:pPr algn="ctr"/>
+            <a:r>
+              <a:rPr lang="en-US" dirty="0">
+                <a:solidFill>
+                  <a:schemeClr val="accent6">
+                    <a:lumMod val="75000"/>
+                  </a:schemeClr>
+                </a:solidFill>
+              </a:rPr>
+              <a:t>Call Centre</a:t>
+            </a:r>
+          </a:p>
+        </p:txBody>
+      </p:sp>
+      <p:sp>
+        <p:nvSpPr>
+          <p:cNvPr id="14" name="TextBox 13"/>
+          <p:cNvSpPr txBox="1"/>
           <p:nvPr/>
-        </p:nvPicPr>
-        <p:blipFill>
-          <a:blip r:embed="rId9">
-            <a:extLst>
-              <a:ext uri="{28A0092B-C50C-407E-A947-70E740481C1C}">
-                <a14:useLocalDpi xmlns:a14="http://schemas.microsoft.com/office/drawing/2010/main" val="0"/>
-              </a:ext>
-            </a:extLst>
-          </a:blip>
-          <a:stretch>
-            <a:fillRect/>
-          </a:stretch>
-        </p:blipFill>
+        </p:nvSpPr>
         <p:spPr>
           <a:xfrm>
-            <a:off x="5071714" y="10869"/>
-            <a:ext cx="4898571" cy="6858000"/>
+            <a:off x="3425679" y="2639518"/>
+            <a:ext cx="1464366" cy="369332"/>
           </a:xfrm>
           <a:prstGeom prst="rect">
             <a:avLst/>
           </a:prstGeom>
+          <a:solidFill>
+            <a:schemeClr val="bg1">
+              <a:lumMod val="95000"/>
+            </a:schemeClr>
+          </a:solidFill>
           <a:effectLst>
-            <a:outerShdw blurRad="50800" dist="38100" dir="8100000" algn="tr" rotWithShape="0">
+            <a:outerShdw blurRad="50800" dist="38100" dir="5400000" algn="t" rotWithShape="0">
               <a:prstClr val="black">
                 <a:alpha val="40000"/>
               </a:prstClr>
             </a:outerShdw>
           </a:effectLst>
         </p:spPr>
-      </p:pic>
-      <p:pic>
-        <p:nvPicPr>
-          <p:cNvPr id="11" name="Picture 10"/>
-          <p:cNvPicPr>
-            <a:picLocks noChangeAspect="1"/>
-          </p:cNvPicPr>
+        <p:txBody>
+          <a:bodyPr wrap="square" rtlCol="0">
+            <a:spAutoFit/>
+          </a:bodyPr>
+          <a:lstStyle/>
+          <a:p>
+            <a:pPr algn="ctr"/>
+            <a:r>
+              <a:rPr lang="en-US" dirty="0">
+                <a:solidFill>
+                  <a:schemeClr val="accent6">
+                    <a:lumMod val="75000"/>
+                  </a:schemeClr>
+                </a:solidFill>
+              </a:rPr>
+              <a:t>Travel</a:t>
+            </a:r>
+          </a:p>
+        </p:txBody>
+      </p:sp>
+      <p:sp>
+        <p:nvSpPr>
+          <p:cNvPr id="15" name="TextBox 14"/>
+          <p:cNvSpPr txBox="1"/>
           <p:nvPr/>
-        </p:nvPicPr>
-        <p:blipFill>
-          <a:blip r:embed="rId10">
-            <a:extLst>
-              <a:ext uri="{28A0092B-C50C-407E-A947-70E740481C1C}">
-                <a14:useLocalDpi xmlns:a14="http://schemas.microsoft.com/office/drawing/2010/main" val="0"/>
-              </a:ext>
-            </a:extLst>
-          </a:blip>
-          <a:stretch>
-            <a:fillRect/>
-          </a:stretch>
-        </p:blipFill>
+        </p:nvSpPr>
         <p:spPr>
           <a:xfrm>
-            <a:off x="5563755" y="-11694"/>
-            <a:ext cx="4898571" cy="6858000"/>
+            <a:off x="1158314" y="3958054"/>
+            <a:ext cx="1518612" cy="646331"/>
           </a:xfrm>
           <a:prstGeom prst="rect">
             <a:avLst/>
           </a:prstGeom>
+          <a:solidFill>
+            <a:schemeClr val="bg1">
+              <a:lumMod val="95000"/>
+            </a:schemeClr>
+          </a:solidFill>
           <a:effectLst>
-            <a:outerShdw blurRad="50800" dist="38100" dir="8100000" algn="tr" rotWithShape="0">
+            <a:outerShdw blurRad="50800" dist="38100" dir="5400000" algn="t" rotWithShape="0">
               <a:prstClr val="black">
                 <a:alpha val="40000"/>
               </a:prstClr>
             </a:outerShdw>
           </a:effectLst>
         </p:spPr>
-      </p:pic>
-      <p:pic>
-        <p:nvPicPr>
-          <p:cNvPr id="12" name="Picture 11"/>
-          <p:cNvPicPr>
-            <a:picLocks noChangeAspect="1"/>
-          </p:cNvPicPr>
+        <p:txBody>
+          <a:bodyPr wrap="square" rtlCol="0">
+            <a:spAutoFit/>
+          </a:bodyPr>
+          <a:lstStyle/>
+          <a:p>
+            <a:pPr algn="ctr"/>
+            <a:r>
+              <a:rPr lang="en-US" dirty="0">
+                <a:solidFill>
+                  <a:schemeClr val="accent6">
+                    <a:lumMod val="75000"/>
+                  </a:schemeClr>
+                </a:solidFill>
+              </a:rPr>
+              <a:t>Office Establishment</a:t>
+            </a:r>
+          </a:p>
+        </p:txBody>
+      </p:sp>
+      <p:sp>
+        <p:nvSpPr>
+          <p:cNvPr id="16" name="TextBox 15"/>
+          <p:cNvSpPr txBox="1"/>
           <p:nvPr/>
-        </p:nvPicPr>
-        <p:blipFill>
-          <a:blip r:embed="rId11">
-            <a:extLst>
-              <a:ext uri="{28A0092B-C50C-407E-A947-70E740481C1C}">
-                <a14:useLocalDpi xmlns:a14="http://schemas.microsoft.com/office/drawing/2010/main" val="0"/>
-              </a:ext>
-            </a:extLst>
-          </a:blip>
-          <a:stretch>
-            <a:fillRect/>
-          </a:stretch>
-        </p:blipFill>
+        </p:nvSpPr>
         <p:spPr>
           <a:xfrm>
-            <a:off x="6438651" y="-495"/>
-            <a:ext cx="4898571" cy="6858000"/>
+            <a:off x="6496878" y="2469372"/>
+            <a:ext cx="1557130" cy="646331"/>
           </a:xfrm>
           <a:prstGeom prst="rect">
             <a:avLst/>
           </a:prstGeom>
+          <a:solidFill>
+            <a:schemeClr val="bg1">
+              <a:lumMod val="95000"/>
+            </a:schemeClr>
+          </a:solidFill>
           <a:effectLst>
-            <a:outerShdw blurRad="50800" dist="38100" dir="8100000" algn="tr" rotWithShape="0">
+            <a:outerShdw blurRad="50800" dist="38100" dir="5400000" algn="t" rotWithShape="0">
               <a:prstClr val="black">
                 <a:alpha val="40000"/>
               </a:prstClr>
             </a:outerShdw>
           </a:effectLst>
         </p:spPr>
-      </p:pic>
-      <p:pic>
-        <p:nvPicPr>
-          <p:cNvPr id="13" name="Picture 12"/>
-          <p:cNvPicPr>
-            <a:picLocks noChangeAspect="1"/>
-          </p:cNvPicPr>
+        <p:txBody>
+          <a:bodyPr wrap="square" rtlCol="0">
+            <a:spAutoFit/>
+          </a:bodyPr>
+          <a:lstStyle>
+            <a:defPPr>
+              <a:defRPr lang="en-US"/>
+            </a:defPPr>
+            <a:lvl1pPr algn="ctr">
+              <a:defRPr>
+                <a:solidFill>
+                  <a:schemeClr val="accent6">
+                    <a:lumMod val="75000"/>
+                  </a:schemeClr>
+                </a:solidFill>
+              </a:defRPr>
+            </a:lvl1pPr>
+          </a:lstStyle>
+          <a:p>
+            <a:r>
+              <a:rPr lang="en-US" dirty="0"/>
+              <a:t>Dealer Registration</a:t>
+            </a:r>
+          </a:p>
+        </p:txBody>
+      </p:sp>
+      <p:sp>
+        <p:nvSpPr>
+          <p:cNvPr id="17" name="TextBox 16"/>
+          <p:cNvSpPr txBox="1"/>
           <p:nvPr/>
-        </p:nvPicPr>
-        <p:blipFill>
-          <a:blip r:embed="rId12">
-            <a:extLst>
-              <a:ext uri="{28A0092B-C50C-407E-A947-70E740481C1C}">
-                <a14:useLocalDpi xmlns:a14="http://schemas.microsoft.com/office/drawing/2010/main" val="0"/>
-              </a:ext>
-            </a:extLst>
-          </a:blip>
-          <a:stretch>
-            <a:fillRect/>
-          </a:stretch>
-        </p:blipFill>
+        </p:nvSpPr>
         <p:spPr>
           <a:xfrm>
-            <a:off x="7313547" y="-31335"/>
-            <a:ext cx="4898571" cy="6858000"/>
+            <a:off x="6475340" y="4219822"/>
+            <a:ext cx="3940865" cy="369332"/>
           </a:xfrm>
           <a:prstGeom prst="rect">
             <a:avLst/>
           </a:prstGeom>
+          <a:solidFill>
+            <a:schemeClr val="bg1">
+              <a:lumMod val="95000"/>
+            </a:schemeClr>
+          </a:solidFill>
           <a:effectLst>
-            <a:outerShdw blurRad="50800" dist="38100" dir="8100000" algn="tr" rotWithShape="0">
+            <a:outerShdw blurRad="50800" dist="38100" dir="5400000" algn="t" rotWithShape="0">
               <a:prstClr val="black">
                 <a:alpha val="40000"/>
               </a:prstClr>
             </a:outerShdw>
           </a:effectLst>
         </p:spPr>
-      </p:pic>
-      <p:pic>
-        <p:nvPicPr>
-          <p:cNvPr id="14" name="Picture 13"/>
-          <p:cNvPicPr>
-            <a:picLocks noChangeAspect="1"/>
-          </p:cNvPicPr>
+        <p:txBody>
+          <a:bodyPr wrap="square" rtlCol="0">
+            <a:spAutoFit/>
+          </a:bodyPr>
+          <a:lstStyle>
+            <a:defPPr>
+              <a:defRPr lang="en-US"/>
+            </a:defPPr>
+            <a:lvl1pPr algn="ctr">
+              <a:defRPr>
+                <a:solidFill>
+                  <a:schemeClr val="accent6">
+                    <a:lumMod val="75000"/>
+                  </a:schemeClr>
+                </a:solidFill>
+              </a:defRPr>
+            </a:lvl1pPr>
+          </a:lstStyle>
+          <a:p>
+            <a:r>
+              <a:rPr lang="en-US" dirty="0"/>
+              <a:t>Additional sponsors</a:t>
+            </a:r>
+          </a:p>
+        </p:txBody>
+      </p:sp>
+      <p:sp>
+        <p:nvSpPr>
+          <p:cNvPr id="18" name="TextBox 17"/>
+          <p:cNvSpPr txBox="1"/>
           <p:nvPr/>
-        </p:nvPicPr>
-        <p:blipFill>
-          <a:blip r:embed="rId13">
-            <a:extLst>
-              <a:ext uri="{28A0092B-C50C-407E-A947-70E740481C1C}">
-                <a14:useLocalDpi xmlns:a14="http://schemas.microsoft.com/office/drawing/2010/main" val="0"/>
-              </a:ext>
-            </a:extLst>
-          </a:blip>
-          <a:stretch>
-            <a:fillRect/>
-          </a:stretch>
-        </p:blipFill>
+        </p:nvSpPr>
         <p:spPr>
           <a:xfrm>
-            <a:off x="7293429" y="-42699"/>
-            <a:ext cx="4898571" cy="6858000"/>
+            <a:off x="8951840" y="2489478"/>
+            <a:ext cx="1464366" cy="646331"/>
           </a:xfrm>
           <a:prstGeom prst="rect">
             <a:avLst/>
           </a:prstGeom>
+          <a:solidFill>
+            <a:schemeClr val="bg1">
+              <a:lumMod val="95000"/>
+            </a:schemeClr>
+          </a:solidFill>
           <a:effectLst>
-            <a:outerShdw blurRad="50800" dist="38100" dir="8100000" algn="tr" rotWithShape="0">
+            <a:outerShdw blurRad="50800" dist="38100" dir="5400000" algn="t" rotWithShape="0">
               <a:prstClr val="black">
                 <a:alpha val="40000"/>
               </a:prstClr>
             </a:outerShdw>
           </a:effectLst>
         </p:spPr>
-      </p:pic>
+        <p:txBody>
+          <a:bodyPr wrap="square" rtlCol="0">
+            <a:spAutoFit/>
+          </a:bodyPr>
+          <a:lstStyle>
+            <a:defPPr>
+              <a:defRPr lang="en-US"/>
+            </a:defPPr>
+            <a:lvl1pPr algn="ctr">
+              <a:defRPr>
+                <a:solidFill>
+                  <a:schemeClr val="accent6">
+                    <a:lumMod val="75000"/>
+                  </a:schemeClr>
+                </a:solidFill>
+              </a:defRPr>
+            </a:lvl1pPr>
+          </a:lstStyle>
+          <a:p>
+            <a:r>
+              <a:rPr lang="en-US" dirty="0"/>
+              <a:t>Revenue per Lead</a:t>
+            </a:r>
+          </a:p>
+        </p:txBody>
+      </p:sp>
+      <p:sp>
+        <p:nvSpPr>
+          <p:cNvPr id="19" name="TextBox 18"/>
+          <p:cNvSpPr txBox="1"/>
+          <p:nvPr/>
+        </p:nvSpPr>
+        <p:spPr>
+          <a:xfrm>
+            <a:off x="6589642" y="3388748"/>
+            <a:ext cx="1464366" cy="646331"/>
+          </a:xfrm>
+          <a:prstGeom prst="rect">
+            <a:avLst/>
+          </a:prstGeom>
+          <a:solidFill>
+            <a:schemeClr val="bg1">
+              <a:lumMod val="95000"/>
+            </a:schemeClr>
+          </a:solidFill>
+          <a:effectLst>
+            <a:outerShdw blurRad="50800" dist="38100" dir="5400000" algn="t" rotWithShape="0">
+              <a:prstClr val="black">
+                <a:alpha val="40000"/>
+              </a:prstClr>
+            </a:outerShdw>
+          </a:effectLst>
+        </p:spPr>
+        <p:txBody>
+          <a:bodyPr wrap="square" rtlCol="0">
+            <a:spAutoFit/>
+          </a:bodyPr>
+          <a:lstStyle>
+            <a:defPPr>
+              <a:defRPr lang="en-US"/>
+            </a:defPPr>
+            <a:lvl1pPr algn="ctr">
+              <a:defRPr>
+                <a:solidFill>
+                  <a:schemeClr val="accent6">
+                    <a:lumMod val="75000"/>
+                  </a:schemeClr>
+                </a:solidFill>
+              </a:defRPr>
+            </a:lvl1pPr>
+          </a:lstStyle>
+          <a:p>
+            <a:r>
+              <a:rPr lang="en-US" dirty="0"/>
+              <a:t>Commission on Purchase</a:t>
+            </a:r>
+          </a:p>
+        </p:txBody>
+      </p:sp>
+      <p:sp>
+        <p:nvSpPr>
+          <p:cNvPr id="26" name="TextBox 25"/>
+          <p:cNvSpPr txBox="1"/>
+          <p:nvPr/>
+        </p:nvSpPr>
+        <p:spPr>
+          <a:xfrm>
+            <a:off x="1136367" y="5151070"/>
+            <a:ext cx="3858869" cy="369332"/>
+          </a:xfrm>
+          <a:prstGeom prst="rect">
+            <a:avLst/>
+          </a:prstGeom>
+          <a:solidFill>
+            <a:schemeClr val="bg1">
+              <a:lumMod val="95000"/>
+            </a:schemeClr>
+          </a:solidFill>
+          <a:effectLst>
+            <a:outerShdw blurRad="50800" dist="38100" dir="5400000" algn="t" rotWithShape="0">
+              <a:prstClr val="black">
+                <a:alpha val="40000"/>
+              </a:prstClr>
+            </a:outerShdw>
+          </a:effectLst>
+        </p:spPr>
+        <p:txBody>
+          <a:bodyPr wrap="square" rtlCol="0">
+            <a:spAutoFit/>
+          </a:bodyPr>
+          <a:lstStyle/>
+          <a:p>
+            <a:pPr algn="ctr"/>
+            <a:r>
+              <a:rPr lang="en-US" dirty="0">
+                <a:solidFill>
+                  <a:schemeClr val="accent6">
+                    <a:lumMod val="75000"/>
+                  </a:schemeClr>
+                </a:solidFill>
+              </a:rPr>
+              <a:t>Other Expenses</a:t>
+            </a:r>
+          </a:p>
+        </p:txBody>
+      </p:sp>
+      <p:cxnSp>
+        <p:nvCxnSpPr>
+          <p:cNvPr id="28" name="Straight Connector 27"/>
+          <p:cNvCxnSpPr>
+            <a:stCxn id="9" idx="2"/>
+          </p:cNvCxnSpPr>
+          <p:nvPr/>
+        </p:nvCxnSpPr>
+        <p:spPr>
+          <a:xfrm>
+            <a:off x="3147384" y="2078861"/>
+            <a:ext cx="41410" cy="3072209"/>
+          </a:xfrm>
+          <a:prstGeom prst="line">
+            <a:avLst/>
+          </a:prstGeom>
+          <a:ln>
+            <a:solidFill>
+              <a:schemeClr val="bg1">
+                <a:lumMod val="95000"/>
+              </a:schemeClr>
+            </a:solidFill>
+          </a:ln>
+          <a:effectLst>
+            <a:outerShdw blurRad="50800" dist="38100" dir="5400000" algn="t" rotWithShape="0">
+              <a:prstClr val="black">
+                <a:alpha val="40000"/>
+              </a:prstClr>
+            </a:outerShdw>
+          </a:effectLst>
+        </p:spPr>
+        <p:style>
+          <a:lnRef idx="1">
+            <a:schemeClr val="accent1"/>
+          </a:lnRef>
+          <a:fillRef idx="0">
+            <a:schemeClr val="accent1"/>
+          </a:fillRef>
+          <a:effectRef idx="0">
+            <a:schemeClr val="accent1"/>
+          </a:effectRef>
+          <a:fontRef idx="minor">
+            <a:schemeClr val="tx1"/>
+          </a:fontRef>
+        </p:style>
+      </p:cxnSp>
+      <p:cxnSp>
+        <p:nvCxnSpPr>
+          <p:cNvPr id="31" name="Straight Connector 30"/>
+          <p:cNvCxnSpPr>
+            <a:endCxn id="14" idx="1"/>
+          </p:cNvCxnSpPr>
+          <p:nvPr/>
+        </p:nvCxnSpPr>
+        <p:spPr>
+          <a:xfrm flipV="1">
+            <a:off x="2670304" y="2824184"/>
+            <a:ext cx="755375" cy="6081"/>
+          </a:xfrm>
+          <a:prstGeom prst="line">
+            <a:avLst/>
+          </a:prstGeom>
+          <a:ln>
+            <a:solidFill>
+              <a:schemeClr val="bg1">
+                <a:lumMod val="95000"/>
+              </a:schemeClr>
+            </a:solidFill>
+          </a:ln>
+          <a:effectLst>
+            <a:outerShdw blurRad="50800" dist="38100" dir="5400000" algn="t" rotWithShape="0">
+              <a:prstClr val="black">
+                <a:alpha val="40000"/>
+              </a:prstClr>
+            </a:outerShdw>
+          </a:effectLst>
+        </p:spPr>
+        <p:style>
+          <a:lnRef idx="1">
+            <a:schemeClr val="accent1"/>
+          </a:lnRef>
+          <a:fillRef idx="0">
+            <a:schemeClr val="accent1"/>
+          </a:fillRef>
+          <a:effectRef idx="0">
+            <a:schemeClr val="accent1"/>
+          </a:effectRef>
+          <a:fontRef idx="minor">
+            <a:schemeClr val="tx1"/>
+          </a:fontRef>
+        </p:style>
+      </p:cxnSp>
+      <p:cxnSp>
+        <p:nvCxnSpPr>
+          <p:cNvPr id="32" name="Straight Connector 31"/>
+          <p:cNvCxnSpPr>
+            <a:endCxn id="12" idx="1"/>
+          </p:cNvCxnSpPr>
+          <p:nvPr/>
+        </p:nvCxnSpPr>
+        <p:spPr>
+          <a:xfrm flipV="1">
+            <a:off x="3147383" y="3272596"/>
+            <a:ext cx="268358" cy="1"/>
+          </a:xfrm>
+          <a:prstGeom prst="line">
+            <a:avLst/>
+          </a:prstGeom>
+          <a:ln>
+            <a:solidFill>
+              <a:schemeClr val="bg1">
+                <a:lumMod val="95000"/>
+              </a:schemeClr>
+            </a:solidFill>
+          </a:ln>
+          <a:effectLst>
+            <a:outerShdw blurRad="50800" dist="38100" dir="5400000" algn="t" rotWithShape="0">
+              <a:prstClr val="black">
+                <a:alpha val="40000"/>
+              </a:prstClr>
+            </a:outerShdw>
+          </a:effectLst>
+        </p:spPr>
+        <p:style>
+          <a:lnRef idx="1">
+            <a:schemeClr val="accent1"/>
+          </a:lnRef>
+          <a:fillRef idx="0">
+            <a:schemeClr val="accent1"/>
+          </a:fillRef>
+          <a:effectRef idx="0">
+            <a:schemeClr val="accent1"/>
+          </a:effectRef>
+          <a:fontRef idx="minor">
+            <a:schemeClr val="tx1"/>
+          </a:fontRef>
+        </p:style>
+      </p:cxnSp>
+      <p:cxnSp>
+        <p:nvCxnSpPr>
+          <p:cNvPr id="36" name="Straight Connector 35"/>
+          <p:cNvCxnSpPr/>
+          <p:nvPr/>
+        </p:nvCxnSpPr>
+        <p:spPr>
+          <a:xfrm flipH="1">
+            <a:off x="8549305" y="2078860"/>
+            <a:ext cx="2" cy="2113892"/>
+          </a:xfrm>
+          <a:prstGeom prst="line">
+            <a:avLst/>
+          </a:prstGeom>
+          <a:ln>
+            <a:solidFill>
+              <a:schemeClr val="bg1">
+                <a:lumMod val="95000"/>
+              </a:schemeClr>
+            </a:solidFill>
+          </a:ln>
+          <a:effectLst>
+            <a:outerShdw blurRad="50800" dist="38100" dir="5400000" algn="t" rotWithShape="0">
+              <a:prstClr val="black">
+                <a:alpha val="40000"/>
+              </a:prstClr>
+            </a:outerShdw>
+          </a:effectLst>
+        </p:spPr>
+        <p:style>
+          <a:lnRef idx="1">
+            <a:schemeClr val="accent1"/>
+          </a:lnRef>
+          <a:fillRef idx="0">
+            <a:schemeClr val="accent1"/>
+          </a:fillRef>
+          <a:effectRef idx="0">
+            <a:schemeClr val="accent1"/>
+          </a:effectRef>
+          <a:fontRef idx="minor">
+            <a:schemeClr val="tx1"/>
+          </a:fontRef>
+        </p:style>
+      </p:cxnSp>
+      <p:cxnSp>
+        <p:nvCxnSpPr>
+          <p:cNvPr id="46" name="Straight Connector 45"/>
+          <p:cNvCxnSpPr/>
+          <p:nvPr/>
+        </p:nvCxnSpPr>
+        <p:spPr>
+          <a:xfrm>
+            <a:off x="8025429" y="2792537"/>
+            <a:ext cx="935935" cy="6943"/>
+          </a:xfrm>
+          <a:prstGeom prst="line">
+            <a:avLst/>
+          </a:prstGeom>
+          <a:ln>
+            <a:solidFill>
+              <a:schemeClr val="bg1">
+                <a:lumMod val="95000"/>
+              </a:schemeClr>
+            </a:solidFill>
+          </a:ln>
+          <a:effectLst>
+            <a:outerShdw blurRad="50800" dist="38100" dir="5400000" algn="t" rotWithShape="0">
+              <a:prstClr val="black">
+                <a:alpha val="40000"/>
+              </a:prstClr>
+            </a:outerShdw>
+          </a:effectLst>
+        </p:spPr>
+        <p:style>
+          <a:lnRef idx="1">
+            <a:schemeClr val="accent1"/>
+          </a:lnRef>
+          <a:fillRef idx="0">
+            <a:schemeClr val="accent1"/>
+          </a:fillRef>
+          <a:effectRef idx="0">
+            <a:schemeClr val="accent1"/>
+          </a:effectRef>
+          <a:fontRef idx="minor">
+            <a:schemeClr val="tx1"/>
+          </a:fontRef>
+        </p:style>
+      </p:cxnSp>
+      <p:sp>
+        <p:nvSpPr>
+          <p:cNvPr id="48" name="TextBox 47"/>
+          <p:cNvSpPr txBox="1"/>
+          <p:nvPr/>
+        </p:nvSpPr>
+        <p:spPr>
+          <a:xfrm>
+            <a:off x="8965069" y="3527247"/>
+            <a:ext cx="1464366" cy="369332"/>
+          </a:xfrm>
+          <a:prstGeom prst="rect">
+            <a:avLst/>
+          </a:prstGeom>
+          <a:solidFill>
+            <a:schemeClr val="bg1">
+              <a:lumMod val="95000"/>
+            </a:schemeClr>
+          </a:solidFill>
+          <a:effectLst>
+            <a:outerShdw blurRad="50800" dist="38100" dir="5400000" algn="t" rotWithShape="0">
+              <a:prstClr val="black">
+                <a:alpha val="40000"/>
+              </a:prstClr>
+            </a:outerShdw>
+          </a:effectLst>
+        </p:spPr>
+        <p:txBody>
+          <a:bodyPr wrap="square" rtlCol="0">
+            <a:spAutoFit/>
+          </a:bodyPr>
+          <a:lstStyle>
+            <a:defPPr>
+              <a:defRPr lang="en-US"/>
+            </a:defPPr>
+            <a:lvl1pPr algn="ctr">
+              <a:defRPr>
+                <a:solidFill>
+                  <a:schemeClr val="accent6">
+                    <a:lumMod val="75000"/>
+                  </a:schemeClr>
+                </a:solidFill>
+              </a:defRPr>
+            </a:lvl1pPr>
+          </a:lstStyle>
+          <a:p>
+            <a:r>
+              <a:rPr lang="en-US" dirty="0"/>
+              <a:t>Data sales</a:t>
+            </a:r>
+          </a:p>
+        </p:txBody>
+      </p:sp>
+      <p:cxnSp>
+        <p:nvCxnSpPr>
+          <p:cNvPr id="50" name="Straight Connector 49"/>
+          <p:cNvCxnSpPr/>
+          <p:nvPr/>
+        </p:nvCxnSpPr>
+        <p:spPr>
+          <a:xfrm>
+            <a:off x="8011345" y="3715845"/>
+            <a:ext cx="935935" cy="6943"/>
+          </a:xfrm>
+          <a:prstGeom prst="line">
+            <a:avLst/>
+          </a:prstGeom>
+          <a:ln>
+            <a:solidFill>
+              <a:schemeClr val="bg1">
+                <a:lumMod val="95000"/>
+              </a:schemeClr>
+            </a:solidFill>
+          </a:ln>
+          <a:effectLst>
+            <a:outerShdw blurRad="50800" dist="38100" dir="5400000" algn="t" rotWithShape="0">
+              <a:prstClr val="black">
+                <a:alpha val="40000"/>
+              </a:prstClr>
+            </a:outerShdw>
+          </a:effectLst>
+        </p:spPr>
+        <p:style>
+          <a:lnRef idx="1">
+            <a:schemeClr val="accent1"/>
+          </a:lnRef>
+          <a:fillRef idx="0">
+            <a:schemeClr val="accent1"/>
+          </a:fillRef>
+          <a:effectRef idx="0">
+            <a:schemeClr val="accent1"/>
+          </a:effectRef>
+          <a:fontRef idx="minor">
+            <a:schemeClr val="tx1"/>
+          </a:fontRef>
+        </p:style>
+      </p:cxnSp>
+      <p:sp>
+        <p:nvSpPr>
+          <p:cNvPr id="56" name="TextBox 55"/>
+          <p:cNvSpPr txBox="1"/>
+          <p:nvPr/>
+        </p:nvSpPr>
+        <p:spPr>
+          <a:xfrm>
+            <a:off x="3415741" y="3990206"/>
+            <a:ext cx="1669762" cy="369332"/>
+          </a:xfrm>
+          <a:prstGeom prst="rect">
+            <a:avLst/>
+          </a:prstGeom>
+          <a:solidFill>
+            <a:schemeClr val="bg1">
+              <a:lumMod val="95000"/>
+            </a:schemeClr>
+          </a:solidFill>
+          <a:effectLst>
+            <a:outerShdw blurRad="50800" dist="38100" dir="5400000" algn="t" rotWithShape="0">
+              <a:prstClr val="black">
+                <a:alpha val="40000"/>
+              </a:prstClr>
+            </a:outerShdw>
+          </a:effectLst>
+        </p:spPr>
+        <p:txBody>
+          <a:bodyPr wrap="square" rtlCol="0">
+            <a:spAutoFit/>
+          </a:bodyPr>
+          <a:lstStyle/>
+          <a:p>
+            <a:pPr algn="ctr"/>
+            <a:r>
+              <a:rPr lang="en-US" dirty="0">
+                <a:solidFill>
+                  <a:schemeClr val="accent6">
+                    <a:lumMod val="75000"/>
+                  </a:schemeClr>
+                </a:solidFill>
+              </a:rPr>
+              <a:t>Advertisements</a:t>
+            </a:r>
+          </a:p>
+        </p:txBody>
+      </p:sp>
+      <p:cxnSp>
+        <p:nvCxnSpPr>
+          <p:cNvPr id="61" name="Straight Connector 60"/>
+          <p:cNvCxnSpPr/>
+          <p:nvPr/>
+        </p:nvCxnSpPr>
+        <p:spPr>
+          <a:xfrm flipV="1">
+            <a:off x="3153006" y="3705885"/>
+            <a:ext cx="268358" cy="1"/>
+          </a:xfrm>
+          <a:prstGeom prst="line">
+            <a:avLst/>
+          </a:prstGeom>
+          <a:ln>
+            <a:solidFill>
+              <a:schemeClr val="bg1">
+                <a:lumMod val="95000"/>
+              </a:schemeClr>
+            </a:solidFill>
+          </a:ln>
+          <a:effectLst>
+            <a:outerShdw blurRad="50800" dist="38100" dir="5400000" algn="t" rotWithShape="0">
+              <a:prstClr val="black">
+                <a:alpha val="40000"/>
+              </a:prstClr>
+            </a:outerShdw>
+          </a:effectLst>
+        </p:spPr>
+        <p:style>
+          <a:lnRef idx="1">
+            <a:schemeClr val="accent1"/>
+          </a:lnRef>
+          <a:fillRef idx="0">
+            <a:schemeClr val="accent1"/>
+          </a:fillRef>
+          <a:effectRef idx="0">
+            <a:schemeClr val="accent1"/>
+          </a:effectRef>
+          <a:fontRef idx="minor">
+            <a:schemeClr val="tx1"/>
+          </a:fontRef>
+        </p:style>
+      </p:cxnSp>
+      <p:sp>
+        <p:nvSpPr>
+          <p:cNvPr id="65" name="TextBox 64"/>
+          <p:cNvSpPr txBox="1"/>
+          <p:nvPr/>
+        </p:nvSpPr>
+        <p:spPr>
+          <a:xfrm>
+            <a:off x="3413890" y="4469064"/>
+            <a:ext cx="1466217" cy="646331"/>
+          </a:xfrm>
+          <a:prstGeom prst="rect">
+            <a:avLst/>
+          </a:prstGeom>
+          <a:solidFill>
+            <a:schemeClr val="bg1">
+              <a:lumMod val="95000"/>
+            </a:schemeClr>
+          </a:solidFill>
+          <a:effectLst>
+            <a:outerShdw blurRad="50800" dist="38100" dir="5400000" algn="t" rotWithShape="0">
+              <a:prstClr val="black">
+                <a:alpha val="40000"/>
+              </a:prstClr>
+            </a:outerShdw>
+          </a:effectLst>
+        </p:spPr>
+        <p:txBody>
+          <a:bodyPr wrap="square" rtlCol="0">
+            <a:spAutoFit/>
+          </a:bodyPr>
+          <a:lstStyle/>
+          <a:p>
+            <a:pPr algn="ctr"/>
+            <a:r>
+              <a:rPr lang="en-US" dirty="0">
+                <a:solidFill>
+                  <a:schemeClr val="accent6">
+                    <a:lumMod val="75000"/>
+                  </a:schemeClr>
+                </a:solidFill>
+              </a:rPr>
+              <a:t>Information Hub</a:t>
+            </a:r>
+          </a:p>
+        </p:txBody>
+      </p:sp>
+      <p:sp>
+        <p:nvSpPr>
+          <p:cNvPr id="68" name="TextBox 67"/>
+          <p:cNvSpPr txBox="1"/>
+          <p:nvPr/>
+        </p:nvSpPr>
+        <p:spPr>
+          <a:xfrm>
+            <a:off x="1104443" y="4709160"/>
+            <a:ext cx="1565861" cy="369332"/>
+          </a:xfrm>
+          <a:prstGeom prst="rect">
+            <a:avLst/>
+          </a:prstGeom>
+          <a:solidFill>
+            <a:schemeClr val="bg1">
+              <a:lumMod val="95000"/>
+            </a:schemeClr>
+          </a:solidFill>
+          <a:effectLst>
+            <a:outerShdw blurRad="50800" dist="38100" dir="5400000" algn="t" rotWithShape="0">
+              <a:prstClr val="black">
+                <a:alpha val="40000"/>
+              </a:prstClr>
+            </a:outerShdw>
+          </a:effectLst>
+        </p:spPr>
+        <p:txBody>
+          <a:bodyPr wrap="square" rtlCol="0">
+            <a:spAutoFit/>
+          </a:bodyPr>
+          <a:lstStyle/>
+          <a:p>
+            <a:pPr algn="ctr"/>
+            <a:r>
+              <a:rPr lang="en-US" dirty="0">
+                <a:solidFill>
+                  <a:schemeClr val="accent6">
+                    <a:lumMod val="75000"/>
+                  </a:schemeClr>
+                </a:solidFill>
+              </a:rPr>
+              <a:t>FLD’s</a:t>
+            </a:r>
+          </a:p>
+        </p:txBody>
+      </p:sp>
     </p:spTree>
     <p:extLst>
       <p:ext uri="{BB962C8B-B14F-4D97-AF65-F5344CB8AC3E}">
-        <p14:creationId xmlns:p14="http://schemas.microsoft.com/office/powerpoint/2010/main" val="303307349"/>
+        <p14:creationId xmlns:p14="http://schemas.microsoft.com/office/powerpoint/2010/main" val="913513448"/>
       </p:ext>
     </p:extLst>
   </p:cSld>
@@ -4626,19 +5458,22 @@
               <p:cTn id="2" dur="indefinite" nodeType="mainSeq">
                 <p:childTnLst>
                   <p:par>
-                    <p:cTn id="3" fill="hold">
+                    <p:cTn id="3" fill="hold" nodeType="clickPar">
                       <p:stCondLst>
                         <p:cond delay="indefinite"/>
+                        <p:cond evt="onBegin" delay="0">
+                          <p:tn val="2"/>
+                        </p:cond>
                       </p:stCondLst>
                       <p:childTnLst>
                         <p:par>
-                          <p:cTn id="4" fill="hold">
+                          <p:cTn id="4" fill="hold" nodeType="withGroup">
                             <p:stCondLst>
                               <p:cond delay="0"/>
                             </p:stCondLst>
                             <p:childTnLst>
                               <p:par>
-                                <p:cTn id="5" presetID="1" presetClass="entr" presetSubtype="0" fill="hold" nodeType="clickEffect">
+                                <p:cTn id="5" presetID="22" presetClass="entr" presetSubtype="1" fill="hold" nodeType="afterEffect">
                                   <p:stCondLst>
                                     <p:cond delay="0"/>
                                   </p:stCondLst>
@@ -4652,6 +5487,50 @@
                                         </p:cTn>
                                         <p:tgtEl>
                                           <p:spTgt spid="3"/>
+                                        </p:tgtEl>
+                                        <p:attrNameLst>
+                                          <p:attrName>style.visibility</p:attrName>
+                                        </p:attrNameLst>
+                                      </p:cBhvr>
+                                      <p:to>
+                                        <p:strVal val="visible"/>
+                                      </p:to>
+                                    </p:set>
+                                    <p:animEffect transition="in" filter="wipe(up)">
+                                      <p:cBhvr>
+                                        <p:cTn id="7" dur="250"/>
+                                        <p:tgtEl>
+                                          <p:spTgt spid="3"/>
+                                        </p:tgtEl>
+                                      </p:cBhvr>
+                                    </p:animEffect>
+                                  </p:childTnLst>
+                                </p:cTn>
+                              </p:par>
+                            </p:childTnLst>
+                          </p:cTn>
+                        </p:par>
+                        <p:par>
+                          <p:cTn id="8" fill="hold">
+                            <p:stCondLst>
+                              <p:cond delay="250"/>
+                            </p:stCondLst>
+                            <p:childTnLst>
+                              <p:par>
+                                <p:cTn id="9" presetID="1" presetClass="entr" presetSubtype="0" fill="hold" grpId="0" nodeType="afterEffect">
+                                  <p:stCondLst>
+                                    <p:cond delay="0"/>
+                                  </p:stCondLst>
+                                  <p:childTnLst>
+                                    <p:set>
+                                      <p:cBhvr>
+                                        <p:cTn id="10" dur="1" fill="hold">
+                                          <p:stCondLst>
+                                            <p:cond delay="249"/>
+                                          </p:stCondLst>
+                                        </p:cTn>
+                                        <p:tgtEl>
+                                          <p:spTgt spid="9"/>
                                         </p:tgtEl>
                                         <p:attrNameLst>
                                           <p:attrName>style.visibility</p:attrName>
@@ -4667,36 +5546,243 @@
                             </p:childTnLst>
                           </p:cTn>
                         </p:par>
-                      </p:childTnLst>
-                    </p:cTn>
-                  </p:par>
-                  <p:par>
-                    <p:cTn id="7" fill="hold">
-                      <p:stCondLst>
-                        <p:cond delay="indefinite"/>
-                      </p:stCondLst>
-                      <p:childTnLst>
                         <p:par>
-                          <p:cTn id="8" fill="hold">
+                          <p:cTn id="11" fill="hold">
                             <p:stCondLst>
-                              <p:cond delay="0"/>
+                              <p:cond delay="500"/>
                             </p:stCondLst>
                             <p:childTnLst>
                               <p:par>
-                                <p:cTn id="9" presetID="1" presetClass="entr" presetSubtype="0" fill="hold" nodeType="clickEffect">
+                                <p:cTn id="12" presetID="1" presetClass="entr" presetSubtype="0" fill="hold" grpId="0" nodeType="afterEffect">
                                   <p:stCondLst>
                                     <p:cond delay="0"/>
                                   </p:stCondLst>
                                   <p:childTnLst>
                                     <p:set>
                                       <p:cBhvr>
-                                        <p:cTn id="10" dur="1" fill="hold">
+                                        <p:cTn id="13" dur="1" fill="hold">
                                           <p:stCondLst>
-                                            <p:cond delay="0"/>
+                                            <p:cond delay="249"/>
                                           </p:stCondLst>
                                         </p:cTn>
                                         <p:tgtEl>
-                                          <p:spTgt spid="4"/>
+                                          <p:spTgt spid="11"/>
+                                        </p:tgtEl>
+                                        <p:attrNameLst>
+                                          <p:attrName>style.visibility</p:attrName>
+                                        </p:attrNameLst>
+                                      </p:cBhvr>
+                                      <p:to>
+                                        <p:strVal val="visible"/>
+                                      </p:to>
+                                    </p:set>
+                                  </p:childTnLst>
+                                </p:cTn>
+                              </p:par>
+                              <p:par>
+                                <p:cTn id="14" presetID="1" presetClass="entr" presetSubtype="0" fill="hold" grpId="0" nodeType="withEffect">
+                                  <p:stCondLst>
+                                    <p:cond delay="0"/>
+                                  </p:stCondLst>
+                                  <p:childTnLst>
+                                    <p:set>
+                                      <p:cBhvr>
+                                        <p:cTn id="15" dur="1" fill="hold">
+                                          <p:stCondLst>
+                                            <p:cond delay="249"/>
+                                          </p:stCondLst>
+                                        </p:cTn>
+                                        <p:tgtEl>
+                                          <p:spTgt spid="15"/>
+                                        </p:tgtEl>
+                                        <p:attrNameLst>
+                                          <p:attrName>style.visibility</p:attrName>
+                                        </p:attrNameLst>
+                                      </p:cBhvr>
+                                      <p:to>
+                                        <p:strVal val="visible"/>
+                                      </p:to>
+                                    </p:set>
+                                  </p:childTnLst>
+                                </p:cTn>
+                              </p:par>
+                              <p:par>
+                                <p:cTn id="16" presetID="1" presetClass="entr" presetSubtype="0" fill="hold" grpId="0" nodeType="withEffect">
+                                  <p:stCondLst>
+                                    <p:cond delay="0"/>
+                                  </p:stCondLst>
+                                  <p:childTnLst>
+                                    <p:set>
+                                      <p:cBhvr>
+                                        <p:cTn id="17" dur="1" fill="hold">
+                                          <p:stCondLst>
+                                            <p:cond delay="249"/>
+                                          </p:stCondLst>
+                                        </p:cTn>
+                                        <p:tgtEl>
+                                          <p:spTgt spid="12"/>
+                                        </p:tgtEl>
+                                        <p:attrNameLst>
+                                          <p:attrName>style.visibility</p:attrName>
+                                        </p:attrNameLst>
+                                      </p:cBhvr>
+                                      <p:to>
+                                        <p:strVal val="visible"/>
+                                      </p:to>
+                                    </p:set>
+                                  </p:childTnLst>
+                                </p:cTn>
+                              </p:par>
+                              <p:par>
+                                <p:cTn id="18" presetID="1" presetClass="entr" presetSubtype="0" fill="hold" grpId="0" nodeType="withEffect">
+                                  <p:stCondLst>
+                                    <p:cond delay="0"/>
+                                  </p:stCondLst>
+                                  <p:childTnLst>
+                                    <p:set>
+                                      <p:cBhvr>
+                                        <p:cTn id="19" dur="1" fill="hold">
+                                          <p:stCondLst>
+                                            <p:cond delay="249"/>
+                                          </p:stCondLst>
+                                        </p:cTn>
+                                        <p:tgtEl>
+                                          <p:spTgt spid="13"/>
+                                        </p:tgtEl>
+                                        <p:attrNameLst>
+                                          <p:attrName>style.visibility</p:attrName>
+                                        </p:attrNameLst>
+                                      </p:cBhvr>
+                                      <p:to>
+                                        <p:strVal val="visible"/>
+                                      </p:to>
+                                    </p:set>
+                                  </p:childTnLst>
+                                </p:cTn>
+                              </p:par>
+                              <p:par>
+                                <p:cTn id="20" presetID="1" presetClass="entr" presetSubtype="0" fill="hold" grpId="0" nodeType="withEffect">
+                                  <p:stCondLst>
+                                    <p:cond delay="0"/>
+                                  </p:stCondLst>
+                                  <p:childTnLst>
+                                    <p:set>
+                                      <p:cBhvr>
+                                        <p:cTn id="21" dur="1" fill="hold">
+                                          <p:stCondLst>
+                                            <p:cond delay="249"/>
+                                          </p:stCondLst>
+                                        </p:cTn>
+                                        <p:tgtEl>
+                                          <p:spTgt spid="14"/>
+                                        </p:tgtEl>
+                                        <p:attrNameLst>
+                                          <p:attrName>style.visibility</p:attrName>
+                                        </p:attrNameLst>
+                                      </p:cBhvr>
+                                      <p:to>
+                                        <p:strVal val="visible"/>
+                                      </p:to>
+                                    </p:set>
+                                  </p:childTnLst>
+                                </p:cTn>
+                              </p:par>
+                              <p:par>
+                                <p:cTn id="22" presetID="1" presetClass="entr" presetSubtype="0" fill="hold" grpId="0" nodeType="withEffect">
+                                  <p:stCondLst>
+                                    <p:cond delay="0"/>
+                                  </p:stCondLst>
+                                  <p:childTnLst>
+                                    <p:set>
+                                      <p:cBhvr>
+                                        <p:cTn id="23" dur="1" fill="hold">
+                                          <p:stCondLst>
+                                            <p:cond delay="249"/>
+                                          </p:stCondLst>
+                                        </p:cTn>
+                                        <p:tgtEl>
+                                          <p:spTgt spid="26"/>
+                                        </p:tgtEl>
+                                        <p:attrNameLst>
+                                          <p:attrName>style.visibility</p:attrName>
+                                        </p:attrNameLst>
+                                      </p:cBhvr>
+                                      <p:to>
+                                        <p:strVal val="visible"/>
+                                      </p:to>
+                                    </p:set>
+                                  </p:childTnLst>
+                                </p:cTn>
+                              </p:par>
+                              <p:par>
+                                <p:cTn id="24" presetID="1" presetClass="entr" presetSubtype="0" fill="hold" grpId="0" nodeType="withEffect">
+                                  <p:stCondLst>
+                                    <p:cond delay="0"/>
+                                  </p:stCondLst>
+                                  <p:childTnLst>
+                                    <p:set>
+                                      <p:cBhvr>
+                                        <p:cTn id="25" dur="1" fill="hold">
+                                          <p:stCondLst>
+                                            <p:cond delay="249"/>
+                                          </p:stCondLst>
+                                        </p:cTn>
+                                        <p:tgtEl>
+                                          <p:spTgt spid="56"/>
+                                        </p:tgtEl>
+                                        <p:attrNameLst>
+                                          <p:attrName>style.visibility</p:attrName>
+                                        </p:attrNameLst>
+                                      </p:cBhvr>
+                                      <p:to>
+                                        <p:strVal val="visible"/>
+                                      </p:to>
+                                    </p:set>
+                                  </p:childTnLst>
+                                </p:cTn>
+                              </p:par>
+                              <p:par>
+                                <p:cTn id="26" presetID="1" presetClass="entr" presetSubtype="0" fill="hold" grpId="0" nodeType="withEffect">
+                                  <p:stCondLst>
+                                    <p:cond delay="0"/>
+                                  </p:stCondLst>
+                                  <p:childTnLst>
+                                    <p:set>
+                                      <p:cBhvr>
+                                        <p:cTn id="27" dur="1" fill="hold">
+                                          <p:stCondLst>
+                                            <p:cond delay="249"/>
+                                          </p:stCondLst>
+                                        </p:cTn>
+                                        <p:tgtEl>
+                                          <p:spTgt spid="65"/>
+                                        </p:tgtEl>
+                                        <p:attrNameLst>
+                                          <p:attrName>style.visibility</p:attrName>
+                                        </p:attrNameLst>
+                                      </p:cBhvr>
+                                      <p:to>
+                                        <p:strVal val="visible"/>
+                                      </p:to>
+                                    </p:set>
+                                  </p:childTnLst>
+                                </p:cTn>
+                              </p:par>
+                              <p:par>
+                                <p:cTn id="28" presetID="1" presetClass="entr" presetSubtype="0" fill="hold" grpId="0" nodeType="withEffect">
+                                  <p:stCondLst>
+                                    <p:cond delay="0"/>
+                                  </p:stCondLst>
+                                  <p:childTnLst>
+                                    <p:set>
+                                      <p:cBhvr>
+                                        <p:cTn id="29" dur="1" fill="hold">
+                                          <p:stCondLst>
+                                            <p:cond delay="249"/>
+                                          </p:stCondLst>
+                                        </p:cTn>
+                                        <p:tgtEl>
+                                          <p:spTgt spid="68"/>
                                         </p:tgtEl>
                                         <p:attrNameLst>
                                           <p:attrName>style.visibility</p:attrName>
@@ -4712,36 +5798,237 @@
                             </p:childTnLst>
                           </p:cTn>
                         </p:par>
-                      </p:childTnLst>
-                    </p:cTn>
-                  </p:par>
-                  <p:par>
-                    <p:cTn id="11" fill="hold">
-                      <p:stCondLst>
-                        <p:cond delay="indefinite"/>
-                      </p:stCondLst>
-                      <p:childTnLst>
                         <p:par>
-                          <p:cTn id="12" fill="hold">
+                          <p:cTn id="30" fill="hold">
                             <p:stCondLst>
-                              <p:cond delay="0"/>
+                              <p:cond delay="750"/>
                             </p:stCondLst>
                             <p:childTnLst>
                               <p:par>
-                                <p:cTn id="13" presetID="1" presetClass="entr" presetSubtype="0" fill="hold" nodeType="clickEffect">
+                                <p:cTn id="31" presetID="16" presetClass="entr" presetSubtype="37" fill="hold" nodeType="afterEffect">
                                   <p:stCondLst>
                                     <p:cond delay="0"/>
                                   </p:stCondLst>
                                   <p:childTnLst>
                                     <p:set>
                                       <p:cBhvr>
-                                        <p:cTn id="14" dur="1" fill="hold">
+                                        <p:cTn id="32" dur="1" fill="hold">
                                           <p:stCondLst>
                                             <p:cond delay="0"/>
                                           </p:stCondLst>
                                         </p:cTn>
                                         <p:tgtEl>
-                                          <p:spTgt spid="5"/>
+                                          <p:spTgt spid="61"/>
+                                        </p:tgtEl>
+                                        <p:attrNameLst>
+                                          <p:attrName>style.visibility</p:attrName>
+                                        </p:attrNameLst>
+                                      </p:cBhvr>
+                                      <p:to>
+                                        <p:strVal val="visible"/>
+                                      </p:to>
+                                    </p:set>
+                                    <p:animEffect transition="in" filter="barn(outVertical)">
+                                      <p:cBhvr>
+                                        <p:cTn id="33" dur="250"/>
+                                        <p:tgtEl>
+                                          <p:spTgt spid="61"/>
+                                        </p:tgtEl>
+                                      </p:cBhvr>
+                                    </p:animEffect>
+                                  </p:childTnLst>
+                                </p:cTn>
+                              </p:par>
+                              <p:par>
+                                <p:cTn id="34" presetID="16" presetClass="entr" presetSubtype="37" fill="hold" nodeType="withEffect">
+                                  <p:stCondLst>
+                                    <p:cond delay="0"/>
+                                  </p:stCondLst>
+                                  <p:childTnLst>
+                                    <p:set>
+                                      <p:cBhvr>
+                                        <p:cTn id="35" dur="1" fill="hold">
+                                          <p:stCondLst>
+                                            <p:cond delay="0"/>
+                                          </p:stCondLst>
+                                        </p:cTn>
+                                        <p:tgtEl>
+                                          <p:spTgt spid="70"/>
+                                        </p:tgtEl>
+                                        <p:attrNameLst>
+                                          <p:attrName>style.visibility</p:attrName>
+                                        </p:attrNameLst>
+                                      </p:cBhvr>
+                                      <p:to>
+                                        <p:strVal val="visible"/>
+                                      </p:to>
+                                    </p:set>
+                                    <p:animEffect transition="in" filter="barn(outVertical)">
+                                      <p:cBhvr>
+                                        <p:cTn id="36" dur="250"/>
+                                        <p:tgtEl>
+                                          <p:spTgt spid="70"/>
+                                        </p:tgtEl>
+                                      </p:cBhvr>
+                                    </p:animEffect>
+                                  </p:childTnLst>
+                                </p:cTn>
+                              </p:par>
+                              <p:par>
+                                <p:cTn id="37" presetID="22" presetClass="entr" presetSubtype="1" fill="hold" nodeType="withEffect">
+                                  <p:stCondLst>
+                                    <p:cond delay="0"/>
+                                  </p:stCondLst>
+                                  <p:childTnLst>
+                                    <p:set>
+                                      <p:cBhvr>
+                                        <p:cTn id="38" dur="1" fill="hold">
+                                          <p:stCondLst>
+                                            <p:cond delay="0"/>
+                                          </p:stCondLst>
+                                        </p:cTn>
+                                        <p:tgtEl>
+                                          <p:spTgt spid="28"/>
+                                        </p:tgtEl>
+                                        <p:attrNameLst>
+                                          <p:attrName>style.visibility</p:attrName>
+                                        </p:attrNameLst>
+                                      </p:cBhvr>
+                                      <p:to>
+                                        <p:strVal val="visible"/>
+                                      </p:to>
+                                    </p:set>
+                                    <p:animEffect transition="in" filter="wipe(up)">
+                                      <p:cBhvr>
+                                        <p:cTn id="39" dur="250"/>
+                                        <p:tgtEl>
+                                          <p:spTgt spid="28"/>
+                                        </p:tgtEl>
+                                      </p:cBhvr>
+                                    </p:animEffect>
+                                  </p:childTnLst>
+                                </p:cTn>
+                              </p:par>
+                              <p:par>
+                                <p:cTn id="40" presetID="16" presetClass="entr" presetSubtype="37" fill="hold" nodeType="withEffect">
+                                  <p:stCondLst>
+                                    <p:cond delay="0"/>
+                                  </p:stCondLst>
+                                  <p:childTnLst>
+                                    <p:set>
+                                      <p:cBhvr>
+                                        <p:cTn id="41" dur="1" fill="hold">
+                                          <p:stCondLst>
+                                            <p:cond delay="0"/>
+                                          </p:stCondLst>
+                                        </p:cTn>
+                                        <p:tgtEl>
+                                          <p:spTgt spid="31"/>
+                                        </p:tgtEl>
+                                        <p:attrNameLst>
+                                          <p:attrName>style.visibility</p:attrName>
+                                        </p:attrNameLst>
+                                      </p:cBhvr>
+                                      <p:to>
+                                        <p:strVal val="visible"/>
+                                      </p:to>
+                                    </p:set>
+                                    <p:animEffect transition="in" filter="barn(outVertical)">
+                                      <p:cBhvr>
+                                        <p:cTn id="42" dur="250"/>
+                                        <p:tgtEl>
+                                          <p:spTgt spid="31"/>
+                                        </p:tgtEl>
+                                      </p:cBhvr>
+                                    </p:animEffect>
+                                  </p:childTnLst>
+                                </p:cTn>
+                              </p:par>
+                              <p:par>
+                                <p:cTn id="43" presetID="16" presetClass="entr" presetSubtype="37" fill="hold" nodeType="withEffect">
+                                  <p:stCondLst>
+                                    <p:cond delay="0"/>
+                                  </p:stCondLst>
+                                  <p:childTnLst>
+                                    <p:set>
+                                      <p:cBhvr>
+                                        <p:cTn id="44" dur="1" fill="hold">
+                                          <p:stCondLst>
+                                            <p:cond delay="0"/>
+                                          </p:stCondLst>
+                                        </p:cTn>
+                                        <p:tgtEl>
+                                          <p:spTgt spid="32"/>
+                                        </p:tgtEl>
+                                        <p:attrNameLst>
+                                          <p:attrName>style.visibility</p:attrName>
+                                        </p:attrNameLst>
+                                      </p:cBhvr>
+                                      <p:to>
+                                        <p:strVal val="visible"/>
+                                      </p:to>
+                                    </p:set>
+                                    <p:animEffect transition="in" filter="barn(outVertical)">
+                                      <p:cBhvr>
+                                        <p:cTn id="45" dur="250"/>
+                                        <p:tgtEl>
+                                          <p:spTgt spid="32"/>
+                                        </p:tgtEl>
+                                      </p:cBhvr>
+                                    </p:animEffect>
+                                  </p:childTnLst>
+                                </p:cTn>
+                              </p:par>
+                              <p:par>
+                                <p:cTn id="46" presetID="16" presetClass="entr" presetSubtype="37" fill="hold" nodeType="withEffect">
+                                  <p:stCondLst>
+                                    <p:cond delay="0"/>
+                                  </p:stCondLst>
+                                  <p:childTnLst>
+                                    <p:set>
+                                      <p:cBhvr>
+                                        <p:cTn id="47" dur="1" fill="hold">
+                                          <p:stCondLst>
+                                            <p:cond delay="0"/>
+                                          </p:stCondLst>
+                                        </p:cTn>
+                                        <p:tgtEl>
+                                          <p:spTgt spid="34"/>
+                                        </p:tgtEl>
+                                        <p:attrNameLst>
+                                          <p:attrName>style.visibility</p:attrName>
+                                        </p:attrNameLst>
+                                      </p:cBhvr>
+                                      <p:to>
+                                        <p:strVal val="visible"/>
+                                      </p:to>
+                                    </p:set>
+                                    <p:animEffect transition="in" filter="barn(outVertical)">
+                                      <p:cBhvr>
+                                        <p:cTn id="48" dur="250"/>
+                                        <p:tgtEl>
+                                          <p:spTgt spid="34"/>
+                                        </p:tgtEl>
+                                      </p:cBhvr>
+                                    </p:animEffect>
+                                  </p:childTnLst>
+                                </p:cTn>
+                              </p:par>
+                              <p:par>
+                                <p:cTn id="49" presetID="1" presetClass="entr" presetSubtype="0" fill="hold" grpId="0" nodeType="withEffect">
+                                  <p:stCondLst>
+                                    <p:cond delay="0"/>
+                                  </p:stCondLst>
+                                  <p:childTnLst>
+                                    <p:set>
+                                      <p:cBhvr>
+                                        <p:cTn id="50" dur="1" fill="hold">
+                                          <p:stCondLst>
+                                            <p:cond delay="249"/>
+                                          </p:stCondLst>
+                                        </p:cTn>
+                                        <p:tgtEl>
+                                          <p:spTgt spid="10"/>
                                         </p:tgtEl>
                                         <p:attrNameLst>
                                           <p:attrName>style.visibility</p:attrName>
@@ -4757,36 +6044,27 @@
                             </p:childTnLst>
                           </p:cTn>
                         </p:par>
-                      </p:childTnLst>
-                    </p:cTn>
-                  </p:par>
-                  <p:par>
-                    <p:cTn id="15" fill="hold">
-                      <p:stCondLst>
-                        <p:cond delay="indefinite"/>
-                      </p:stCondLst>
-                      <p:childTnLst>
                         <p:par>
-                          <p:cTn id="16" fill="hold">
+                          <p:cTn id="51" fill="hold">
                             <p:stCondLst>
-                              <p:cond delay="0"/>
+                              <p:cond delay="1000"/>
                             </p:stCondLst>
                             <p:childTnLst>
                               <p:par>
-                                <p:cTn id="17" presetID="1" presetClass="entr" presetSubtype="0" fill="hold" nodeType="clickEffect">
+                                <p:cTn id="52" presetID="1" presetClass="entr" presetSubtype="0" fill="hold" grpId="0" nodeType="afterEffect">
                                   <p:stCondLst>
                                     <p:cond delay="0"/>
                                   </p:stCondLst>
                                   <p:childTnLst>
                                     <p:set>
                                       <p:cBhvr>
-                                        <p:cTn id="18" dur="1" fill="hold">
+                                        <p:cTn id="53" dur="1" fill="hold">
                                           <p:stCondLst>
-                                            <p:cond delay="0"/>
+                                            <p:cond delay="249"/>
                                           </p:stCondLst>
                                         </p:cTn>
                                         <p:tgtEl>
-                                          <p:spTgt spid="6"/>
+                                          <p:spTgt spid="16"/>
                                         </p:tgtEl>
                                         <p:attrNameLst>
                                           <p:attrName>style.visibility</p:attrName>
@@ -4802,36 +6080,27 @@
                             </p:childTnLst>
                           </p:cTn>
                         </p:par>
-                      </p:childTnLst>
-                    </p:cTn>
-                  </p:par>
-                  <p:par>
-                    <p:cTn id="19" fill="hold">
-                      <p:stCondLst>
-                        <p:cond delay="indefinite"/>
-                      </p:stCondLst>
-                      <p:childTnLst>
                         <p:par>
-                          <p:cTn id="20" fill="hold">
+                          <p:cTn id="54" fill="hold">
                             <p:stCondLst>
-                              <p:cond delay="0"/>
+                              <p:cond delay="1250"/>
                             </p:stCondLst>
                             <p:childTnLst>
                               <p:par>
-                                <p:cTn id="21" presetID="1" presetClass="entr" presetSubtype="0" fill="hold" nodeType="clickEffect">
+                                <p:cTn id="55" presetID="1" presetClass="entr" presetSubtype="0" fill="hold" grpId="0" nodeType="afterEffect">
                                   <p:stCondLst>
                                     <p:cond delay="0"/>
                                   </p:stCondLst>
                                   <p:childTnLst>
                                     <p:set>
                                       <p:cBhvr>
-                                        <p:cTn id="22" dur="1" fill="hold">
+                                        <p:cTn id="56" dur="1" fill="hold">
                                           <p:stCondLst>
-                                            <p:cond delay="0"/>
+                                            <p:cond delay="249"/>
                                           </p:stCondLst>
                                         </p:cTn>
                                         <p:tgtEl>
-                                          <p:spTgt spid="7"/>
+                                          <p:spTgt spid="18"/>
                                         </p:tgtEl>
                                         <p:attrNameLst>
                                           <p:attrName>style.visibility</p:attrName>
@@ -4847,36 +6116,27 @@
                             </p:childTnLst>
                           </p:cTn>
                         </p:par>
-                      </p:childTnLst>
-                    </p:cTn>
-                  </p:par>
-                  <p:par>
-                    <p:cTn id="23" fill="hold">
-                      <p:stCondLst>
-                        <p:cond delay="indefinite"/>
-                      </p:stCondLst>
-                      <p:childTnLst>
                         <p:par>
-                          <p:cTn id="24" fill="hold">
+                          <p:cTn id="57" fill="hold">
                             <p:stCondLst>
-                              <p:cond delay="0"/>
+                              <p:cond delay="1500"/>
                             </p:stCondLst>
                             <p:childTnLst>
                               <p:par>
-                                <p:cTn id="25" presetID="1" presetClass="entr" presetSubtype="0" fill="hold" nodeType="clickEffect">
+                                <p:cTn id="58" presetID="1" presetClass="entr" presetSubtype="0" fill="hold" grpId="0" nodeType="afterEffect">
                                   <p:stCondLst>
                                     <p:cond delay="0"/>
                                   </p:stCondLst>
                                   <p:childTnLst>
                                     <p:set>
                                       <p:cBhvr>
-                                        <p:cTn id="26" dur="1" fill="hold">
+                                        <p:cTn id="59" dur="1" fill="hold">
                                           <p:stCondLst>
-                                            <p:cond delay="0"/>
+                                            <p:cond delay="249"/>
                                           </p:stCondLst>
                                         </p:cTn>
                                         <p:tgtEl>
-                                          <p:spTgt spid="8"/>
+                                          <p:spTgt spid="19"/>
                                         </p:tgtEl>
                                         <p:attrNameLst>
                                           <p:attrName>style.visibility</p:attrName>
@@ -4892,36 +6152,27 @@
                             </p:childTnLst>
                           </p:cTn>
                         </p:par>
-                      </p:childTnLst>
-                    </p:cTn>
-                  </p:par>
-                  <p:par>
-                    <p:cTn id="27" fill="hold">
-                      <p:stCondLst>
-                        <p:cond delay="indefinite"/>
-                      </p:stCondLst>
-                      <p:childTnLst>
                         <p:par>
-                          <p:cTn id="28" fill="hold">
+                          <p:cTn id="60" fill="hold">
                             <p:stCondLst>
-                              <p:cond delay="0"/>
+                              <p:cond delay="1750"/>
                             </p:stCondLst>
                             <p:childTnLst>
                               <p:par>
-                                <p:cTn id="29" presetID="1" presetClass="entr" presetSubtype="0" fill="hold" nodeType="clickEffect">
+                                <p:cTn id="61" presetID="1" presetClass="entr" presetSubtype="0" fill="hold" grpId="0" nodeType="afterEffect">
                                   <p:stCondLst>
                                     <p:cond delay="0"/>
                                   </p:stCondLst>
                                   <p:childTnLst>
                                     <p:set>
                                       <p:cBhvr>
-                                        <p:cTn id="30" dur="1" fill="hold">
+                                        <p:cTn id="62" dur="1" fill="hold">
                                           <p:stCondLst>
-                                            <p:cond delay="0"/>
+                                            <p:cond delay="249"/>
                                           </p:stCondLst>
                                         </p:cTn>
                                         <p:tgtEl>
-                                          <p:spTgt spid="9"/>
+                                          <p:spTgt spid="48"/>
                                         </p:tgtEl>
                                         <p:attrNameLst>
                                           <p:attrName>style.visibility</p:attrName>
@@ -4937,36 +6188,27 @@
                             </p:childTnLst>
                           </p:cTn>
                         </p:par>
-                      </p:childTnLst>
-                    </p:cTn>
-                  </p:par>
-                  <p:par>
-                    <p:cTn id="31" fill="hold">
-                      <p:stCondLst>
-                        <p:cond delay="indefinite"/>
-                      </p:stCondLst>
-                      <p:childTnLst>
                         <p:par>
-                          <p:cTn id="32" fill="hold">
+                          <p:cTn id="63" fill="hold">
                             <p:stCondLst>
-                              <p:cond delay="0"/>
+                              <p:cond delay="2000"/>
                             </p:stCondLst>
                             <p:childTnLst>
                               <p:par>
-                                <p:cTn id="33" presetID="1" presetClass="entr" presetSubtype="0" fill="hold" nodeType="clickEffect">
+                                <p:cTn id="64" presetID="1" presetClass="entr" presetSubtype="0" fill="hold" grpId="0" nodeType="afterEffect">
                                   <p:stCondLst>
                                     <p:cond delay="0"/>
                                   </p:stCondLst>
                                   <p:childTnLst>
                                     <p:set>
                                       <p:cBhvr>
-                                        <p:cTn id="34" dur="1" fill="hold">
+                                        <p:cTn id="65" dur="1" fill="hold">
                                           <p:stCondLst>
-                                            <p:cond delay="0"/>
+                                            <p:cond delay="249"/>
                                           </p:stCondLst>
                                         </p:cTn>
                                         <p:tgtEl>
-                                          <p:spTgt spid="10"/>
+                                          <p:spTgt spid="17"/>
                                         </p:tgtEl>
                                         <p:attrNameLst>
                                           <p:attrName>style.visibility</p:attrName>
@@ -4982,36 +6224,27 @@
                             </p:childTnLst>
                           </p:cTn>
                         </p:par>
-                      </p:childTnLst>
-                    </p:cTn>
-                  </p:par>
-                  <p:par>
-                    <p:cTn id="35" fill="hold">
-                      <p:stCondLst>
-                        <p:cond delay="indefinite"/>
-                      </p:stCondLst>
-                      <p:childTnLst>
                         <p:par>
-                          <p:cTn id="36" fill="hold">
+                          <p:cTn id="66" fill="hold">
                             <p:stCondLst>
-                              <p:cond delay="0"/>
+                              <p:cond delay="2250"/>
                             </p:stCondLst>
                             <p:childTnLst>
                               <p:par>
-                                <p:cTn id="37" presetID="1" presetClass="entr" presetSubtype="0" fill="hold" nodeType="clickEffect">
+                                <p:cTn id="67" presetID="22" presetClass="entr" presetSubtype="1" fill="hold" nodeType="afterEffect">
                                   <p:stCondLst>
                                     <p:cond delay="0"/>
                                   </p:stCondLst>
                                   <p:childTnLst>
                                     <p:set>
                                       <p:cBhvr>
-                                        <p:cTn id="38" dur="1" fill="hold">
+                                        <p:cTn id="68" dur="1" fill="hold">
                                           <p:stCondLst>
                                             <p:cond delay="0"/>
                                           </p:stCondLst>
                                         </p:cTn>
                                         <p:tgtEl>
-                                          <p:spTgt spid="11"/>
+                                          <p:spTgt spid="36"/>
                                         </p:tgtEl>
                                         <p:attrNameLst>
                                           <p:attrName>style.visibility</p:attrName>
@@ -5021,42 +6254,41 @@
                                         <p:strVal val="visible"/>
                                       </p:to>
                                     </p:set>
+                                    <p:animEffect transition="in" filter="wipe(up)">
+                                      <p:cBhvr>
+                                        <p:cTn id="69" dur="250"/>
+                                        <p:tgtEl>
+                                          <p:spTgt spid="36"/>
+                                        </p:tgtEl>
+                                      </p:cBhvr>
+                                    </p:animEffect>
                                   </p:childTnLst>
                                 </p:cTn>
                               </p:par>
                             </p:childTnLst>
                           </p:cTn>
                         </p:par>
-                      </p:childTnLst>
-                    </p:cTn>
-                  </p:par>
-                  <p:par>
-                    <p:cTn id="39" fill="hold">
-                      <p:stCondLst>
-                        <p:cond delay="indefinite"/>
-                      </p:stCondLst>
-                      <p:childTnLst>
                         <p:par>
-                          <p:cTn id="40" fill="hold">
+                          <p:cTn id="70" fill="hold">
                             <p:stCondLst>
-                              <p:cond delay="0"/>
+                              <p:cond delay="2500"/>
                             </p:stCondLst>
                             <p:childTnLst>
                               <p:par>
-                                <p:cTn id="41" presetID="1" presetClass="entr" presetSubtype="0" fill="hold" nodeType="clickEffect">
+                                <p:cTn id="71" presetID="16" presetClass="entr" presetSubtype="37" fill="hold" nodeType="afterEffect">
                                   <p:stCondLst>
                                     <p:cond delay="0"/>
                                   </p:stCondLst>
                                   <p:childTnLst>
                                     <p:set>
                                       <p:cBhvr>
-                                        <p:cTn id="42" dur="1" fill="hold">
+                                        <p:cTn id="72" dur="1" fill="hold">
                                           <p:stCondLst>
                                             <p:cond delay="0"/>
                                           </p:stCondLst>
                                         </p:cTn>
                                         <p:tgtEl>
-                                          <p:spTgt spid="12"/>
+                                          <p:spTgt spid="46"/>
                                         </p:tgtEl>
                                         <p:attrNameLst>
                                           <p:attrName>style.visibility</p:attrName>
@@ -5066,42 +6298,41 @@
                                         <p:strVal val="visible"/>
                                       </p:to>
                                     </p:set>
+                                    <p:animEffect transition="in" filter="barn(outVertical)">
+                                      <p:cBhvr>
+                                        <p:cTn id="73" dur="250"/>
+                                        <p:tgtEl>
+                                          <p:spTgt spid="46"/>
+                                        </p:tgtEl>
+                                      </p:cBhvr>
+                                    </p:animEffect>
                                   </p:childTnLst>
                                 </p:cTn>
                               </p:par>
                             </p:childTnLst>
                           </p:cTn>
                         </p:par>
-                      </p:childTnLst>
-                    </p:cTn>
-                  </p:par>
-                  <p:par>
-                    <p:cTn id="43" fill="hold">
-                      <p:stCondLst>
-                        <p:cond delay="indefinite"/>
-                      </p:stCondLst>
-                      <p:childTnLst>
                         <p:par>
-                          <p:cTn id="44" fill="hold">
+                          <p:cTn id="74" fill="hold">
                             <p:stCondLst>
-                              <p:cond delay="0"/>
+                              <p:cond delay="2750"/>
                             </p:stCondLst>
                             <p:childTnLst>
                               <p:par>
-                                <p:cTn id="45" presetID="1" presetClass="entr" presetSubtype="0" fill="hold" nodeType="clickEffect">
+                                <p:cTn id="75" presetID="16" presetClass="entr" presetSubtype="37" fill="hold" nodeType="afterEffect">
                                   <p:stCondLst>
                                     <p:cond delay="0"/>
                                   </p:stCondLst>
                                   <p:childTnLst>
                                     <p:set>
                                       <p:cBhvr>
-                                        <p:cTn id="46" dur="1" fill="hold">
+                                        <p:cTn id="76" dur="1" fill="hold">
                                           <p:stCondLst>
                                             <p:cond delay="0"/>
                                           </p:stCondLst>
                                         </p:cTn>
                                         <p:tgtEl>
-                                          <p:spTgt spid="13"/>
+                                          <p:spTgt spid="50"/>
                                         </p:tgtEl>
                                         <p:attrNameLst>
                                           <p:attrName>style.visibility</p:attrName>
@@ -5111,51 +6342,14 @@
                                         <p:strVal val="visible"/>
                                       </p:to>
                                     </p:set>
-                                  </p:childTnLst>
-                                </p:cTn>
-                              </p:par>
-                            </p:childTnLst>
-                          </p:cTn>
-                        </p:par>
-                      </p:childTnLst>
-                    </p:cTn>
-                  </p:par>
-                  <p:par>
-                    <p:cTn id="47" fill="hold">
-                      <p:stCondLst>
-                        <p:cond delay="indefinite"/>
-                      </p:stCondLst>
-                      <p:childTnLst>
-                        <p:par>
-                          <p:cTn id="48" fill="hold">
-                            <p:stCondLst>
-                              <p:cond delay="0"/>
-                            </p:stCondLst>
-                            <p:childTnLst>
-                              <p:par>
-                                <p:cTn id="49" presetID="1" presetClass="entr" presetSubtype="0" fill="hold" nodeType="clickEffect">
-                                  <p:stCondLst>
-                                    <p:cond delay="0"/>
-                                  </p:stCondLst>
-                                  <p:childTnLst>
-                                    <p:set>
-                                      <p:cBhvr>
-                                        <p:cTn id="50" dur="1" fill="hold">
-                                          <p:stCondLst>
-                                            <p:cond delay="0"/>
-                                          </p:stCondLst>
-                                        </p:cTn>
-                                        <p:tgtEl>
-                                          <p:spTgt spid="14"/>
-                                        </p:tgtEl>
-                                        <p:attrNameLst>
-                                          <p:attrName>style.visibility</p:attrName>
-                                        </p:attrNameLst>
-                                      </p:cBhvr>
-                                      <p:to>
-                                        <p:strVal val="visible"/>
-                                      </p:to>
-                                    </p:set>
+                                    <p:animEffect transition="in" filter="barn(outVertical)">
+                                      <p:cBhvr>
+                                        <p:cTn id="77" dur="250"/>
+                                        <p:tgtEl>
+                                          <p:spTgt spid="50"/>
+                                        </p:tgtEl>
+                                      </p:cBhvr>
+                                    </p:animEffect>
                                   </p:childTnLst>
                                 </p:cTn>
                               </p:par>
@@ -5186,6 +6380,24 @@
         </p:cTn>
       </p:par>
     </p:tnLst>
+    <p:bldLst>
+      <p:bldP spid="9" grpId="0" animBg="1"/>
+      <p:bldP spid="10" grpId="0" animBg="1"/>
+      <p:bldP spid="11" grpId="0" animBg="1"/>
+      <p:bldP spid="12" grpId="0" animBg="1"/>
+      <p:bldP spid="13" grpId="0" animBg="1"/>
+      <p:bldP spid="14" grpId="0" animBg="1"/>
+      <p:bldP spid="15" grpId="0" animBg="1"/>
+      <p:bldP spid="16" grpId="0" animBg="1"/>
+      <p:bldP spid="17" grpId="0" animBg="1"/>
+      <p:bldP spid="18" grpId="0" animBg="1"/>
+      <p:bldP spid="19" grpId="0" animBg="1"/>
+      <p:bldP spid="26" grpId="0" animBg="1"/>
+      <p:bldP spid="48" grpId="0" animBg="1"/>
+      <p:bldP spid="56" grpId="0" animBg="1"/>
+      <p:bldP spid="65" grpId="0" animBg="1"/>
+      <p:bldP spid="68" grpId="0" animBg="1"/>
+    </p:bldLst>
   </p:timing>
 </p:sld>
 </file>
@@ -14680,6 +15892,1050 @@
           <a:chExt cx="0" cy="0"/>
         </a:xfrm>
       </p:grpSpPr>
+      <p:pic>
+        <p:nvPicPr>
+          <p:cNvPr id="3" name="Picture 2"/>
+          <p:cNvPicPr>
+            <a:picLocks noChangeAspect="1"/>
+          </p:cNvPicPr>
+          <p:nvPr/>
+        </p:nvPicPr>
+        <p:blipFill>
+          <a:blip r:embed="rId2">
+            <a:extLst>
+              <a:ext uri="{28A0092B-C50C-407E-A947-70E740481C1C}">
+                <a14:useLocalDpi xmlns:a14="http://schemas.microsoft.com/office/drawing/2010/main" val="0"/>
+              </a:ext>
+            </a:extLst>
+          </a:blip>
+          <a:stretch>
+            <a:fillRect/>
+          </a:stretch>
+        </p:blipFill>
+        <p:spPr>
+          <a:xfrm>
+            <a:off x="2041" y="0"/>
+            <a:ext cx="4898571" cy="6858000"/>
+          </a:xfrm>
+          <a:prstGeom prst="rect">
+            <a:avLst/>
+          </a:prstGeom>
+          <a:effectLst>
+            <a:outerShdw blurRad="50800" dist="38100" dir="8100000" algn="tr" rotWithShape="0">
+              <a:prstClr val="black">
+                <a:alpha val="40000"/>
+              </a:prstClr>
+            </a:outerShdw>
+          </a:effectLst>
+        </p:spPr>
+      </p:pic>
+      <p:pic>
+        <p:nvPicPr>
+          <p:cNvPr id="4" name="Picture 3"/>
+          <p:cNvPicPr>
+            <a:picLocks noChangeAspect="1"/>
+          </p:cNvPicPr>
+          <p:nvPr/>
+        </p:nvPicPr>
+        <p:blipFill>
+          <a:blip r:embed="rId3">
+            <a:extLst>
+              <a:ext uri="{28A0092B-C50C-407E-A947-70E740481C1C}">
+                <a14:useLocalDpi xmlns:a14="http://schemas.microsoft.com/office/drawing/2010/main" val="0"/>
+              </a:ext>
+            </a:extLst>
+          </a:blip>
+          <a:stretch>
+            <a:fillRect/>
+          </a:stretch>
+        </p:blipFill>
+        <p:spPr>
+          <a:xfrm>
+            <a:off x="912837" y="0"/>
+            <a:ext cx="4898571" cy="6858000"/>
+          </a:xfrm>
+          <a:prstGeom prst="rect">
+            <a:avLst/>
+          </a:prstGeom>
+          <a:effectLst>
+            <a:outerShdw blurRad="50800" dist="38100" dir="8100000" algn="tr" rotWithShape="0">
+              <a:prstClr val="black">
+                <a:alpha val="40000"/>
+              </a:prstClr>
+            </a:outerShdw>
+          </a:effectLst>
+        </p:spPr>
+      </p:pic>
+      <p:pic>
+        <p:nvPicPr>
+          <p:cNvPr id="5" name="Picture 4"/>
+          <p:cNvPicPr>
+            <a:picLocks noChangeAspect="1"/>
+          </p:cNvPicPr>
+          <p:nvPr/>
+        </p:nvPicPr>
+        <p:blipFill>
+          <a:blip r:embed="rId4">
+            <a:extLst>
+              <a:ext uri="{28A0092B-C50C-407E-A947-70E740481C1C}">
+                <a14:useLocalDpi xmlns:a14="http://schemas.microsoft.com/office/drawing/2010/main" val="0"/>
+              </a:ext>
+            </a:extLst>
+          </a:blip>
+          <a:stretch>
+            <a:fillRect/>
+          </a:stretch>
+        </p:blipFill>
+        <p:spPr>
+          <a:xfrm>
+            <a:off x="1497428" y="0"/>
+            <a:ext cx="4898571" cy="6858000"/>
+          </a:xfrm>
+          <a:prstGeom prst="rect">
+            <a:avLst/>
+          </a:prstGeom>
+          <a:effectLst>
+            <a:outerShdw blurRad="50800" dist="38100" dir="8100000" algn="tr" rotWithShape="0">
+              <a:prstClr val="black">
+                <a:alpha val="40000"/>
+              </a:prstClr>
+            </a:outerShdw>
+          </a:effectLst>
+        </p:spPr>
+      </p:pic>
+      <p:pic>
+        <p:nvPicPr>
+          <p:cNvPr id="6" name="Picture 5"/>
+          <p:cNvPicPr>
+            <a:picLocks noChangeAspect="1"/>
+          </p:cNvPicPr>
+          <p:nvPr/>
+        </p:nvPicPr>
+        <p:blipFill>
+          <a:blip r:embed="rId5">
+            <a:extLst>
+              <a:ext uri="{28A0092B-C50C-407E-A947-70E740481C1C}">
+                <a14:useLocalDpi xmlns:a14="http://schemas.microsoft.com/office/drawing/2010/main" val="0"/>
+              </a:ext>
+            </a:extLst>
+          </a:blip>
+          <a:stretch>
+            <a:fillRect/>
+          </a:stretch>
+        </p:blipFill>
+        <p:spPr>
+          <a:xfrm>
+            <a:off x="2325005" y="11363"/>
+            <a:ext cx="4898571" cy="6858000"/>
+          </a:xfrm>
+          <a:prstGeom prst="rect">
+            <a:avLst/>
+          </a:prstGeom>
+          <a:effectLst>
+            <a:outerShdw blurRad="50800" dist="38100" dir="8100000" algn="tr" rotWithShape="0">
+              <a:prstClr val="black">
+                <a:alpha val="40000"/>
+              </a:prstClr>
+            </a:outerShdw>
+          </a:effectLst>
+        </p:spPr>
+      </p:pic>
+      <p:pic>
+        <p:nvPicPr>
+          <p:cNvPr id="7" name="Picture 6"/>
+          <p:cNvPicPr>
+            <a:picLocks noChangeAspect="1"/>
+          </p:cNvPicPr>
+          <p:nvPr/>
+        </p:nvPicPr>
+        <p:blipFill>
+          <a:blip r:embed="rId6">
+            <a:extLst>
+              <a:ext uri="{28A0092B-C50C-407E-A947-70E740481C1C}">
+                <a14:useLocalDpi xmlns:a14="http://schemas.microsoft.com/office/drawing/2010/main" val="0"/>
+              </a:ext>
+            </a:extLst>
+          </a:blip>
+          <a:stretch>
+            <a:fillRect/>
+          </a:stretch>
+        </p:blipFill>
+        <p:spPr>
+          <a:xfrm>
+            <a:off x="3270123" y="-331"/>
+            <a:ext cx="4898571" cy="6858000"/>
+          </a:xfrm>
+          <a:prstGeom prst="rect">
+            <a:avLst/>
+          </a:prstGeom>
+          <a:effectLst>
+            <a:outerShdw blurRad="50800" dist="38100" dir="8100000" algn="tr" rotWithShape="0">
+              <a:prstClr val="black">
+                <a:alpha val="40000"/>
+              </a:prstClr>
+            </a:outerShdw>
+          </a:effectLst>
+        </p:spPr>
+      </p:pic>
+      <p:pic>
+        <p:nvPicPr>
+          <p:cNvPr id="8" name="Picture 7"/>
+          <p:cNvPicPr>
+            <a:picLocks noChangeAspect="1"/>
+          </p:cNvPicPr>
+          <p:nvPr/>
+        </p:nvPicPr>
+        <p:blipFill>
+          <a:blip r:embed="rId7">
+            <a:extLst>
+              <a:ext uri="{28A0092B-C50C-407E-A947-70E740481C1C}">
+                <a14:useLocalDpi xmlns:a14="http://schemas.microsoft.com/office/drawing/2010/main" val="0"/>
+              </a:ext>
+            </a:extLst>
+          </a:blip>
+          <a:stretch>
+            <a:fillRect/>
+          </a:stretch>
+        </p:blipFill>
+        <p:spPr>
+          <a:xfrm>
+            <a:off x="3914366" y="11200"/>
+            <a:ext cx="4898571" cy="6858000"/>
+          </a:xfrm>
+          <a:prstGeom prst="rect">
+            <a:avLst/>
+          </a:prstGeom>
+          <a:effectLst>
+            <a:outerShdw blurRad="50800" dist="38100" dir="8100000" algn="tr" rotWithShape="0">
+              <a:prstClr val="black">
+                <a:alpha val="40000"/>
+              </a:prstClr>
+            </a:outerShdw>
+          </a:effectLst>
+        </p:spPr>
+      </p:pic>
+      <p:pic>
+        <p:nvPicPr>
+          <p:cNvPr id="9" name="Picture 8"/>
+          <p:cNvPicPr>
+            <a:picLocks noChangeAspect="1"/>
+          </p:cNvPicPr>
+          <p:nvPr/>
+        </p:nvPicPr>
+        <p:blipFill>
+          <a:blip r:embed="rId8">
+            <a:extLst>
+              <a:ext uri="{28A0092B-C50C-407E-A947-70E740481C1C}">
+                <a14:useLocalDpi xmlns:a14="http://schemas.microsoft.com/office/drawing/2010/main" val="0"/>
+              </a:ext>
+            </a:extLst>
+          </a:blip>
+          <a:stretch>
+            <a:fillRect/>
+          </a:stretch>
+        </p:blipFill>
+        <p:spPr>
+          <a:xfrm>
+            <a:off x="4676815" y="30510"/>
+            <a:ext cx="4898571" cy="6858000"/>
+          </a:xfrm>
+          <a:prstGeom prst="rect">
+            <a:avLst/>
+          </a:prstGeom>
+          <a:effectLst>
+            <a:outerShdw blurRad="50800" dist="38100" dir="8100000" algn="tr" rotWithShape="0">
+              <a:prstClr val="black">
+                <a:alpha val="40000"/>
+              </a:prstClr>
+            </a:outerShdw>
+          </a:effectLst>
+        </p:spPr>
+      </p:pic>
+      <p:pic>
+        <p:nvPicPr>
+          <p:cNvPr id="10" name="Picture 9"/>
+          <p:cNvPicPr>
+            <a:picLocks noChangeAspect="1"/>
+          </p:cNvPicPr>
+          <p:nvPr/>
+        </p:nvPicPr>
+        <p:blipFill>
+          <a:blip r:embed="rId9">
+            <a:extLst>
+              <a:ext uri="{28A0092B-C50C-407E-A947-70E740481C1C}">
+                <a14:useLocalDpi xmlns:a14="http://schemas.microsoft.com/office/drawing/2010/main" val="0"/>
+              </a:ext>
+            </a:extLst>
+          </a:blip>
+          <a:stretch>
+            <a:fillRect/>
+          </a:stretch>
+        </p:blipFill>
+        <p:spPr>
+          <a:xfrm>
+            <a:off x="5071714" y="10869"/>
+            <a:ext cx="4898571" cy="6858000"/>
+          </a:xfrm>
+          <a:prstGeom prst="rect">
+            <a:avLst/>
+          </a:prstGeom>
+          <a:effectLst>
+            <a:outerShdw blurRad="50800" dist="38100" dir="8100000" algn="tr" rotWithShape="0">
+              <a:prstClr val="black">
+                <a:alpha val="40000"/>
+              </a:prstClr>
+            </a:outerShdw>
+          </a:effectLst>
+        </p:spPr>
+      </p:pic>
+      <p:pic>
+        <p:nvPicPr>
+          <p:cNvPr id="11" name="Picture 10"/>
+          <p:cNvPicPr>
+            <a:picLocks noChangeAspect="1"/>
+          </p:cNvPicPr>
+          <p:nvPr/>
+        </p:nvPicPr>
+        <p:blipFill>
+          <a:blip r:embed="rId10">
+            <a:extLst>
+              <a:ext uri="{28A0092B-C50C-407E-A947-70E740481C1C}">
+                <a14:useLocalDpi xmlns:a14="http://schemas.microsoft.com/office/drawing/2010/main" val="0"/>
+              </a:ext>
+            </a:extLst>
+          </a:blip>
+          <a:stretch>
+            <a:fillRect/>
+          </a:stretch>
+        </p:blipFill>
+        <p:spPr>
+          <a:xfrm>
+            <a:off x="5563755" y="-11694"/>
+            <a:ext cx="4898571" cy="6858000"/>
+          </a:xfrm>
+          <a:prstGeom prst="rect">
+            <a:avLst/>
+          </a:prstGeom>
+          <a:effectLst>
+            <a:outerShdw blurRad="50800" dist="38100" dir="8100000" algn="tr" rotWithShape="0">
+              <a:prstClr val="black">
+                <a:alpha val="40000"/>
+              </a:prstClr>
+            </a:outerShdw>
+          </a:effectLst>
+        </p:spPr>
+      </p:pic>
+      <p:pic>
+        <p:nvPicPr>
+          <p:cNvPr id="12" name="Picture 11"/>
+          <p:cNvPicPr>
+            <a:picLocks noChangeAspect="1"/>
+          </p:cNvPicPr>
+          <p:nvPr/>
+        </p:nvPicPr>
+        <p:blipFill>
+          <a:blip r:embed="rId11">
+            <a:extLst>
+              <a:ext uri="{28A0092B-C50C-407E-A947-70E740481C1C}">
+                <a14:useLocalDpi xmlns:a14="http://schemas.microsoft.com/office/drawing/2010/main" val="0"/>
+              </a:ext>
+            </a:extLst>
+          </a:blip>
+          <a:stretch>
+            <a:fillRect/>
+          </a:stretch>
+        </p:blipFill>
+        <p:spPr>
+          <a:xfrm>
+            <a:off x="6438651" y="-495"/>
+            <a:ext cx="4898571" cy="6858000"/>
+          </a:xfrm>
+          <a:prstGeom prst="rect">
+            <a:avLst/>
+          </a:prstGeom>
+          <a:effectLst>
+            <a:outerShdw blurRad="50800" dist="38100" dir="8100000" algn="tr" rotWithShape="0">
+              <a:prstClr val="black">
+                <a:alpha val="40000"/>
+              </a:prstClr>
+            </a:outerShdw>
+          </a:effectLst>
+        </p:spPr>
+      </p:pic>
+      <p:pic>
+        <p:nvPicPr>
+          <p:cNvPr id="13" name="Picture 12"/>
+          <p:cNvPicPr>
+            <a:picLocks noChangeAspect="1"/>
+          </p:cNvPicPr>
+          <p:nvPr/>
+        </p:nvPicPr>
+        <p:blipFill>
+          <a:blip r:embed="rId12">
+            <a:extLst>
+              <a:ext uri="{28A0092B-C50C-407E-A947-70E740481C1C}">
+                <a14:useLocalDpi xmlns:a14="http://schemas.microsoft.com/office/drawing/2010/main" val="0"/>
+              </a:ext>
+            </a:extLst>
+          </a:blip>
+          <a:stretch>
+            <a:fillRect/>
+          </a:stretch>
+        </p:blipFill>
+        <p:spPr>
+          <a:xfrm>
+            <a:off x="7313547" y="-31335"/>
+            <a:ext cx="4898571" cy="6858000"/>
+          </a:xfrm>
+          <a:prstGeom prst="rect">
+            <a:avLst/>
+          </a:prstGeom>
+          <a:effectLst>
+            <a:outerShdw blurRad="50800" dist="38100" dir="8100000" algn="tr" rotWithShape="0">
+              <a:prstClr val="black">
+                <a:alpha val="40000"/>
+              </a:prstClr>
+            </a:outerShdw>
+          </a:effectLst>
+        </p:spPr>
+      </p:pic>
+      <p:pic>
+        <p:nvPicPr>
+          <p:cNvPr id="14" name="Picture 13"/>
+          <p:cNvPicPr>
+            <a:picLocks noChangeAspect="1"/>
+          </p:cNvPicPr>
+          <p:nvPr/>
+        </p:nvPicPr>
+        <p:blipFill>
+          <a:blip r:embed="rId13">
+            <a:extLst>
+              <a:ext uri="{28A0092B-C50C-407E-A947-70E740481C1C}">
+                <a14:useLocalDpi xmlns:a14="http://schemas.microsoft.com/office/drawing/2010/main" val="0"/>
+              </a:ext>
+            </a:extLst>
+          </a:blip>
+          <a:stretch>
+            <a:fillRect/>
+          </a:stretch>
+        </p:blipFill>
+        <p:spPr>
+          <a:xfrm>
+            <a:off x="7293429" y="-42699"/>
+            <a:ext cx="4898571" cy="6858000"/>
+          </a:xfrm>
+          <a:prstGeom prst="rect">
+            <a:avLst/>
+          </a:prstGeom>
+          <a:effectLst>
+            <a:outerShdw blurRad="50800" dist="38100" dir="8100000" algn="tr" rotWithShape="0">
+              <a:prstClr val="black">
+                <a:alpha val="40000"/>
+              </a:prstClr>
+            </a:outerShdw>
+          </a:effectLst>
+        </p:spPr>
+      </p:pic>
+    </p:spTree>
+    <p:extLst>
+      <p:ext uri="{BB962C8B-B14F-4D97-AF65-F5344CB8AC3E}">
+        <p14:creationId xmlns:p14="http://schemas.microsoft.com/office/powerpoint/2010/main" val="303307349"/>
+      </p:ext>
+    </p:extLst>
+  </p:cSld>
+  <p:clrMapOvr>
+    <a:masterClrMapping/>
+  </p:clrMapOvr>
+  <p:timing>
+    <p:tnLst>
+      <p:par>
+        <p:cTn id="1" dur="indefinite" restart="never" nodeType="tmRoot">
+          <p:childTnLst>
+            <p:seq concurrent="1" nextAc="seek">
+              <p:cTn id="2" dur="indefinite" nodeType="mainSeq">
+                <p:childTnLst>
+                  <p:par>
+                    <p:cTn id="3" fill="hold">
+                      <p:stCondLst>
+                        <p:cond delay="indefinite"/>
+                      </p:stCondLst>
+                      <p:childTnLst>
+                        <p:par>
+                          <p:cTn id="4" fill="hold">
+                            <p:stCondLst>
+                              <p:cond delay="0"/>
+                            </p:stCondLst>
+                            <p:childTnLst>
+                              <p:par>
+                                <p:cTn id="5" presetID="1" presetClass="entr" presetSubtype="0" fill="hold" nodeType="clickEffect">
+                                  <p:stCondLst>
+                                    <p:cond delay="0"/>
+                                  </p:stCondLst>
+                                  <p:childTnLst>
+                                    <p:set>
+                                      <p:cBhvr>
+                                        <p:cTn id="6" dur="1" fill="hold">
+                                          <p:stCondLst>
+                                            <p:cond delay="0"/>
+                                          </p:stCondLst>
+                                        </p:cTn>
+                                        <p:tgtEl>
+                                          <p:spTgt spid="3"/>
+                                        </p:tgtEl>
+                                        <p:attrNameLst>
+                                          <p:attrName>style.visibility</p:attrName>
+                                        </p:attrNameLst>
+                                      </p:cBhvr>
+                                      <p:to>
+                                        <p:strVal val="visible"/>
+                                      </p:to>
+                                    </p:set>
+                                  </p:childTnLst>
+                                </p:cTn>
+                              </p:par>
+                            </p:childTnLst>
+                          </p:cTn>
+                        </p:par>
+                      </p:childTnLst>
+                    </p:cTn>
+                  </p:par>
+                  <p:par>
+                    <p:cTn id="7" fill="hold">
+                      <p:stCondLst>
+                        <p:cond delay="indefinite"/>
+                      </p:stCondLst>
+                      <p:childTnLst>
+                        <p:par>
+                          <p:cTn id="8" fill="hold">
+                            <p:stCondLst>
+                              <p:cond delay="0"/>
+                            </p:stCondLst>
+                            <p:childTnLst>
+                              <p:par>
+                                <p:cTn id="9" presetID="1" presetClass="entr" presetSubtype="0" fill="hold" nodeType="clickEffect">
+                                  <p:stCondLst>
+                                    <p:cond delay="0"/>
+                                  </p:stCondLst>
+                                  <p:childTnLst>
+                                    <p:set>
+                                      <p:cBhvr>
+                                        <p:cTn id="10" dur="1" fill="hold">
+                                          <p:stCondLst>
+                                            <p:cond delay="0"/>
+                                          </p:stCondLst>
+                                        </p:cTn>
+                                        <p:tgtEl>
+                                          <p:spTgt spid="4"/>
+                                        </p:tgtEl>
+                                        <p:attrNameLst>
+                                          <p:attrName>style.visibility</p:attrName>
+                                        </p:attrNameLst>
+                                      </p:cBhvr>
+                                      <p:to>
+                                        <p:strVal val="visible"/>
+                                      </p:to>
+                                    </p:set>
+                                  </p:childTnLst>
+                                </p:cTn>
+                              </p:par>
+                            </p:childTnLst>
+                          </p:cTn>
+                        </p:par>
+                      </p:childTnLst>
+                    </p:cTn>
+                  </p:par>
+                  <p:par>
+                    <p:cTn id="11" fill="hold">
+                      <p:stCondLst>
+                        <p:cond delay="indefinite"/>
+                      </p:stCondLst>
+                      <p:childTnLst>
+                        <p:par>
+                          <p:cTn id="12" fill="hold">
+                            <p:stCondLst>
+                              <p:cond delay="0"/>
+                            </p:stCondLst>
+                            <p:childTnLst>
+                              <p:par>
+                                <p:cTn id="13" presetID="1" presetClass="entr" presetSubtype="0" fill="hold" nodeType="clickEffect">
+                                  <p:stCondLst>
+                                    <p:cond delay="0"/>
+                                  </p:stCondLst>
+                                  <p:childTnLst>
+                                    <p:set>
+                                      <p:cBhvr>
+                                        <p:cTn id="14" dur="1" fill="hold">
+                                          <p:stCondLst>
+                                            <p:cond delay="0"/>
+                                          </p:stCondLst>
+                                        </p:cTn>
+                                        <p:tgtEl>
+                                          <p:spTgt spid="5"/>
+                                        </p:tgtEl>
+                                        <p:attrNameLst>
+                                          <p:attrName>style.visibility</p:attrName>
+                                        </p:attrNameLst>
+                                      </p:cBhvr>
+                                      <p:to>
+                                        <p:strVal val="visible"/>
+                                      </p:to>
+                                    </p:set>
+                                  </p:childTnLst>
+                                </p:cTn>
+                              </p:par>
+                            </p:childTnLst>
+                          </p:cTn>
+                        </p:par>
+                      </p:childTnLst>
+                    </p:cTn>
+                  </p:par>
+                  <p:par>
+                    <p:cTn id="15" fill="hold">
+                      <p:stCondLst>
+                        <p:cond delay="indefinite"/>
+                      </p:stCondLst>
+                      <p:childTnLst>
+                        <p:par>
+                          <p:cTn id="16" fill="hold">
+                            <p:stCondLst>
+                              <p:cond delay="0"/>
+                            </p:stCondLst>
+                            <p:childTnLst>
+                              <p:par>
+                                <p:cTn id="17" presetID="1" presetClass="entr" presetSubtype="0" fill="hold" nodeType="clickEffect">
+                                  <p:stCondLst>
+                                    <p:cond delay="0"/>
+                                  </p:stCondLst>
+                                  <p:childTnLst>
+                                    <p:set>
+                                      <p:cBhvr>
+                                        <p:cTn id="18" dur="1" fill="hold">
+                                          <p:stCondLst>
+                                            <p:cond delay="0"/>
+                                          </p:stCondLst>
+                                        </p:cTn>
+                                        <p:tgtEl>
+                                          <p:spTgt spid="6"/>
+                                        </p:tgtEl>
+                                        <p:attrNameLst>
+                                          <p:attrName>style.visibility</p:attrName>
+                                        </p:attrNameLst>
+                                      </p:cBhvr>
+                                      <p:to>
+                                        <p:strVal val="visible"/>
+                                      </p:to>
+                                    </p:set>
+                                  </p:childTnLst>
+                                </p:cTn>
+                              </p:par>
+                            </p:childTnLst>
+                          </p:cTn>
+                        </p:par>
+                      </p:childTnLst>
+                    </p:cTn>
+                  </p:par>
+                  <p:par>
+                    <p:cTn id="19" fill="hold">
+                      <p:stCondLst>
+                        <p:cond delay="indefinite"/>
+                      </p:stCondLst>
+                      <p:childTnLst>
+                        <p:par>
+                          <p:cTn id="20" fill="hold">
+                            <p:stCondLst>
+                              <p:cond delay="0"/>
+                            </p:stCondLst>
+                            <p:childTnLst>
+                              <p:par>
+                                <p:cTn id="21" presetID="1" presetClass="entr" presetSubtype="0" fill="hold" nodeType="clickEffect">
+                                  <p:stCondLst>
+                                    <p:cond delay="0"/>
+                                  </p:stCondLst>
+                                  <p:childTnLst>
+                                    <p:set>
+                                      <p:cBhvr>
+                                        <p:cTn id="22" dur="1" fill="hold">
+                                          <p:stCondLst>
+                                            <p:cond delay="0"/>
+                                          </p:stCondLst>
+                                        </p:cTn>
+                                        <p:tgtEl>
+                                          <p:spTgt spid="7"/>
+                                        </p:tgtEl>
+                                        <p:attrNameLst>
+                                          <p:attrName>style.visibility</p:attrName>
+                                        </p:attrNameLst>
+                                      </p:cBhvr>
+                                      <p:to>
+                                        <p:strVal val="visible"/>
+                                      </p:to>
+                                    </p:set>
+                                  </p:childTnLst>
+                                </p:cTn>
+                              </p:par>
+                            </p:childTnLst>
+                          </p:cTn>
+                        </p:par>
+                      </p:childTnLst>
+                    </p:cTn>
+                  </p:par>
+                  <p:par>
+                    <p:cTn id="23" fill="hold">
+                      <p:stCondLst>
+                        <p:cond delay="indefinite"/>
+                      </p:stCondLst>
+                      <p:childTnLst>
+                        <p:par>
+                          <p:cTn id="24" fill="hold">
+                            <p:stCondLst>
+                              <p:cond delay="0"/>
+                            </p:stCondLst>
+                            <p:childTnLst>
+                              <p:par>
+                                <p:cTn id="25" presetID="1" presetClass="entr" presetSubtype="0" fill="hold" nodeType="clickEffect">
+                                  <p:stCondLst>
+                                    <p:cond delay="0"/>
+                                  </p:stCondLst>
+                                  <p:childTnLst>
+                                    <p:set>
+                                      <p:cBhvr>
+                                        <p:cTn id="26" dur="1" fill="hold">
+                                          <p:stCondLst>
+                                            <p:cond delay="0"/>
+                                          </p:stCondLst>
+                                        </p:cTn>
+                                        <p:tgtEl>
+                                          <p:spTgt spid="8"/>
+                                        </p:tgtEl>
+                                        <p:attrNameLst>
+                                          <p:attrName>style.visibility</p:attrName>
+                                        </p:attrNameLst>
+                                      </p:cBhvr>
+                                      <p:to>
+                                        <p:strVal val="visible"/>
+                                      </p:to>
+                                    </p:set>
+                                  </p:childTnLst>
+                                </p:cTn>
+                              </p:par>
+                            </p:childTnLst>
+                          </p:cTn>
+                        </p:par>
+                      </p:childTnLst>
+                    </p:cTn>
+                  </p:par>
+                  <p:par>
+                    <p:cTn id="27" fill="hold">
+                      <p:stCondLst>
+                        <p:cond delay="indefinite"/>
+                      </p:stCondLst>
+                      <p:childTnLst>
+                        <p:par>
+                          <p:cTn id="28" fill="hold">
+                            <p:stCondLst>
+                              <p:cond delay="0"/>
+                            </p:stCondLst>
+                            <p:childTnLst>
+                              <p:par>
+                                <p:cTn id="29" presetID="1" presetClass="entr" presetSubtype="0" fill="hold" nodeType="clickEffect">
+                                  <p:stCondLst>
+                                    <p:cond delay="0"/>
+                                  </p:stCondLst>
+                                  <p:childTnLst>
+                                    <p:set>
+                                      <p:cBhvr>
+                                        <p:cTn id="30" dur="1" fill="hold">
+                                          <p:stCondLst>
+                                            <p:cond delay="0"/>
+                                          </p:stCondLst>
+                                        </p:cTn>
+                                        <p:tgtEl>
+                                          <p:spTgt spid="9"/>
+                                        </p:tgtEl>
+                                        <p:attrNameLst>
+                                          <p:attrName>style.visibility</p:attrName>
+                                        </p:attrNameLst>
+                                      </p:cBhvr>
+                                      <p:to>
+                                        <p:strVal val="visible"/>
+                                      </p:to>
+                                    </p:set>
+                                  </p:childTnLst>
+                                </p:cTn>
+                              </p:par>
+                            </p:childTnLst>
+                          </p:cTn>
+                        </p:par>
+                      </p:childTnLst>
+                    </p:cTn>
+                  </p:par>
+                  <p:par>
+                    <p:cTn id="31" fill="hold">
+                      <p:stCondLst>
+                        <p:cond delay="indefinite"/>
+                      </p:stCondLst>
+                      <p:childTnLst>
+                        <p:par>
+                          <p:cTn id="32" fill="hold">
+                            <p:stCondLst>
+                              <p:cond delay="0"/>
+                            </p:stCondLst>
+                            <p:childTnLst>
+                              <p:par>
+                                <p:cTn id="33" presetID="1" presetClass="entr" presetSubtype="0" fill="hold" nodeType="clickEffect">
+                                  <p:stCondLst>
+                                    <p:cond delay="0"/>
+                                  </p:stCondLst>
+                                  <p:childTnLst>
+                                    <p:set>
+                                      <p:cBhvr>
+                                        <p:cTn id="34" dur="1" fill="hold">
+                                          <p:stCondLst>
+                                            <p:cond delay="0"/>
+                                          </p:stCondLst>
+                                        </p:cTn>
+                                        <p:tgtEl>
+                                          <p:spTgt spid="10"/>
+                                        </p:tgtEl>
+                                        <p:attrNameLst>
+                                          <p:attrName>style.visibility</p:attrName>
+                                        </p:attrNameLst>
+                                      </p:cBhvr>
+                                      <p:to>
+                                        <p:strVal val="visible"/>
+                                      </p:to>
+                                    </p:set>
+                                  </p:childTnLst>
+                                </p:cTn>
+                              </p:par>
+                            </p:childTnLst>
+                          </p:cTn>
+                        </p:par>
+                      </p:childTnLst>
+                    </p:cTn>
+                  </p:par>
+                  <p:par>
+                    <p:cTn id="35" fill="hold">
+                      <p:stCondLst>
+                        <p:cond delay="indefinite"/>
+                      </p:stCondLst>
+                      <p:childTnLst>
+                        <p:par>
+                          <p:cTn id="36" fill="hold">
+                            <p:stCondLst>
+                              <p:cond delay="0"/>
+                            </p:stCondLst>
+                            <p:childTnLst>
+                              <p:par>
+                                <p:cTn id="37" presetID="1" presetClass="entr" presetSubtype="0" fill="hold" nodeType="clickEffect">
+                                  <p:stCondLst>
+                                    <p:cond delay="0"/>
+                                  </p:stCondLst>
+                                  <p:childTnLst>
+                                    <p:set>
+                                      <p:cBhvr>
+                                        <p:cTn id="38" dur="1" fill="hold">
+                                          <p:stCondLst>
+                                            <p:cond delay="0"/>
+                                          </p:stCondLst>
+                                        </p:cTn>
+                                        <p:tgtEl>
+                                          <p:spTgt spid="11"/>
+                                        </p:tgtEl>
+                                        <p:attrNameLst>
+                                          <p:attrName>style.visibility</p:attrName>
+                                        </p:attrNameLst>
+                                      </p:cBhvr>
+                                      <p:to>
+                                        <p:strVal val="visible"/>
+                                      </p:to>
+                                    </p:set>
+                                  </p:childTnLst>
+                                </p:cTn>
+                              </p:par>
+                            </p:childTnLst>
+                          </p:cTn>
+                        </p:par>
+                      </p:childTnLst>
+                    </p:cTn>
+                  </p:par>
+                  <p:par>
+                    <p:cTn id="39" fill="hold">
+                      <p:stCondLst>
+                        <p:cond delay="indefinite"/>
+                      </p:stCondLst>
+                      <p:childTnLst>
+                        <p:par>
+                          <p:cTn id="40" fill="hold">
+                            <p:stCondLst>
+                              <p:cond delay="0"/>
+                            </p:stCondLst>
+                            <p:childTnLst>
+                              <p:par>
+                                <p:cTn id="41" presetID="1" presetClass="entr" presetSubtype="0" fill="hold" nodeType="clickEffect">
+                                  <p:stCondLst>
+                                    <p:cond delay="0"/>
+                                  </p:stCondLst>
+                                  <p:childTnLst>
+                                    <p:set>
+                                      <p:cBhvr>
+                                        <p:cTn id="42" dur="1" fill="hold">
+                                          <p:stCondLst>
+                                            <p:cond delay="0"/>
+                                          </p:stCondLst>
+                                        </p:cTn>
+                                        <p:tgtEl>
+                                          <p:spTgt spid="12"/>
+                                        </p:tgtEl>
+                                        <p:attrNameLst>
+                                          <p:attrName>style.visibility</p:attrName>
+                                        </p:attrNameLst>
+                                      </p:cBhvr>
+                                      <p:to>
+                                        <p:strVal val="visible"/>
+                                      </p:to>
+                                    </p:set>
+                                  </p:childTnLst>
+                                </p:cTn>
+                              </p:par>
+                            </p:childTnLst>
+                          </p:cTn>
+                        </p:par>
+                      </p:childTnLst>
+                    </p:cTn>
+                  </p:par>
+                  <p:par>
+                    <p:cTn id="43" fill="hold">
+                      <p:stCondLst>
+                        <p:cond delay="indefinite"/>
+                      </p:stCondLst>
+                      <p:childTnLst>
+                        <p:par>
+                          <p:cTn id="44" fill="hold">
+                            <p:stCondLst>
+                              <p:cond delay="0"/>
+                            </p:stCondLst>
+                            <p:childTnLst>
+                              <p:par>
+                                <p:cTn id="45" presetID="1" presetClass="entr" presetSubtype="0" fill="hold" nodeType="clickEffect">
+                                  <p:stCondLst>
+                                    <p:cond delay="0"/>
+                                  </p:stCondLst>
+                                  <p:childTnLst>
+                                    <p:set>
+                                      <p:cBhvr>
+                                        <p:cTn id="46" dur="1" fill="hold">
+                                          <p:stCondLst>
+                                            <p:cond delay="0"/>
+                                          </p:stCondLst>
+                                        </p:cTn>
+                                        <p:tgtEl>
+                                          <p:spTgt spid="13"/>
+                                        </p:tgtEl>
+                                        <p:attrNameLst>
+                                          <p:attrName>style.visibility</p:attrName>
+                                        </p:attrNameLst>
+                                      </p:cBhvr>
+                                      <p:to>
+                                        <p:strVal val="visible"/>
+                                      </p:to>
+                                    </p:set>
+                                  </p:childTnLst>
+                                </p:cTn>
+                              </p:par>
+                            </p:childTnLst>
+                          </p:cTn>
+                        </p:par>
+                      </p:childTnLst>
+                    </p:cTn>
+                  </p:par>
+                  <p:par>
+                    <p:cTn id="47" fill="hold">
+                      <p:stCondLst>
+                        <p:cond delay="indefinite"/>
+                      </p:stCondLst>
+                      <p:childTnLst>
+                        <p:par>
+                          <p:cTn id="48" fill="hold">
+                            <p:stCondLst>
+                              <p:cond delay="0"/>
+                            </p:stCondLst>
+                            <p:childTnLst>
+                              <p:par>
+                                <p:cTn id="49" presetID="1" presetClass="entr" presetSubtype="0" fill="hold" nodeType="clickEffect">
+                                  <p:stCondLst>
+                                    <p:cond delay="0"/>
+                                  </p:stCondLst>
+                                  <p:childTnLst>
+                                    <p:set>
+                                      <p:cBhvr>
+                                        <p:cTn id="50" dur="1" fill="hold">
+                                          <p:stCondLst>
+                                            <p:cond delay="0"/>
+                                          </p:stCondLst>
+                                        </p:cTn>
+                                        <p:tgtEl>
+                                          <p:spTgt spid="14"/>
+                                        </p:tgtEl>
+                                        <p:attrNameLst>
+                                          <p:attrName>style.visibility</p:attrName>
+                                        </p:attrNameLst>
+                                      </p:cBhvr>
+                                      <p:to>
+                                        <p:strVal val="visible"/>
+                                      </p:to>
+                                    </p:set>
+                                  </p:childTnLst>
+                                </p:cTn>
+                              </p:par>
+                            </p:childTnLst>
+                          </p:cTn>
+                        </p:par>
+                      </p:childTnLst>
+                    </p:cTn>
+                  </p:par>
+                </p:childTnLst>
+              </p:cTn>
+              <p:prevCondLst>
+                <p:cond evt="onPrev" delay="0">
+                  <p:tgtEl>
+                    <p:sldTgt/>
+                  </p:tgtEl>
+                </p:cond>
+              </p:prevCondLst>
+              <p:nextCondLst>
+                <p:cond evt="onNext" delay="0">
+                  <p:tgtEl>
+                    <p:sldTgt/>
+                  </p:tgtEl>
+                </p:cond>
+              </p:nextCondLst>
+            </p:seq>
+          </p:childTnLst>
+        </p:cTn>
+      </p:par>
+    </p:tnLst>
+  </p:timing>
+</p:sld>
+</file>
+
+<file path=ppt/slides/slide9.xml><?xml version="1.0" encoding="utf-8"?>
+<p:sld xmlns:a="http://schemas.openxmlformats.org/drawingml/2006/main" xmlns:r="http://schemas.openxmlformats.org/officeDocument/2006/relationships" xmlns:p="http://schemas.openxmlformats.org/presentationml/2006/main">
+  <p:cSld>
+    <p:spTree>
+      <p:nvGrpSpPr>
+        <p:cNvPr id="1" name=""/>
+        <p:cNvGrpSpPr/>
+        <p:nvPr/>
+      </p:nvGrpSpPr>
+      <p:grpSpPr>
+        <a:xfrm>
+          <a:off x="0" y="0"/>
+          <a:ext cx="0" cy="0"/>
+          <a:chOff x="0" y="0"/>
+          <a:chExt cx="0" cy="0"/>
+        </a:xfrm>
+      </p:grpSpPr>
       <p:sp>
         <p:nvSpPr>
           <p:cNvPr id="2" name="Title 1"/>
@@ -17524,2271 +19780,6 @@
 </p:sld>
 </file>
 
-<file path=ppt/slides/slide9.xml><?xml version="1.0" encoding="utf-8"?>
-<p:sld xmlns:a="http://schemas.openxmlformats.org/drawingml/2006/main" xmlns:r="http://schemas.openxmlformats.org/officeDocument/2006/relationships" xmlns:p="http://schemas.openxmlformats.org/presentationml/2006/main">
-  <p:cSld>
-    <p:spTree>
-      <p:nvGrpSpPr>
-        <p:cNvPr id="1" name=""/>
-        <p:cNvGrpSpPr/>
-        <p:nvPr/>
-      </p:nvGrpSpPr>
-      <p:grpSpPr>
-        <a:xfrm>
-          <a:off x="0" y="0"/>
-          <a:ext cx="0" cy="0"/>
-          <a:chOff x="0" y="0"/>
-          <a:chExt cx="0" cy="0"/>
-        </a:xfrm>
-      </p:grpSpPr>
-      <p:cxnSp>
-        <p:nvCxnSpPr>
-          <p:cNvPr id="34" name="Straight Connector 33"/>
-          <p:cNvCxnSpPr/>
-          <p:nvPr/>
-        </p:nvCxnSpPr>
-        <p:spPr>
-          <a:xfrm>
-            <a:off x="2563458" y="4147796"/>
-            <a:ext cx="935935" cy="6943"/>
-          </a:xfrm>
-          <a:prstGeom prst="line">
-            <a:avLst/>
-          </a:prstGeom>
-          <a:ln>
-            <a:solidFill>
-              <a:schemeClr val="bg1">
-                <a:lumMod val="95000"/>
-              </a:schemeClr>
-            </a:solidFill>
-          </a:ln>
-          <a:effectLst>
-            <a:outerShdw blurRad="50800" dist="38100" dir="5400000" algn="t" rotWithShape="0">
-              <a:prstClr val="black">
-                <a:alpha val="40000"/>
-              </a:prstClr>
-            </a:outerShdw>
-          </a:effectLst>
-        </p:spPr>
-        <p:style>
-          <a:lnRef idx="1">
-            <a:schemeClr val="accent1"/>
-          </a:lnRef>
-          <a:fillRef idx="0">
-            <a:schemeClr val="accent1"/>
-          </a:fillRef>
-          <a:effectRef idx="0">
-            <a:schemeClr val="accent1"/>
-          </a:effectRef>
-          <a:fontRef idx="minor">
-            <a:schemeClr val="tx1"/>
-          </a:fontRef>
-        </p:style>
-      </p:cxnSp>
-      <p:cxnSp>
-        <p:nvCxnSpPr>
-          <p:cNvPr id="70" name="Straight Connector 69"/>
-          <p:cNvCxnSpPr/>
-          <p:nvPr/>
-        </p:nvCxnSpPr>
-        <p:spPr>
-          <a:xfrm>
-            <a:off x="2485429" y="4870784"/>
-            <a:ext cx="935935" cy="6943"/>
-          </a:xfrm>
-          <a:prstGeom prst="line">
-            <a:avLst/>
-          </a:prstGeom>
-          <a:ln>
-            <a:solidFill>
-              <a:schemeClr val="bg1">
-                <a:lumMod val="95000"/>
-              </a:schemeClr>
-            </a:solidFill>
-          </a:ln>
-          <a:effectLst>
-            <a:outerShdw blurRad="50800" dist="38100" dir="5400000" algn="t" rotWithShape="0">
-              <a:prstClr val="black">
-                <a:alpha val="40000"/>
-              </a:prstClr>
-            </a:outerShdw>
-          </a:effectLst>
-        </p:spPr>
-        <p:style>
-          <a:lnRef idx="1">
-            <a:schemeClr val="accent1"/>
-          </a:lnRef>
-          <a:fillRef idx="0">
-            <a:schemeClr val="accent1"/>
-          </a:fillRef>
-          <a:effectRef idx="0">
-            <a:schemeClr val="accent1"/>
-          </a:effectRef>
-          <a:fontRef idx="minor">
-            <a:schemeClr val="tx1"/>
-          </a:fontRef>
-        </p:style>
-      </p:cxnSp>
-      <p:sp>
-        <p:nvSpPr>
-          <p:cNvPr id="3" name="Title 1"/>
-          <p:cNvSpPr txBox="1">
-            <a:spLocks/>
-          </p:cNvSpPr>
-          <p:nvPr/>
-        </p:nvSpPr>
-        <p:spPr>
-          <a:xfrm>
-            <a:off x="762000" y="-362878"/>
-            <a:ext cx="10515600" cy="2462481"/>
-          </a:xfrm>
-          <a:prstGeom prst="rect">
-            <a:avLst/>
-          </a:prstGeom>
-        </p:spPr>
-        <p:txBody>
-          <a:bodyPr anchor="ctr">
-            <a:normAutofit/>
-            <a:scene3d>
-              <a:camera prst="orthographicFront"/>
-              <a:lightRig rig="threePt" dir="t"/>
-            </a:scene3d>
-            <a:sp3d extrusionH="57150">
-              <a:bevelT h="25400" prst="softRound"/>
-            </a:sp3d>
-          </a:bodyPr>
-          <a:lstStyle>
-            <a:lvl1pPr algn="ctr" defTabSz="914400" rtl="0" eaLnBrk="1" latinLnBrk="0" hangingPunct="1">
-              <a:lnSpc>
-                <a:spcPct val="90000"/>
-              </a:lnSpc>
-              <a:spcBef>
-                <a:spcPct val="0"/>
-              </a:spcBef>
-              <a:buNone/>
-              <a:defRPr lang="en-US" sz="4400" b="1" kern="1200" cap="none" spc="50" dirty="0">
-                <a:ln w="0"/>
-                <a:solidFill>
-                  <a:schemeClr val="bg2"/>
-                </a:solidFill>
-                <a:effectLst>
-                  <a:outerShdw blurRad="50800" dist="38100" dir="5400000" algn="t" rotWithShape="0">
-                    <a:prstClr val="black">
-                      <a:alpha val="40000"/>
-                    </a:prstClr>
-                  </a:outerShdw>
-                </a:effectLst>
-                <a:latin typeface="Adobe Gothic Std B" panose="020B0800000000000000" pitchFamily="34" charset="-128"/>
-                <a:ea typeface="Adobe Gothic Std B" panose="020B0800000000000000" pitchFamily="34" charset="-128"/>
-                <a:cs typeface="+mj-cs"/>
-              </a:defRPr>
-            </a:lvl1pPr>
-          </a:lstStyle>
-          <a:p>
-            <a:pPr fontAlgn="auto">
-              <a:spcAft>
-                <a:spcPts val="0"/>
-              </a:spcAft>
-              <a:defRPr/>
-            </a:pPr>
-            <a:r>
-              <a:rPr dirty="0">
-                <a:solidFill>
-                  <a:srgbClr val="FFFF00"/>
-                </a:solidFill>
-              </a:rPr>
-              <a:t>BUSINESS MODEL</a:t>
-            </a:r>
-          </a:p>
-        </p:txBody>
-      </p:sp>
-      <p:sp>
-        <p:nvSpPr>
-          <p:cNvPr id="9" name="TextBox 8"/>
-          <p:cNvSpPr txBox="1"/>
-          <p:nvPr/>
-        </p:nvSpPr>
-        <p:spPr>
-          <a:xfrm>
-            <a:off x="1948062" y="1709529"/>
-            <a:ext cx="2398643" cy="369332"/>
-          </a:xfrm>
-          <a:prstGeom prst="rect">
-            <a:avLst/>
-          </a:prstGeom>
-          <a:solidFill>
-            <a:schemeClr val="accent1">
-              <a:lumMod val="60000"/>
-              <a:lumOff val="40000"/>
-            </a:schemeClr>
-          </a:solidFill>
-          <a:effectLst>
-            <a:outerShdw blurRad="50800" dist="38100" dir="5400000" algn="t" rotWithShape="0">
-              <a:prstClr val="black">
-                <a:alpha val="40000"/>
-              </a:prstClr>
-            </a:outerShdw>
-          </a:effectLst>
-        </p:spPr>
-        <p:txBody>
-          <a:bodyPr wrap="square" rtlCol="0">
-            <a:spAutoFit/>
-          </a:bodyPr>
-          <a:lstStyle/>
-          <a:p>
-            <a:pPr algn="ctr"/>
-            <a:r>
-              <a:rPr lang="en-US" dirty="0">
-                <a:solidFill>
-                  <a:schemeClr val="accent6">
-                    <a:lumMod val="75000"/>
-                  </a:schemeClr>
-                </a:solidFill>
-              </a:rPr>
-              <a:t>Investment</a:t>
-            </a:r>
-          </a:p>
-        </p:txBody>
-      </p:sp>
-      <p:sp>
-        <p:nvSpPr>
-          <p:cNvPr id="10" name="TextBox 9"/>
-          <p:cNvSpPr txBox="1"/>
-          <p:nvPr/>
-        </p:nvSpPr>
-        <p:spPr>
-          <a:xfrm>
-            <a:off x="7321825" y="1730271"/>
-            <a:ext cx="2398643" cy="369332"/>
-          </a:xfrm>
-          <a:prstGeom prst="rect">
-            <a:avLst/>
-          </a:prstGeom>
-          <a:solidFill>
-            <a:schemeClr val="accent1">
-              <a:lumMod val="60000"/>
-              <a:lumOff val="40000"/>
-            </a:schemeClr>
-          </a:solidFill>
-          <a:effectLst>
-            <a:outerShdw blurRad="50800" dist="38100" dir="5400000" algn="t" rotWithShape="0">
-              <a:prstClr val="black">
-                <a:alpha val="40000"/>
-              </a:prstClr>
-            </a:outerShdw>
-          </a:effectLst>
-        </p:spPr>
-        <p:txBody>
-          <a:bodyPr wrap="square" rtlCol="0">
-            <a:spAutoFit/>
-          </a:bodyPr>
-          <a:lstStyle/>
-          <a:p>
-            <a:pPr algn="ctr"/>
-            <a:r>
-              <a:rPr lang="en-US" dirty="0">
-                <a:solidFill>
-                  <a:schemeClr val="accent6">
-                    <a:lumMod val="75000"/>
-                  </a:schemeClr>
-                </a:solidFill>
-              </a:rPr>
-              <a:t>Revenue</a:t>
-            </a:r>
-          </a:p>
-        </p:txBody>
-      </p:sp>
-      <p:sp>
-        <p:nvSpPr>
-          <p:cNvPr id="11" name="TextBox 10"/>
-          <p:cNvSpPr txBox="1"/>
-          <p:nvPr/>
-        </p:nvSpPr>
-        <p:spPr>
-          <a:xfrm>
-            <a:off x="1136367" y="2639518"/>
-            <a:ext cx="1557130" cy="1200329"/>
-          </a:xfrm>
-          <a:prstGeom prst="rect">
-            <a:avLst/>
-          </a:prstGeom>
-          <a:solidFill>
-            <a:schemeClr val="bg1">
-              <a:lumMod val="95000"/>
-            </a:schemeClr>
-          </a:solidFill>
-          <a:effectLst>
-            <a:outerShdw blurRad="50800" dist="38100" dir="5400000" algn="t" rotWithShape="0">
-              <a:prstClr val="black">
-                <a:alpha val="40000"/>
-              </a:prstClr>
-            </a:outerShdw>
-          </a:effectLst>
-        </p:spPr>
-        <p:txBody>
-          <a:bodyPr wrap="square" rtlCol="0">
-            <a:spAutoFit/>
-          </a:bodyPr>
-          <a:lstStyle/>
-          <a:p>
-            <a:pPr algn="ctr"/>
-            <a:r>
-              <a:rPr lang="en-US" dirty="0">
-                <a:solidFill>
-                  <a:schemeClr val="accent6">
-                    <a:lumMod val="75000"/>
-                  </a:schemeClr>
-                </a:solidFill>
-              </a:rPr>
-              <a:t>Owners</a:t>
-            </a:r>
-          </a:p>
-          <a:p>
-            <a:pPr algn="ctr"/>
-            <a:r>
-              <a:rPr lang="en-US" dirty="0">
-                <a:solidFill>
-                  <a:schemeClr val="accent6">
-                    <a:lumMod val="75000"/>
-                  </a:schemeClr>
-                </a:solidFill>
-              </a:rPr>
-              <a:t>Capital</a:t>
-            </a:r>
-          </a:p>
-          <a:p>
-            <a:pPr algn="ctr"/>
-            <a:r>
-              <a:rPr lang="en-US" dirty="0">
-                <a:solidFill>
-                  <a:schemeClr val="accent6">
-                    <a:lumMod val="75000"/>
-                  </a:schemeClr>
-                </a:solidFill>
-              </a:rPr>
-              <a:t>(App Development)</a:t>
-            </a:r>
-          </a:p>
-        </p:txBody>
-      </p:sp>
-      <p:sp>
-        <p:nvSpPr>
-          <p:cNvPr id="12" name="TextBox 11"/>
-          <p:cNvSpPr txBox="1"/>
-          <p:nvPr/>
-        </p:nvSpPr>
-        <p:spPr>
-          <a:xfrm>
-            <a:off x="3415741" y="3087930"/>
-            <a:ext cx="1464366" cy="369332"/>
-          </a:xfrm>
-          <a:prstGeom prst="rect">
-            <a:avLst/>
-          </a:prstGeom>
-          <a:solidFill>
-            <a:schemeClr val="bg1">
-              <a:lumMod val="95000"/>
-            </a:schemeClr>
-          </a:solidFill>
-          <a:effectLst>
-            <a:outerShdw blurRad="50800" dist="38100" dir="5400000" algn="t" rotWithShape="0">
-              <a:prstClr val="black">
-                <a:alpha val="40000"/>
-              </a:prstClr>
-            </a:outerShdw>
-          </a:effectLst>
-        </p:spPr>
-        <p:txBody>
-          <a:bodyPr wrap="square" rtlCol="0">
-            <a:spAutoFit/>
-          </a:bodyPr>
-          <a:lstStyle/>
-          <a:p>
-            <a:pPr algn="ctr"/>
-            <a:r>
-              <a:rPr lang="en-US" dirty="0">
-                <a:solidFill>
-                  <a:schemeClr val="accent6">
-                    <a:lumMod val="75000"/>
-                  </a:schemeClr>
-                </a:solidFill>
-              </a:rPr>
-              <a:t>Manpower</a:t>
-            </a:r>
-          </a:p>
-        </p:txBody>
-      </p:sp>
-      <p:sp>
-        <p:nvSpPr>
-          <p:cNvPr id="13" name="TextBox 12"/>
-          <p:cNvSpPr txBox="1"/>
-          <p:nvPr/>
-        </p:nvSpPr>
-        <p:spPr>
-          <a:xfrm>
-            <a:off x="3425679" y="3523786"/>
-            <a:ext cx="1464366" cy="369332"/>
-          </a:xfrm>
-          <a:prstGeom prst="rect">
-            <a:avLst/>
-          </a:prstGeom>
-          <a:solidFill>
-            <a:schemeClr val="bg1">
-              <a:lumMod val="95000"/>
-            </a:schemeClr>
-          </a:solidFill>
-          <a:effectLst>
-            <a:outerShdw blurRad="50800" dist="38100" dir="5400000" algn="t" rotWithShape="0">
-              <a:prstClr val="black">
-                <a:alpha val="40000"/>
-              </a:prstClr>
-            </a:outerShdw>
-          </a:effectLst>
-        </p:spPr>
-        <p:txBody>
-          <a:bodyPr wrap="square" rtlCol="0">
-            <a:spAutoFit/>
-          </a:bodyPr>
-          <a:lstStyle/>
-          <a:p>
-            <a:pPr algn="ctr"/>
-            <a:r>
-              <a:rPr lang="en-US" dirty="0">
-                <a:solidFill>
-                  <a:schemeClr val="accent6">
-                    <a:lumMod val="75000"/>
-                  </a:schemeClr>
-                </a:solidFill>
-              </a:rPr>
-              <a:t>Call Centre</a:t>
-            </a:r>
-          </a:p>
-        </p:txBody>
-      </p:sp>
-      <p:sp>
-        <p:nvSpPr>
-          <p:cNvPr id="14" name="TextBox 13"/>
-          <p:cNvSpPr txBox="1"/>
-          <p:nvPr/>
-        </p:nvSpPr>
-        <p:spPr>
-          <a:xfrm>
-            <a:off x="3425679" y="2639518"/>
-            <a:ext cx="1464366" cy="369332"/>
-          </a:xfrm>
-          <a:prstGeom prst="rect">
-            <a:avLst/>
-          </a:prstGeom>
-          <a:solidFill>
-            <a:schemeClr val="bg1">
-              <a:lumMod val="95000"/>
-            </a:schemeClr>
-          </a:solidFill>
-          <a:effectLst>
-            <a:outerShdw blurRad="50800" dist="38100" dir="5400000" algn="t" rotWithShape="0">
-              <a:prstClr val="black">
-                <a:alpha val="40000"/>
-              </a:prstClr>
-            </a:outerShdw>
-          </a:effectLst>
-        </p:spPr>
-        <p:txBody>
-          <a:bodyPr wrap="square" rtlCol="0">
-            <a:spAutoFit/>
-          </a:bodyPr>
-          <a:lstStyle/>
-          <a:p>
-            <a:pPr algn="ctr"/>
-            <a:r>
-              <a:rPr lang="en-US" dirty="0">
-                <a:solidFill>
-                  <a:schemeClr val="accent6">
-                    <a:lumMod val="75000"/>
-                  </a:schemeClr>
-                </a:solidFill>
-              </a:rPr>
-              <a:t>Travel</a:t>
-            </a:r>
-          </a:p>
-        </p:txBody>
-      </p:sp>
-      <p:sp>
-        <p:nvSpPr>
-          <p:cNvPr id="15" name="TextBox 14"/>
-          <p:cNvSpPr txBox="1"/>
-          <p:nvPr/>
-        </p:nvSpPr>
-        <p:spPr>
-          <a:xfrm>
-            <a:off x="1158314" y="3958054"/>
-            <a:ext cx="1518612" cy="646331"/>
-          </a:xfrm>
-          <a:prstGeom prst="rect">
-            <a:avLst/>
-          </a:prstGeom>
-          <a:solidFill>
-            <a:schemeClr val="bg1">
-              <a:lumMod val="95000"/>
-            </a:schemeClr>
-          </a:solidFill>
-          <a:effectLst>
-            <a:outerShdw blurRad="50800" dist="38100" dir="5400000" algn="t" rotWithShape="0">
-              <a:prstClr val="black">
-                <a:alpha val="40000"/>
-              </a:prstClr>
-            </a:outerShdw>
-          </a:effectLst>
-        </p:spPr>
-        <p:txBody>
-          <a:bodyPr wrap="square" rtlCol="0">
-            <a:spAutoFit/>
-          </a:bodyPr>
-          <a:lstStyle/>
-          <a:p>
-            <a:pPr algn="ctr"/>
-            <a:r>
-              <a:rPr lang="en-US" dirty="0">
-                <a:solidFill>
-                  <a:schemeClr val="accent6">
-                    <a:lumMod val="75000"/>
-                  </a:schemeClr>
-                </a:solidFill>
-              </a:rPr>
-              <a:t>Office Establishment</a:t>
-            </a:r>
-          </a:p>
-        </p:txBody>
-      </p:sp>
-      <p:sp>
-        <p:nvSpPr>
-          <p:cNvPr id="16" name="TextBox 15"/>
-          <p:cNvSpPr txBox="1"/>
-          <p:nvPr/>
-        </p:nvSpPr>
-        <p:spPr>
-          <a:xfrm>
-            <a:off x="6496878" y="2469372"/>
-            <a:ext cx="1557130" cy="646331"/>
-          </a:xfrm>
-          <a:prstGeom prst="rect">
-            <a:avLst/>
-          </a:prstGeom>
-          <a:solidFill>
-            <a:schemeClr val="bg1">
-              <a:lumMod val="95000"/>
-            </a:schemeClr>
-          </a:solidFill>
-          <a:effectLst>
-            <a:outerShdw blurRad="50800" dist="38100" dir="5400000" algn="t" rotWithShape="0">
-              <a:prstClr val="black">
-                <a:alpha val="40000"/>
-              </a:prstClr>
-            </a:outerShdw>
-          </a:effectLst>
-        </p:spPr>
-        <p:txBody>
-          <a:bodyPr wrap="square" rtlCol="0">
-            <a:spAutoFit/>
-          </a:bodyPr>
-          <a:lstStyle>
-            <a:defPPr>
-              <a:defRPr lang="en-US"/>
-            </a:defPPr>
-            <a:lvl1pPr algn="ctr">
-              <a:defRPr>
-                <a:solidFill>
-                  <a:schemeClr val="accent6">
-                    <a:lumMod val="75000"/>
-                  </a:schemeClr>
-                </a:solidFill>
-              </a:defRPr>
-            </a:lvl1pPr>
-          </a:lstStyle>
-          <a:p>
-            <a:r>
-              <a:rPr lang="en-US" dirty="0"/>
-              <a:t>Dealer Registration</a:t>
-            </a:r>
-          </a:p>
-        </p:txBody>
-      </p:sp>
-      <p:sp>
-        <p:nvSpPr>
-          <p:cNvPr id="17" name="TextBox 16"/>
-          <p:cNvSpPr txBox="1"/>
-          <p:nvPr/>
-        </p:nvSpPr>
-        <p:spPr>
-          <a:xfrm>
-            <a:off x="6475340" y="4219822"/>
-            <a:ext cx="3940865" cy="369332"/>
-          </a:xfrm>
-          <a:prstGeom prst="rect">
-            <a:avLst/>
-          </a:prstGeom>
-          <a:solidFill>
-            <a:schemeClr val="bg1">
-              <a:lumMod val="95000"/>
-            </a:schemeClr>
-          </a:solidFill>
-          <a:effectLst>
-            <a:outerShdw blurRad="50800" dist="38100" dir="5400000" algn="t" rotWithShape="0">
-              <a:prstClr val="black">
-                <a:alpha val="40000"/>
-              </a:prstClr>
-            </a:outerShdw>
-          </a:effectLst>
-        </p:spPr>
-        <p:txBody>
-          <a:bodyPr wrap="square" rtlCol="0">
-            <a:spAutoFit/>
-          </a:bodyPr>
-          <a:lstStyle>
-            <a:defPPr>
-              <a:defRPr lang="en-US"/>
-            </a:defPPr>
-            <a:lvl1pPr algn="ctr">
-              <a:defRPr>
-                <a:solidFill>
-                  <a:schemeClr val="accent6">
-                    <a:lumMod val="75000"/>
-                  </a:schemeClr>
-                </a:solidFill>
-              </a:defRPr>
-            </a:lvl1pPr>
-          </a:lstStyle>
-          <a:p>
-            <a:r>
-              <a:rPr lang="en-US" dirty="0"/>
-              <a:t>Additional sponsors</a:t>
-            </a:r>
-          </a:p>
-        </p:txBody>
-      </p:sp>
-      <p:sp>
-        <p:nvSpPr>
-          <p:cNvPr id="18" name="TextBox 17"/>
-          <p:cNvSpPr txBox="1"/>
-          <p:nvPr/>
-        </p:nvSpPr>
-        <p:spPr>
-          <a:xfrm>
-            <a:off x="8951840" y="2489478"/>
-            <a:ext cx="1464366" cy="646331"/>
-          </a:xfrm>
-          <a:prstGeom prst="rect">
-            <a:avLst/>
-          </a:prstGeom>
-          <a:solidFill>
-            <a:schemeClr val="bg1">
-              <a:lumMod val="95000"/>
-            </a:schemeClr>
-          </a:solidFill>
-          <a:effectLst>
-            <a:outerShdw blurRad="50800" dist="38100" dir="5400000" algn="t" rotWithShape="0">
-              <a:prstClr val="black">
-                <a:alpha val="40000"/>
-              </a:prstClr>
-            </a:outerShdw>
-          </a:effectLst>
-        </p:spPr>
-        <p:txBody>
-          <a:bodyPr wrap="square" rtlCol="0">
-            <a:spAutoFit/>
-          </a:bodyPr>
-          <a:lstStyle>
-            <a:defPPr>
-              <a:defRPr lang="en-US"/>
-            </a:defPPr>
-            <a:lvl1pPr algn="ctr">
-              <a:defRPr>
-                <a:solidFill>
-                  <a:schemeClr val="accent6">
-                    <a:lumMod val="75000"/>
-                  </a:schemeClr>
-                </a:solidFill>
-              </a:defRPr>
-            </a:lvl1pPr>
-          </a:lstStyle>
-          <a:p>
-            <a:r>
-              <a:rPr lang="en-US" dirty="0"/>
-              <a:t>Revenue per Lead</a:t>
-            </a:r>
-          </a:p>
-        </p:txBody>
-      </p:sp>
-      <p:sp>
-        <p:nvSpPr>
-          <p:cNvPr id="19" name="TextBox 18"/>
-          <p:cNvSpPr txBox="1"/>
-          <p:nvPr/>
-        </p:nvSpPr>
-        <p:spPr>
-          <a:xfrm>
-            <a:off x="6589642" y="3388748"/>
-            <a:ext cx="1464366" cy="646331"/>
-          </a:xfrm>
-          <a:prstGeom prst="rect">
-            <a:avLst/>
-          </a:prstGeom>
-          <a:solidFill>
-            <a:schemeClr val="bg1">
-              <a:lumMod val="95000"/>
-            </a:schemeClr>
-          </a:solidFill>
-          <a:effectLst>
-            <a:outerShdw blurRad="50800" dist="38100" dir="5400000" algn="t" rotWithShape="0">
-              <a:prstClr val="black">
-                <a:alpha val="40000"/>
-              </a:prstClr>
-            </a:outerShdw>
-          </a:effectLst>
-        </p:spPr>
-        <p:txBody>
-          <a:bodyPr wrap="square" rtlCol="0">
-            <a:spAutoFit/>
-          </a:bodyPr>
-          <a:lstStyle>
-            <a:defPPr>
-              <a:defRPr lang="en-US"/>
-            </a:defPPr>
-            <a:lvl1pPr algn="ctr">
-              <a:defRPr>
-                <a:solidFill>
-                  <a:schemeClr val="accent6">
-                    <a:lumMod val="75000"/>
-                  </a:schemeClr>
-                </a:solidFill>
-              </a:defRPr>
-            </a:lvl1pPr>
-          </a:lstStyle>
-          <a:p>
-            <a:r>
-              <a:rPr lang="en-US" dirty="0"/>
-              <a:t>Commission on Purchase</a:t>
-            </a:r>
-          </a:p>
-        </p:txBody>
-      </p:sp>
-      <p:sp>
-        <p:nvSpPr>
-          <p:cNvPr id="26" name="TextBox 25"/>
-          <p:cNvSpPr txBox="1"/>
-          <p:nvPr/>
-        </p:nvSpPr>
-        <p:spPr>
-          <a:xfrm>
-            <a:off x="1136367" y="5151070"/>
-            <a:ext cx="3858869" cy="369332"/>
-          </a:xfrm>
-          <a:prstGeom prst="rect">
-            <a:avLst/>
-          </a:prstGeom>
-          <a:solidFill>
-            <a:schemeClr val="bg1">
-              <a:lumMod val="95000"/>
-            </a:schemeClr>
-          </a:solidFill>
-          <a:effectLst>
-            <a:outerShdw blurRad="50800" dist="38100" dir="5400000" algn="t" rotWithShape="0">
-              <a:prstClr val="black">
-                <a:alpha val="40000"/>
-              </a:prstClr>
-            </a:outerShdw>
-          </a:effectLst>
-        </p:spPr>
-        <p:txBody>
-          <a:bodyPr wrap="square" rtlCol="0">
-            <a:spAutoFit/>
-          </a:bodyPr>
-          <a:lstStyle/>
-          <a:p>
-            <a:pPr algn="ctr"/>
-            <a:r>
-              <a:rPr lang="en-US" dirty="0">
-                <a:solidFill>
-                  <a:schemeClr val="accent6">
-                    <a:lumMod val="75000"/>
-                  </a:schemeClr>
-                </a:solidFill>
-              </a:rPr>
-              <a:t>Other Expenses</a:t>
-            </a:r>
-          </a:p>
-        </p:txBody>
-      </p:sp>
-      <p:cxnSp>
-        <p:nvCxnSpPr>
-          <p:cNvPr id="28" name="Straight Connector 27"/>
-          <p:cNvCxnSpPr>
-            <a:stCxn id="9" idx="2"/>
-          </p:cNvCxnSpPr>
-          <p:nvPr/>
-        </p:nvCxnSpPr>
-        <p:spPr>
-          <a:xfrm>
-            <a:off x="3147384" y="2078861"/>
-            <a:ext cx="41410" cy="3072209"/>
-          </a:xfrm>
-          <a:prstGeom prst="line">
-            <a:avLst/>
-          </a:prstGeom>
-          <a:ln>
-            <a:solidFill>
-              <a:schemeClr val="bg1">
-                <a:lumMod val="95000"/>
-              </a:schemeClr>
-            </a:solidFill>
-          </a:ln>
-          <a:effectLst>
-            <a:outerShdw blurRad="50800" dist="38100" dir="5400000" algn="t" rotWithShape="0">
-              <a:prstClr val="black">
-                <a:alpha val="40000"/>
-              </a:prstClr>
-            </a:outerShdw>
-          </a:effectLst>
-        </p:spPr>
-        <p:style>
-          <a:lnRef idx="1">
-            <a:schemeClr val="accent1"/>
-          </a:lnRef>
-          <a:fillRef idx="0">
-            <a:schemeClr val="accent1"/>
-          </a:fillRef>
-          <a:effectRef idx="0">
-            <a:schemeClr val="accent1"/>
-          </a:effectRef>
-          <a:fontRef idx="minor">
-            <a:schemeClr val="tx1"/>
-          </a:fontRef>
-        </p:style>
-      </p:cxnSp>
-      <p:cxnSp>
-        <p:nvCxnSpPr>
-          <p:cNvPr id="31" name="Straight Connector 30"/>
-          <p:cNvCxnSpPr>
-            <a:endCxn id="14" idx="1"/>
-          </p:cNvCxnSpPr>
-          <p:nvPr/>
-        </p:nvCxnSpPr>
-        <p:spPr>
-          <a:xfrm flipV="1">
-            <a:off x="2670304" y="2824184"/>
-            <a:ext cx="755375" cy="6081"/>
-          </a:xfrm>
-          <a:prstGeom prst="line">
-            <a:avLst/>
-          </a:prstGeom>
-          <a:ln>
-            <a:solidFill>
-              <a:schemeClr val="bg1">
-                <a:lumMod val="95000"/>
-              </a:schemeClr>
-            </a:solidFill>
-          </a:ln>
-          <a:effectLst>
-            <a:outerShdw blurRad="50800" dist="38100" dir="5400000" algn="t" rotWithShape="0">
-              <a:prstClr val="black">
-                <a:alpha val="40000"/>
-              </a:prstClr>
-            </a:outerShdw>
-          </a:effectLst>
-        </p:spPr>
-        <p:style>
-          <a:lnRef idx="1">
-            <a:schemeClr val="accent1"/>
-          </a:lnRef>
-          <a:fillRef idx="0">
-            <a:schemeClr val="accent1"/>
-          </a:fillRef>
-          <a:effectRef idx="0">
-            <a:schemeClr val="accent1"/>
-          </a:effectRef>
-          <a:fontRef idx="minor">
-            <a:schemeClr val="tx1"/>
-          </a:fontRef>
-        </p:style>
-      </p:cxnSp>
-      <p:cxnSp>
-        <p:nvCxnSpPr>
-          <p:cNvPr id="32" name="Straight Connector 31"/>
-          <p:cNvCxnSpPr>
-            <a:endCxn id="12" idx="1"/>
-          </p:cNvCxnSpPr>
-          <p:nvPr/>
-        </p:nvCxnSpPr>
-        <p:spPr>
-          <a:xfrm flipV="1">
-            <a:off x="3147383" y="3272596"/>
-            <a:ext cx="268358" cy="1"/>
-          </a:xfrm>
-          <a:prstGeom prst="line">
-            <a:avLst/>
-          </a:prstGeom>
-          <a:ln>
-            <a:solidFill>
-              <a:schemeClr val="bg1">
-                <a:lumMod val="95000"/>
-              </a:schemeClr>
-            </a:solidFill>
-          </a:ln>
-          <a:effectLst>
-            <a:outerShdw blurRad="50800" dist="38100" dir="5400000" algn="t" rotWithShape="0">
-              <a:prstClr val="black">
-                <a:alpha val="40000"/>
-              </a:prstClr>
-            </a:outerShdw>
-          </a:effectLst>
-        </p:spPr>
-        <p:style>
-          <a:lnRef idx="1">
-            <a:schemeClr val="accent1"/>
-          </a:lnRef>
-          <a:fillRef idx="0">
-            <a:schemeClr val="accent1"/>
-          </a:fillRef>
-          <a:effectRef idx="0">
-            <a:schemeClr val="accent1"/>
-          </a:effectRef>
-          <a:fontRef idx="minor">
-            <a:schemeClr val="tx1"/>
-          </a:fontRef>
-        </p:style>
-      </p:cxnSp>
-      <p:cxnSp>
-        <p:nvCxnSpPr>
-          <p:cNvPr id="36" name="Straight Connector 35"/>
-          <p:cNvCxnSpPr/>
-          <p:nvPr/>
-        </p:nvCxnSpPr>
-        <p:spPr>
-          <a:xfrm flipH="1">
-            <a:off x="8549305" y="2078860"/>
-            <a:ext cx="2" cy="2113892"/>
-          </a:xfrm>
-          <a:prstGeom prst="line">
-            <a:avLst/>
-          </a:prstGeom>
-          <a:ln>
-            <a:solidFill>
-              <a:schemeClr val="bg1">
-                <a:lumMod val="95000"/>
-              </a:schemeClr>
-            </a:solidFill>
-          </a:ln>
-          <a:effectLst>
-            <a:outerShdw blurRad="50800" dist="38100" dir="5400000" algn="t" rotWithShape="0">
-              <a:prstClr val="black">
-                <a:alpha val="40000"/>
-              </a:prstClr>
-            </a:outerShdw>
-          </a:effectLst>
-        </p:spPr>
-        <p:style>
-          <a:lnRef idx="1">
-            <a:schemeClr val="accent1"/>
-          </a:lnRef>
-          <a:fillRef idx="0">
-            <a:schemeClr val="accent1"/>
-          </a:fillRef>
-          <a:effectRef idx="0">
-            <a:schemeClr val="accent1"/>
-          </a:effectRef>
-          <a:fontRef idx="minor">
-            <a:schemeClr val="tx1"/>
-          </a:fontRef>
-        </p:style>
-      </p:cxnSp>
-      <p:cxnSp>
-        <p:nvCxnSpPr>
-          <p:cNvPr id="46" name="Straight Connector 45"/>
-          <p:cNvCxnSpPr/>
-          <p:nvPr/>
-        </p:nvCxnSpPr>
-        <p:spPr>
-          <a:xfrm>
-            <a:off x="8025429" y="2792537"/>
-            <a:ext cx="935935" cy="6943"/>
-          </a:xfrm>
-          <a:prstGeom prst="line">
-            <a:avLst/>
-          </a:prstGeom>
-          <a:ln>
-            <a:solidFill>
-              <a:schemeClr val="bg1">
-                <a:lumMod val="95000"/>
-              </a:schemeClr>
-            </a:solidFill>
-          </a:ln>
-          <a:effectLst>
-            <a:outerShdw blurRad="50800" dist="38100" dir="5400000" algn="t" rotWithShape="0">
-              <a:prstClr val="black">
-                <a:alpha val="40000"/>
-              </a:prstClr>
-            </a:outerShdw>
-          </a:effectLst>
-        </p:spPr>
-        <p:style>
-          <a:lnRef idx="1">
-            <a:schemeClr val="accent1"/>
-          </a:lnRef>
-          <a:fillRef idx="0">
-            <a:schemeClr val="accent1"/>
-          </a:fillRef>
-          <a:effectRef idx="0">
-            <a:schemeClr val="accent1"/>
-          </a:effectRef>
-          <a:fontRef idx="minor">
-            <a:schemeClr val="tx1"/>
-          </a:fontRef>
-        </p:style>
-      </p:cxnSp>
-      <p:sp>
-        <p:nvSpPr>
-          <p:cNvPr id="48" name="TextBox 47"/>
-          <p:cNvSpPr txBox="1"/>
-          <p:nvPr/>
-        </p:nvSpPr>
-        <p:spPr>
-          <a:xfrm>
-            <a:off x="8965069" y="3527247"/>
-            <a:ext cx="1464366" cy="369332"/>
-          </a:xfrm>
-          <a:prstGeom prst="rect">
-            <a:avLst/>
-          </a:prstGeom>
-          <a:solidFill>
-            <a:schemeClr val="bg1">
-              <a:lumMod val="95000"/>
-            </a:schemeClr>
-          </a:solidFill>
-          <a:effectLst>
-            <a:outerShdw blurRad="50800" dist="38100" dir="5400000" algn="t" rotWithShape="0">
-              <a:prstClr val="black">
-                <a:alpha val="40000"/>
-              </a:prstClr>
-            </a:outerShdw>
-          </a:effectLst>
-        </p:spPr>
-        <p:txBody>
-          <a:bodyPr wrap="square" rtlCol="0">
-            <a:spAutoFit/>
-          </a:bodyPr>
-          <a:lstStyle>
-            <a:defPPr>
-              <a:defRPr lang="en-US"/>
-            </a:defPPr>
-            <a:lvl1pPr algn="ctr">
-              <a:defRPr>
-                <a:solidFill>
-                  <a:schemeClr val="accent6">
-                    <a:lumMod val="75000"/>
-                  </a:schemeClr>
-                </a:solidFill>
-              </a:defRPr>
-            </a:lvl1pPr>
-          </a:lstStyle>
-          <a:p>
-            <a:r>
-              <a:rPr lang="en-US" dirty="0"/>
-              <a:t>Data sales</a:t>
-            </a:r>
-          </a:p>
-        </p:txBody>
-      </p:sp>
-      <p:cxnSp>
-        <p:nvCxnSpPr>
-          <p:cNvPr id="50" name="Straight Connector 49"/>
-          <p:cNvCxnSpPr/>
-          <p:nvPr/>
-        </p:nvCxnSpPr>
-        <p:spPr>
-          <a:xfrm>
-            <a:off x="8011345" y="3715845"/>
-            <a:ext cx="935935" cy="6943"/>
-          </a:xfrm>
-          <a:prstGeom prst="line">
-            <a:avLst/>
-          </a:prstGeom>
-          <a:ln>
-            <a:solidFill>
-              <a:schemeClr val="bg1">
-                <a:lumMod val="95000"/>
-              </a:schemeClr>
-            </a:solidFill>
-          </a:ln>
-          <a:effectLst>
-            <a:outerShdw blurRad="50800" dist="38100" dir="5400000" algn="t" rotWithShape="0">
-              <a:prstClr val="black">
-                <a:alpha val="40000"/>
-              </a:prstClr>
-            </a:outerShdw>
-          </a:effectLst>
-        </p:spPr>
-        <p:style>
-          <a:lnRef idx="1">
-            <a:schemeClr val="accent1"/>
-          </a:lnRef>
-          <a:fillRef idx="0">
-            <a:schemeClr val="accent1"/>
-          </a:fillRef>
-          <a:effectRef idx="0">
-            <a:schemeClr val="accent1"/>
-          </a:effectRef>
-          <a:fontRef idx="minor">
-            <a:schemeClr val="tx1"/>
-          </a:fontRef>
-        </p:style>
-      </p:cxnSp>
-      <p:sp>
-        <p:nvSpPr>
-          <p:cNvPr id="56" name="TextBox 55"/>
-          <p:cNvSpPr txBox="1"/>
-          <p:nvPr/>
-        </p:nvSpPr>
-        <p:spPr>
-          <a:xfrm>
-            <a:off x="3415741" y="3990206"/>
-            <a:ext cx="1669762" cy="369332"/>
-          </a:xfrm>
-          <a:prstGeom prst="rect">
-            <a:avLst/>
-          </a:prstGeom>
-          <a:solidFill>
-            <a:schemeClr val="bg1">
-              <a:lumMod val="95000"/>
-            </a:schemeClr>
-          </a:solidFill>
-          <a:effectLst>
-            <a:outerShdw blurRad="50800" dist="38100" dir="5400000" algn="t" rotWithShape="0">
-              <a:prstClr val="black">
-                <a:alpha val="40000"/>
-              </a:prstClr>
-            </a:outerShdw>
-          </a:effectLst>
-        </p:spPr>
-        <p:txBody>
-          <a:bodyPr wrap="square" rtlCol="0">
-            <a:spAutoFit/>
-          </a:bodyPr>
-          <a:lstStyle/>
-          <a:p>
-            <a:pPr algn="ctr"/>
-            <a:r>
-              <a:rPr lang="en-US" dirty="0">
-                <a:solidFill>
-                  <a:schemeClr val="accent6">
-                    <a:lumMod val="75000"/>
-                  </a:schemeClr>
-                </a:solidFill>
-              </a:rPr>
-              <a:t>Advertisements</a:t>
-            </a:r>
-          </a:p>
-        </p:txBody>
-      </p:sp>
-      <p:cxnSp>
-        <p:nvCxnSpPr>
-          <p:cNvPr id="61" name="Straight Connector 60"/>
-          <p:cNvCxnSpPr/>
-          <p:nvPr/>
-        </p:nvCxnSpPr>
-        <p:spPr>
-          <a:xfrm flipV="1">
-            <a:off x="3153006" y="3705885"/>
-            <a:ext cx="268358" cy="1"/>
-          </a:xfrm>
-          <a:prstGeom prst="line">
-            <a:avLst/>
-          </a:prstGeom>
-          <a:ln>
-            <a:solidFill>
-              <a:schemeClr val="bg1">
-                <a:lumMod val="95000"/>
-              </a:schemeClr>
-            </a:solidFill>
-          </a:ln>
-          <a:effectLst>
-            <a:outerShdw blurRad="50800" dist="38100" dir="5400000" algn="t" rotWithShape="0">
-              <a:prstClr val="black">
-                <a:alpha val="40000"/>
-              </a:prstClr>
-            </a:outerShdw>
-          </a:effectLst>
-        </p:spPr>
-        <p:style>
-          <a:lnRef idx="1">
-            <a:schemeClr val="accent1"/>
-          </a:lnRef>
-          <a:fillRef idx="0">
-            <a:schemeClr val="accent1"/>
-          </a:fillRef>
-          <a:effectRef idx="0">
-            <a:schemeClr val="accent1"/>
-          </a:effectRef>
-          <a:fontRef idx="minor">
-            <a:schemeClr val="tx1"/>
-          </a:fontRef>
-        </p:style>
-      </p:cxnSp>
-      <p:sp>
-        <p:nvSpPr>
-          <p:cNvPr id="65" name="TextBox 64"/>
-          <p:cNvSpPr txBox="1"/>
-          <p:nvPr/>
-        </p:nvSpPr>
-        <p:spPr>
-          <a:xfrm>
-            <a:off x="3413890" y="4469064"/>
-            <a:ext cx="1466217" cy="646331"/>
-          </a:xfrm>
-          <a:prstGeom prst="rect">
-            <a:avLst/>
-          </a:prstGeom>
-          <a:solidFill>
-            <a:schemeClr val="bg1">
-              <a:lumMod val="95000"/>
-            </a:schemeClr>
-          </a:solidFill>
-          <a:effectLst>
-            <a:outerShdw blurRad="50800" dist="38100" dir="5400000" algn="t" rotWithShape="0">
-              <a:prstClr val="black">
-                <a:alpha val="40000"/>
-              </a:prstClr>
-            </a:outerShdw>
-          </a:effectLst>
-        </p:spPr>
-        <p:txBody>
-          <a:bodyPr wrap="square" rtlCol="0">
-            <a:spAutoFit/>
-          </a:bodyPr>
-          <a:lstStyle/>
-          <a:p>
-            <a:pPr algn="ctr"/>
-            <a:r>
-              <a:rPr lang="en-US" dirty="0">
-                <a:solidFill>
-                  <a:schemeClr val="accent6">
-                    <a:lumMod val="75000"/>
-                  </a:schemeClr>
-                </a:solidFill>
-              </a:rPr>
-              <a:t>Information Hub</a:t>
-            </a:r>
-          </a:p>
-        </p:txBody>
-      </p:sp>
-      <p:sp>
-        <p:nvSpPr>
-          <p:cNvPr id="68" name="TextBox 67"/>
-          <p:cNvSpPr txBox="1"/>
-          <p:nvPr/>
-        </p:nvSpPr>
-        <p:spPr>
-          <a:xfrm>
-            <a:off x="1104443" y="4709160"/>
-            <a:ext cx="1565861" cy="369332"/>
-          </a:xfrm>
-          <a:prstGeom prst="rect">
-            <a:avLst/>
-          </a:prstGeom>
-          <a:solidFill>
-            <a:schemeClr val="bg1">
-              <a:lumMod val="95000"/>
-            </a:schemeClr>
-          </a:solidFill>
-          <a:effectLst>
-            <a:outerShdw blurRad="50800" dist="38100" dir="5400000" algn="t" rotWithShape="0">
-              <a:prstClr val="black">
-                <a:alpha val="40000"/>
-              </a:prstClr>
-            </a:outerShdw>
-          </a:effectLst>
-        </p:spPr>
-        <p:txBody>
-          <a:bodyPr wrap="square" rtlCol="0">
-            <a:spAutoFit/>
-          </a:bodyPr>
-          <a:lstStyle/>
-          <a:p>
-            <a:pPr algn="ctr"/>
-            <a:r>
-              <a:rPr lang="en-US" dirty="0">
-                <a:solidFill>
-                  <a:schemeClr val="accent6">
-                    <a:lumMod val="75000"/>
-                  </a:schemeClr>
-                </a:solidFill>
-              </a:rPr>
-              <a:t>FLD’s</a:t>
-            </a:r>
-          </a:p>
-        </p:txBody>
-      </p:sp>
-    </p:spTree>
-    <p:extLst>
-      <p:ext uri="{BB962C8B-B14F-4D97-AF65-F5344CB8AC3E}">
-        <p14:creationId xmlns:p14="http://schemas.microsoft.com/office/powerpoint/2010/main" val="913513448"/>
-      </p:ext>
-    </p:extLst>
-  </p:cSld>
-  <p:clrMapOvr>
-    <a:masterClrMapping/>
-  </p:clrMapOvr>
-  <p:timing>
-    <p:tnLst>
-      <p:par>
-        <p:cTn id="1" dur="indefinite" restart="never" nodeType="tmRoot">
-          <p:childTnLst>
-            <p:seq concurrent="1" nextAc="seek">
-              <p:cTn id="2" dur="indefinite" nodeType="mainSeq">
-                <p:childTnLst>
-                  <p:par>
-                    <p:cTn id="3" fill="hold" nodeType="clickPar">
-                      <p:stCondLst>
-                        <p:cond delay="indefinite"/>
-                        <p:cond evt="onBegin" delay="0">
-                          <p:tn val="2"/>
-                        </p:cond>
-                      </p:stCondLst>
-                      <p:childTnLst>
-                        <p:par>
-                          <p:cTn id="4" fill="hold" nodeType="withGroup">
-                            <p:stCondLst>
-                              <p:cond delay="0"/>
-                            </p:stCondLst>
-                            <p:childTnLst>
-                              <p:par>
-                                <p:cTn id="5" presetID="22" presetClass="entr" presetSubtype="1" fill="hold" nodeType="afterEffect">
-                                  <p:stCondLst>
-                                    <p:cond delay="0"/>
-                                  </p:stCondLst>
-                                  <p:childTnLst>
-                                    <p:set>
-                                      <p:cBhvr>
-                                        <p:cTn id="6" dur="1" fill="hold">
-                                          <p:stCondLst>
-                                            <p:cond delay="0"/>
-                                          </p:stCondLst>
-                                        </p:cTn>
-                                        <p:tgtEl>
-                                          <p:spTgt spid="3"/>
-                                        </p:tgtEl>
-                                        <p:attrNameLst>
-                                          <p:attrName>style.visibility</p:attrName>
-                                        </p:attrNameLst>
-                                      </p:cBhvr>
-                                      <p:to>
-                                        <p:strVal val="visible"/>
-                                      </p:to>
-                                    </p:set>
-                                    <p:animEffect transition="in" filter="wipe(up)">
-                                      <p:cBhvr>
-                                        <p:cTn id="7" dur="250"/>
-                                        <p:tgtEl>
-                                          <p:spTgt spid="3"/>
-                                        </p:tgtEl>
-                                      </p:cBhvr>
-                                    </p:animEffect>
-                                  </p:childTnLst>
-                                </p:cTn>
-                              </p:par>
-                            </p:childTnLst>
-                          </p:cTn>
-                        </p:par>
-                        <p:par>
-                          <p:cTn id="8" fill="hold">
-                            <p:stCondLst>
-                              <p:cond delay="250"/>
-                            </p:stCondLst>
-                            <p:childTnLst>
-                              <p:par>
-                                <p:cTn id="9" presetID="1" presetClass="entr" presetSubtype="0" fill="hold" grpId="0" nodeType="afterEffect">
-                                  <p:stCondLst>
-                                    <p:cond delay="0"/>
-                                  </p:stCondLst>
-                                  <p:childTnLst>
-                                    <p:set>
-                                      <p:cBhvr>
-                                        <p:cTn id="10" dur="1" fill="hold">
-                                          <p:stCondLst>
-                                            <p:cond delay="249"/>
-                                          </p:stCondLst>
-                                        </p:cTn>
-                                        <p:tgtEl>
-                                          <p:spTgt spid="9"/>
-                                        </p:tgtEl>
-                                        <p:attrNameLst>
-                                          <p:attrName>style.visibility</p:attrName>
-                                        </p:attrNameLst>
-                                      </p:cBhvr>
-                                      <p:to>
-                                        <p:strVal val="visible"/>
-                                      </p:to>
-                                    </p:set>
-                                  </p:childTnLst>
-                                </p:cTn>
-                              </p:par>
-                            </p:childTnLst>
-                          </p:cTn>
-                        </p:par>
-                        <p:par>
-                          <p:cTn id="11" fill="hold">
-                            <p:stCondLst>
-                              <p:cond delay="500"/>
-                            </p:stCondLst>
-                            <p:childTnLst>
-                              <p:par>
-                                <p:cTn id="12" presetID="1" presetClass="entr" presetSubtype="0" fill="hold" grpId="0" nodeType="afterEffect">
-                                  <p:stCondLst>
-                                    <p:cond delay="0"/>
-                                  </p:stCondLst>
-                                  <p:childTnLst>
-                                    <p:set>
-                                      <p:cBhvr>
-                                        <p:cTn id="13" dur="1" fill="hold">
-                                          <p:stCondLst>
-                                            <p:cond delay="249"/>
-                                          </p:stCondLst>
-                                        </p:cTn>
-                                        <p:tgtEl>
-                                          <p:spTgt spid="11"/>
-                                        </p:tgtEl>
-                                        <p:attrNameLst>
-                                          <p:attrName>style.visibility</p:attrName>
-                                        </p:attrNameLst>
-                                      </p:cBhvr>
-                                      <p:to>
-                                        <p:strVal val="visible"/>
-                                      </p:to>
-                                    </p:set>
-                                  </p:childTnLst>
-                                </p:cTn>
-                              </p:par>
-                              <p:par>
-                                <p:cTn id="14" presetID="1" presetClass="entr" presetSubtype="0" fill="hold" grpId="0" nodeType="withEffect">
-                                  <p:stCondLst>
-                                    <p:cond delay="0"/>
-                                  </p:stCondLst>
-                                  <p:childTnLst>
-                                    <p:set>
-                                      <p:cBhvr>
-                                        <p:cTn id="15" dur="1" fill="hold">
-                                          <p:stCondLst>
-                                            <p:cond delay="249"/>
-                                          </p:stCondLst>
-                                        </p:cTn>
-                                        <p:tgtEl>
-                                          <p:spTgt spid="15"/>
-                                        </p:tgtEl>
-                                        <p:attrNameLst>
-                                          <p:attrName>style.visibility</p:attrName>
-                                        </p:attrNameLst>
-                                      </p:cBhvr>
-                                      <p:to>
-                                        <p:strVal val="visible"/>
-                                      </p:to>
-                                    </p:set>
-                                  </p:childTnLst>
-                                </p:cTn>
-                              </p:par>
-                              <p:par>
-                                <p:cTn id="16" presetID="1" presetClass="entr" presetSubtype="0" fill="hold" grpId="0" nodeType="withEffect">
-                                  <p:stCondLst>
-                                    <p:cond delay="0"/>
-                                  </p:stCondLst>
-                                  <p:childTnLst>
-                                    <p:set>
-                                      <p:cBhvr>
-                                        <p:cTn id="17" dur="1" fill="hold">
-                                          <p:stCondLst>
-                                            <p:cond delay="249"/>
-                                          </p:stCondLst>
-                                        </p:cTn>
-                                        <p:tgtEl>
-                                          <p:spTgt spid="12"/>
-                                        </p:tgtEl>
-                                        <p:attrNameLst>
-                                          <p:attrName>style.visibility</p:attrName>
-                                        </p:attrNameLst>
-                                      </p:cBhvr>
-                                      <p:to>
-                                        <p:strVal val="visible"/>
-                                      </p:to>
-                                    </p:set>
-                                  </p:childTnLst>
-                                </p:cTn>
-                              </p:par>
-                              <p:par>
-                                <p:cTn id="18" presetID="1" presetClass="entr" presetSubtype="0" fill="hold" grpId="0" nodeType="withEffect">
-                                  <p:stCondLst>
-                                    <p:cond delay="0"/>
-                                  </p:stCondLst>
-                                  <p:childTnLst>
-                                    <p:set>
-                                      <p:cBhvr>
-                                        <p:cTn id="19" dur="1" fill="hold">
-                                          <p:stCondLst>
-                                            <p:cond delay="249"/>
-                                          </p:stCondLst>
-                                        </p:cTn>
-                                        <p:tgtEl>
-                                          <p:spTgt spid="13"/>
-                                        </p:tgtEl>
-                                        <p:attrNameLst>
-                                          <p:attrName>style.visibility</p:attrName>
-                                        </p:attrNameLst>
-                                      </p:cBhvr>
-                                      <p:to>
-                                        <p:strVal val="visible"/>
-                                      </p:to>
-                                    </p:set>
-                                  </p:childTnLst>
-                                </p:cTn>
-                              </p:par>
-                              <p:par>
-                                <p:cTn id="20" presetID="1" presetClass="entr" presetSubtype="0" fill="hold" grpId="0" nodeType="withEffect">
-                                  <p:stCondLst>
-                                    <p:cond delay="0"/>
-                                  </p:stCondLst>
-                                  <p:childTnLst>
-                                    <p:set>
-                                      <p:cBhvr>
-                                        <p:cTn id="21" dur="1" fill="hold">
-                                          <p:stCondLst>
-                                            <p:cond delay="249"/>
-                                          </p:stCondLst>
-                                        </p:cTn>
-                                        <p:tgtEl>
-                                          <p:spTgt spid="14"/>
-                                        </p:tgtEl>
-                                        <p:attrNameLst>
-                                          <p:attrName>style.visibility</p:attrName>
-                                        </p:attrNameLst>
-                                      </p:cBhvr>
-                                      <p:to>
-                                        <p:strVal val="visible"/>
-                                      </p:to>
-                                    </p:set>
-                                  </p:childTnLst>
-                                </p:cTn>
-                              </p:par>
-                              <p:par>
-                                <p:cTn id="22" presetID="1" presetClass="entr" presetSubtype="0" fill="hold" grpId="0" nodeType="withEffect">
-                                  <p:stCondLst>
-                                    <p:cond delay="0"/>
-                                  </p:stCondLst>
-                                  <p:childTnLst>
-                                    <p:set>
-                                      <p:cBhvr>
-                                        <p:cTn id="23" dur="1" fill="hold">
-                                          <p:stCondLst>
-                                            <p:cond delay="249"/>
-                                          </p:stCondLst>
-                                        </p:cTn>
-                                        <p:tgtEl>
-                                          <p:spTgt spid="26"/>
-                                        </p:tgtEl>
-                                        <p:attrNameLst>
-                                          <p:attrName>style.visibility</p:attrName>
-                                        </p:attrNameLst>
-                                      </p:cBhvr>
-                                      <p:to>
-                                        <p:strVal val="visible"/>
-                                      </p:to>
-                                    </p:set>
-                                  </p:childTnLst>
-                                </p:cTn>
-                              </p:par>
-                              <p:par>
-                                <p:cTn id="24" presetID="1" presetClass="entr" presetSubtype="0" fill="hold" grpId="0" nodeType="withEffect">
-                                  <p:stCondLst>
-                                    <p:cond delay="0"/>
-                                  </p:stCondLst>
-                                  <p:childTnLst>
-                                    <p:set>
-                                      <p:cBhvr>
-                                        <p:cTn id="25" dur="1" fill="hold">
-                                          <p:stCondLst>
-                                            <p:cond delay="249"/>
-                                          </p:stCondLst>
-                                        </p:cTn>
-                                        <p:tgtEl>
-                                          <p:spTgt spid="56"/>
-                                        </p:tgtEl>
-                                        <p:attrNameLst>
-                                          <p:attrName>style.visibility</p:attrName>
-                                        </p:attrNameLst>
-                                      </p:cBhvr>
-                                      <p:to>
-                                        <p:strVal val="visible"/>
-                                      </p:to>
-                                    </p:set>
-                                  </p:childTnLst>
-                                </p:cTn>
-                              </p:par>
-                              <p:par>
-                                <p:cTn id="26" presetID="1" presetClass="entr" presetSubtype="0" fill="hold" grpId="0" nodeType="withEffect">
-                                  <p:stCondLst>
-                                    <p:cond delay="0"/>
-                                  </p:stCondLst>
-                                  <p:childTnLst>
-                                    <p:set>
-                                      <p:cBhvr>
-                                        <p:cTn id="27" dur="1" fill="hold">
-                                          <p:stCondLst>
-                                            <p:cond delay="249"/>
-                                          </p:stCondLst>
-                                        </p:cTn>
-                                        <p:tgtEl>
-                                          <p:spTgt spid="65"/>
-                                        </p:tgtEl>
-                                        <p:attrNameLst>
-                                          <p:attrName>style.visibility</p:attrName>
-                                        </p:attrNameLst>
-                                      </p:cBhvr>
-                                      <p:to>
-                                        <p:strVal val="visible"/>
-                                      </p:to>
-                                    </p:set>
-                                  </p:childTnLst>
-                                </p:cTn>
-                              </p:par>
-                              <p:par>
-                                <p:cTn id="28" presetID="1" presetClass="entr" presetSubtype="0" fill="hold" grpId="0" nodeType="withEffect">
-                                  <p:stCondLst>
-                                    <p:cond delay="0"/>
-                                  </p:stCondLst>
-                                  <p:childTnLst>
-                                    <p:set>
-                                      <p:cBhvr>
-                                        <p:cTn id="29" dur="1" fill="hold">
-                                          <p:stCondLst>
-                                            <p:cond delay="249"/>
-                                          </p:stCondLst>
-                                        </p:cTn>
-                                        <p:tgtEl>
-                                          <p:spTgt spid="68"/>
-                                        </p:tgtEl>
-                                        <p:attrNameLst>
-                                          <p:attrName>style.visibility</p:attrName>
-                                        </p:attrNameLst>
-                                      </p:cBhvr>
-                                      <p:to>
-                                        <p:strVal val="visible"/>
-                                      </p:to>
-                                    </p:set>
-                                  </p:childTnLst>
-                                </p:cTn>
-                              </p:par>
-                            </p:childTnLst>
-                          </p:cTn>
-                        </p:par>
-                        <p:par>
-                          <p:cTn id="30" fill="hold">
-                            <p:stCondLst>
-                              <p:cond delay="750"/>
-                            </p:stCondLst>
-                            <p:childTnLst>
-                              <p:par>
-                                <p:cTn id="31" presetID="16" presetClass="entr" presetSubtype="37" fill="hold" nodeType="afterEffect">
-                                  <p:stCondLst>
-                                    <p:cond delay="0"/>
-                                  </p:stCondLst>
-                                  <p:childTnLst>
-                                    <p:set>
-                                      <p:cBhvr>
-                                        <p:cTn id="32" dur="1" fill="hold">
-                                          <p:stCondLst>
-                                            <p:cond delay="0"/>
-                                          </p:stCondLst>
-                                        </p:cTn>
-                                        <p:tgtEl>
-                                          <p:spTgt spid="61"/>
-                                        </p:tgtEl>
-                                        <p:attrNameLst>
-                                          <p:attrName>style.visibility</p:attrName>
-                                        </p:attrNameLst>
-                                      </p:cBhvr>
-                                      <p:to>
-                                        <p:strVal val="visible"/>
-                                      </p:to>
-                                    </p:set>
-                                    <p:animEffect transition="in" filter="barn(outVertical)">
-                                      <p:cBhvr>
-                                        <p:cTn id="33" dur="250"/>
-                                        <p:tgtEl>
-                                          <p:spTgt spid="61"/>
-                                        </p:tgtEl>
-                                      </p:cBhvr>
-                                    </p:animEffect>
-                                  </p:childTnLst>
-                                </p:cTn>
-                              </p:par>
-                              <p:par>
-                                <p:cTn id="34" presetID="16" presetClass="entr" presetSubtype="37" fill="hold" nodeType="withEffect">
-                                  <p:stCondLst>
-                                    <p:cond delay="0"/>
-                                  </p:stCondLst>
-                                  <p:childTnLst>
-                                    <p:set>
-                                      <p:cBhvr>
-                                        <p:cTn id="35" dur="1" fill="hold">
-                                          <p:stCondLst>
-                                            <p:cond delay="0"/>
-                                          </p:stCondLst>
-                                        </p:cTn>
-                                        <p:tgtEl>
-                                          <p:spTgt spid="70"/>
-                                        </p:tgtEl>
-                                        <p:attrNameLst>
-                                          <p:attrName>style.visibility</p:attrName>
-                                        </p:attrNameLst>
-                                      </p:cBhvr>
-                                      <p:to>
-                                        <p:strVal val="visible"/>
-                                      </p:to>
-                                    </p:set>
-                                    <p:animEffect transition="in" filter="barn(outVertical)">
-                                      <p:cBhvr>
-                                        <p:cTn id="36" dur="250"/>
-                                        <p:tgtEl>
-                                          <p:spTgt spid="70"/>
-                                        </p:tgtEl>
-                                      </p:cBhvr>
-                                    </p:animEffect>
-                                  </p:childTnLst>
-                                </p:cTn>
-                              </p:par>
-                              <p:par>
-                                <p:cTn id="37" presetID="22" presetClass="entr" presetSubtype="1" fill="hold" nodeType="withEffect">
-                                  <p:stCondLst>
-                                    <p:cond delay="0"/>
-                                  </p:stCondLst>
-                                  <p:childTnLst>
-                                    <p:set>
-                                      <p:cBhvr>
-                                        <p:cTn id="38" dur="1" fill="hold">
-                                          <p:stCondLst>
-                                            <p:cond delay="0"/>
-                                          </p:stCondLst>
-                                        </p:cTn>
-                                        <p:tgtEl>
-                                          <p:spTgt spid="28"/>
-                                        </p:tgtEl>
-                                        <p:attrNameLst>
-                                          <p:attrName>style.visibility</p:attrName>
-                                        </p:attrNameLst>
-                                      </p:cBhvr>
-                                      <p:to>
-                                        <p:strVal val="visible"/>
-                                      </p:to>
-                                    </p:set>
-                                    <p:animEffect transition="in" filter="wipe(up)">
-                                      <p:cBhvr>
-                                        <p:cTn id="39" dur="250"/>
-                                        <p:tgtEl>
-                                          <p:spTgt spid="28"/>
-                                        </p:tgtEl>
-                                      </p:cBhvr>
-                                    </p:animEffect>
-                                  </p:childTnLst>
-                                </p:cTn>
-                              </p:par>
-                              <p:par>
-                                <p:cTn id="40" presetID="16" presetClass="entr" presetSubtype="37" fill="hold" nodeType="withEffect">
-                                  <p:stCondLst>
-                                    <p:cond delay="0"/>
-                                  </p:stCondLst>
-                                  <p:childTnLst>
-                                    <p:set>
-                                      <p:cBhvr>
-                                        <p:cTn id="41" dur="1" fill="hold">
-                                          <p:stCondLst>
-                                            <p:cond delay="0"/>
-                                          </p:stCondLst>
-                                        </p:cTn>
-                                        <p:tgtEl>
-                                          <p:spTgt spid="31"/>
-                                        </p:tgtEl>
-                                        <p:attrNameLst>
-                                          <p:attrName>style.visibility</p:attrName>
-                                        </p:attrNameLst>
-                                      </p:cBhvr>
-                                      <p:to>
-                                        <p:strVal val="visible"/>
-                                      </p:to>
-                                    </p:set>
-                                    <p:animEffect transition="in" filter="barn(outVertical)">
-                                      <p:cBhvr>
-                                        <p:cTn id="42" dur="250"/>
-                                        <p:tgtEl>
-                                          <p:spTgt spid="31"/>
-                                        </p:tgtEl>
-                                      </p:cBhvr>
-                                    </p:animEffect>
-                                  </p:childTnLst>
-                                </p:cTn>
-                              </p:par>
-                              <p:par>
-                                <p:cTn id="43" presetID="16" presetClass="entr" presetSubtype="37" fill="hold" nodeType="withEffect">
-                                  <p:stCondLst>
-                                    <p:cond delay="0"/>
-                                  </p:stCondLst>
-                                  <p:childTnLst>
-                                    <p:set>
-                                      <p:cBhvr>
-                                        <p:cTn id="44" dur="1" fill="hold">
-                                          <p:stCondLst>
-                                            <p:cond delay="0"/>
-                                          </p:stCondLst>
-                                        </p:cTn>
-                                        <p:tgtEl>
-                                          <p:spTgt spid="32"/>
-                                        </p:tgtEl>
-                                        <p:attrNameLst>
-                                          <p:attrName>style.visibility</p:attrName>
-                                        </p:attrNameLst>
-                                      </p:cBhvr>
-                                      <p:to>
-                                        <p:strVal val="visible"/>
-                                      </p:to>
-                                    </p:set>
-                                    <p:animEffect transition="in" filter="barn(outVertical)">
-                                      <p:cBhvr>
-                                        <p:cTn id="45" dur="250"/>
-                                        <p:tgtEl>
-                                          <p:spTgt spid="32"/>
-                                        </p:tgtEl>
-                                      </p:cBhvr>
-                                    </p:animEffect>
-                                  </p:childTnLst>
-                                </p:cTn>
-                              </p:par>
-                              <p:par>
-                                <p:cTn id="46" presetID="16" presetClass="entr" presetSubtype="37" fill="hold" nodeType="withEffect">
-                                  <p:stCondLst>
-                                    <p:cond delay="0"/>
-                                  </p:stCondLst>
-                                  <p:childTnLst>
-                                    <p:set>
-                                      <p:cBhvr>
-                                        <p:cTn id="47" dur="1" fill="hold">
-                                          <p:stCondLst>
-                                            <p:cond delay="0"/>
-                                          </p:stCondLst>
-                                        </p:cTn>
-                                        <p:tgtEl>
-                                          <p:spTgt spid="34"/>
-                                        </p:tgtEl>
-                                        <p:attrNameLst>
-                                          <p:attrName>style.visibility</p:attrName>
-                                        </p:attrNameLst>
-                                      </p:cBhvr>
-                                      <p:to>
-                                        <p:strVal val="visible"/>
-                                      </p:to>
-                                    </p:set>
-                                    <p:animEffect transition="in" filter="barn(outVertical)">
-                                      <p:cBhvr>
-                                        <p:cTn id="48" dur="250"/>
-                                        <p:tgtEl>
-                                          <p:spTgt spid="34"/>
-                                        </p:tgtEl>
-                                      </p:cBhvr>
-                                    </p:animEffect>
-                                  </p:childTnLst>
-                                </p:cTn>
-                              </p:par>
-                              <p:par>
-                                <p:cTn id="49" presetID="1" presetClass="entr" presetSubtype="0" fill="hold" grpId="0" nodeType="withEffect">
-                                  <p:stCondLst>
-                                    <p:cond delay="0"/>
-                                  </p:stCondLst>
-                                  <p:childTnLst>
-                                    <p:set>
-                                      <p:cBhvr>
-                                        <p:cTn id="50" dur="1" fill="hold">
-                                          <p:stCondLst>
-                                            <p:cond delay="249"/>
-                                          </p:stCondLst>
-                                        </p:cTn>
-                                        <p:tgtEl>
-                                          <p:spTgt spid="10"/>
-                                        </p:tgtEl>
-                                        <p:attrNameLst>
-                                          <p:attrName>style.visibility</p:attrName>
-                                        </p:attrNameLst>
-                                      </p:cBhvr>
-                                      <p:to>
-                                        <p:strVal val="visible"/>
-                                      </p:to>
-                                    </p:set>
-                                  </p:childTnLst>
-                                </p:cTn>
-                              </p:par>
-                            </p:childTnLst>
-                          </p:cTn>
-                        </p:par>
-                        <p:par>
-                          <p:cTn id="51" fill="hold">
-                            <p:stCondLst>
-                              <p:cond delay="1000"/>
-                            </p:stCondLst>
-                            <p:childTnLst>
-                              <p:par>
-                                <p:cTn id="52" presetID="1" presetClass="entr" presetSubtype="0" fill="hold" grpId="0" nodeType="afterEffect">
-                                  <p:stCondLst>
-                                    <p:cond delay="0"/>
-                                  </p:stCondLst>
-                                  <p:childTnLst>
-                                    <p:set>
-                                      <p:cBhvr>
-                                        <p:cTn id="53" dur="1" fill="hold">
-                                          <p:stCondLst>
-                                            <p:cond delay="249"/>
-                                          </p:stCondLst>
-                                        </p:cTn>
-                                        <p:tgtEl>
-                                          <p:spTgt spid="16"/>
-                                        </p:tgtEl>
-                                        <p:attrNameLst>
-                                          <p:attrName>style.visibility</p:attrName>
-                                        </p:attrNameLst>
-                                      </p:cBhvr>
-                                      <p:to>
-                                        <p:strVal val="visible"/>
-                                      </p:to>
-                                    </p:set>
-                                  </p:childTnLst>
-                                </p:cTn>
-                              </p:par>
-                            </p:childTnLst>
-                          </p:cTn>
-                        </p:par>
-                        <p:par>
-                          <p:cTn id="54" fill="hold">
-                            <p:stCondLst>
-                              <p:cond delay="1250"/>
-                            </p:stCondLst>
-                            <p:childTnLst>
-                              <p:par>
-                                <p:cTn id="55" presetID="1" presetClass="entr" presetSubtype="0" fill="hold" grpId="0" nodeType="afterEffect">
-                                  <p:stCondLst>
-                                    <p:cond delay="0"/>
-                                  </p:stCondLst>
-                                  <p:childTnLst>
-                                    <p:set>
-                                      <p:cBhvr>
-                                        <p:cTn id="56" dur="1" fill="hold">
-                                          <p:stCondLst>
-                                            <p:cond delay="249"/>
-                                          </p:stCondLst>
-                                        </p:cTn>
-                                        <p:tgtEl>
-                                          <p:spTgt spid="18"/>
-                                        </p:tgtEl>
-                                        <p:attrNameLst>
-                                          <p:attrName>style.visibility</p:attrName>
-                                        </p:attrNameLst>
-                                      </p:cBhvr>
-                                      <p:to>
-                                        <p:strVal val="visible"/>
-                                      </p:to>
-                                    </p:set>
-                                  </p:childTnLst>
-                                </p:cTn>
-                              </p:par>
-                            </p:childTnLst>
-                          </p:cTn>
-                        </p:par>
-                        <p:par>
-                          <p:cTn id="57" fill="hold">
-                            <p:stCondLst>
-                              <p:cond delay="1500"/>
-                            </p:stCondLst>
-                            <p:childTnLst>
-                              <p:par>
-                                <p:cTn id="58" presetID="1" presetClass="entr" presetSubtype="0" fill="hold" grpId="0" nodeType="afterEffect">
-                                  <p:stCondLst>
-                                    <p:cond delay="0"/>
-                                  </p:stCondLst>
-                                  <p:childTnLst>
-                                    <p:set>
-                                      <p:cBhvr>
-                                        <p:cTn id="59" dur="1" fill="hold">
-                                          <p:stCondLst>
-                                            <p:cond delay="249"/>
-                                          </p:stCondLst>
-                                        </p:cTn>
-                                        <p:tgtEl>
-                                          <p:spTgt spid="19"/>
-                                        </p:tgtEl>
-                                        <p:attrNameLst>
-                                          <p:attrName>style.visibility</p:attrName>
-                                        </p:attrNameLst>
-                                      </p:cBhvr>
-                                      <p:to>
-                                        <p:strVal val="visible"/>
-                                      </p:to>
-                                    </p:set>
-                                  </p:childTnLst>
-                                </p:cTn>
-                              </p:par>
-                            </p:childTnLst>
-                          </p:cTn>
-                        </p:par>
-                        <p:par>
-                          <p:cTn id="60" fill="hold">
-                            <p:stCondLst>
-                              <p:cond delay="1750"/>
-                            </p:stCondLst>
-                            <p:childTnLst>
-                              <p:par>
-                                <p:cTn id="61" presetID="1" presetClass="entr" presetSubtype="0" fill="hold" grpId="0" nodeType="afterEffect">
-                                  <p:stCondLst>
-                                    <p:cond delay="0"/>
-                                  </p:stCondLst>
-                                  <p:childTnLst>
-                                    <p:set>
-                                      <p:cBhvr>
-                                        <p:cTn id="62" dur="1" fill="hold">
-                                          <p:stCondLst>
-                                            <p:cond delay="249"/>
-                                          </p:stCondLst>
-                                        </p:cTn>
-                                        <p:tgtEl>
-                                          <p:spTgt spid="48"/>
-                                        </p:tgtEl>
-                                        <p:attrNameLst>
-                                          <p:attrName>style.visibility</p:attrName>
-                                        </p:attrNameLst>
-                                      </p:cBhvr>
-                                      <p:to>
-                                        <p:strVal val="visible"/>
-                                      </p:to>
-                                    </p:set>
-                                  </p:childTnLst>
-                                </p:cTn>
-                              </p:par>
-                            </p:childTnLst>
-                          </p:cTn>
-                        </p:par>
-                        <p:par>
-                          <p:cTn id="63" fill="hold">
-                            <p:stCondLst>
-                              <p:cond delay="2000"/>
-                            </p:stCondLst>
-                            <p:childTnLst>
-                              <p:par>
-                                <p:cTn id="64" presetID="1" presetClass="entr" presetSubtype="0" fill="hold" grpId="0" nodeType="afterEffect">
-                                  <p:stCondLst>
-                                    <p:cond delay="0"/>
-                                  </p:stCondLst>
-                                  <p:childTnLst>
-                                    <p:set>
-                                      <p:cBhvr>
-                                        <p:cTn id="65" dur="1" fill="hold">
-                                          <p:stCondLst>
-                                            <p:cond delay="249"/>
-                                          </p:stCondLst>
-                                        </p:cTn>
-                                        <p:tgtEl>
-                                          <p:spTgt spid="17"/>
-                                        </p:tgtEl>
-                                        <p:attrNameLst>
-                                          <p:attrName>style.visibility</p:attrName>
-                                        </p:attrNameLst>
-                                      </p:cBhvr>
-                                      <p:to>
-                                        <p:strVal val="visible"/>
-                                      </p:to>
-                                    </p:set>
-                                  </p:childTnLst>
-                                </p:cTn>
-                              </p:par>
-                            </p:childTnLst>
-                          </p:cTn>
-                        </p:par>
-                        <p:par>
-                          <p:cTn id="66" fill="hold">
-                            <p:stCondLst>
-                              <p:cond delay="2250"/>
-                            </p:stCondLst>
-                            <p:childTnLst>
-                              <p:par>
-                                <p:cTn id="67" presetID="22" presetClass="entr" presetSubtype="1" fill="hold" nodeType="afterEffect">
-                                  <p:stCondLst>
-                                    <p:cond delay="0"/>
-                                  </p:stCondLst>
-                                  <p:childTnLst>
-                                    <p:set>
-                                      <p:cBhvr>
-                                        <p:cTn id="68" dur="1" fill="hold">
-                                          <p:stCondLst>
-                                            <p:cond delay="0"/>
-                                          </p:stCondLst>
-                                        </p:cTn>
-                                        <p:tgtEl>
-                                          <p:spTgt spid="36"/>
-                                        </p:tgtEl>
-                                        <p:attrNameLst>
-                                          <p:attrName>style.visibility</p:attrName>
-                                        </p:attrNameLst>
-                                      </p:cBhvr>
-                                      <p:to>
-                                        <p:strVal val="visible"/>
-                                      </p:to>
-                                    </p:set>
-                                    <p:animEffect transition="in" filter="wipe(up)">
-                                      <p:cBhvr>
-                                        <p:cTn id="69" dur="250"/>
-                                        <p:tgtEl>
-                                          <p:spTgt spid="36"/>
-                                        </p:tgtEl>
-                                      </p:cBhvr>
-                                    </p:animEffect>
-                                  </p:childTnLst>
-                                </p:cTn>
-                              </p:par>
-                            </p:childTnLst>
-                          </p:cTn>
-                        </p:par>
-                        <p:par>
-                          <p:cTn id="70" fill="hold">
-                            <p:stCondLst>
-                              <p:cond delay="2500"/>
-                            </p:stCondLst>
-                            <p:childTnLst>
-                              <p:par>
-                                <p:cTn id="71" presetID="16" presetClass="entr" presetSubtype="37" fill="hold" nodeType="afterEffect">
-                                  <p:stCondLst>
-                                    <p:cond delay="0"/>
-                                  </p:stCondLst>
-                                  <p:childTnLst>
-                                    <p:set>
-                                      <p:cBhvr>
-                                        <p:cTn id="72" dur="1" fill="hold">
-                                          <p:stCondLst>
-                                            <p:cond delay="0"/>
-                                          </p:stCondLst>
-                                        </p:cTn>
-                                        <p:tgtEl>
-                                          <p:spTgt spid="46"/>
-                                        </p:tgtEl>
-                                        <p:attrNameLst>
-                                          <p:attrName>style.visibility</p:attrName>
-                                        </p:attrNameLst>
-                                      </p:cBhvr>
-                                      <p:to>
-                                        <p:strVal val="visible"/>
-                                      </p:to>
-                                    </p:set>
-                                    <p:animEffect transition="in" filter="barn(outVertical)">
-                                      <p:cBhvr>
-                                        <p:cTn id="73" dur="250"/>
-                                        <p:tgtEl>
-                                          <p:spTgt spid="46"/>
-                                        </p:tgtEl>
-                                      </p:cBhvr>
-                                    </p:animEffect>
-                                  </p:childTnLst>
-                                </p:cTn>
-                              </p:par>
-                            </p:childTnLst>
-                          </p:cTn>
-                        </p:par>
-                        <p:par>
-                          <p:cTn id="74" fill="hold">
-                            <p:stCondLst>
-                              <p:cond delay="2750"/>
-                            </p:stCondLst>
-                            <p:childTnLst>
-                              <p:par>
-                                <p:cTn id="75" presetID="16" presetClass="entr" presetSubtype="37" fill="hold" nodeType="afterEffect">
-                                  <p:stCondLst>
-                                    <p:cond delay="0"/>
-                                  </p:stCondLst>
-                                  <p:childTnLst>
-                                    <p:set>
-                                      <p:cBhvr>
-                                        <p:cTn id="76" dur="1" fill="hold">
-                                          <p:stCondLst>
-                                            <p:cond delay="0"/>
-                                          </p:stCondLst>
-                                        </p:cTn>
-                                        <p:tgtEl>
-                                          <p:spTgt spid="50"/>
-                                        </p:tgtEl>
-                                        <p:attrNameLst>
-                                          <p:attrName>style.visibility</p:attrName>
-                                        </p:attrNameLst>
-                                      </p:cBhvr>
-                                      <p:to>
-                                        <p:strVal val="visible"/>
-                                      </p:to>
-                                    </p:set>
-                                    <p:animEffect transition="in" filter="barn(outVertical)">
-                                      <p:cBhvr>
-                                        <p:cTn id="77" dur="250"/>
-                                        <p:tgtEl>
-                                          <p:spTgt spid="50"/>
-                                        </p:tgtEl>
-                                      </p:cBhvr>
-                                    </p:animEffect>
-                                  </p:childTnLst>
-                                </p:cTn>
-                              </p:par>
-                            </p:childTnLst>
-                          </p:cTn>
-                        </p:par>
-                      </p:childTnLst>
-                    </p:cTn>
-                  </p:par>
-                </p:childTnLst>
-              </p:cTn>
-              <p:prevCondLst>
-                <p:cond evt="onPrev" delay="0">
-                  <p:tgtEl>
-                    <p:sldTgt/>
-                  </p:tgtEl>
-                </p:cond>
-              </p:prevCondLst>
-              <p:nextCondLst>
-                <p:cond evt="onNext" delay="0">
-                  <p:tgtEl>
-                    <p:sldTgt/>
-                  </p:tgtEl>
-                </p:cond>
-              </p:nextCondLst>
-            </p:seq>
-          </p:childTnLst>
-        </p:cTn>
-      </p:par>
-    </p:tnLst>
-    <p:bldLst>
-      <p:bldP spid="9" grpId="0" animBg="1"/>
-      <p:bldP spid="10" grpId="0" animBg="1"/>
-      <p:bldP spid="11" grpId="0" animBg="1"/>
-      <p:bldP spid="12" grpId="0" animBg="1"/>
-      <p:bldP spid="13" grpId="0" animBg="1"/>
-      <p:bldP spid="14" grpId="0" animBg="1"/>
-      <p:bldP spid="15" grpId="0" animBg="1"/>
-      <p:bldP spid="16" grpId="0" animBg="1"/>
-      <p:bldP spid="17" grpId="0" animBg="1"/>
-      <p:bldP spid="18" grpId="0" animBg="1"/>
-      <p:bldP spid="19" grpId="0" animBg="1"/>
-      <p:bldP spid="26" grpId="0" animBg="1"/>
-      <p:bldP spid="48" grpId="0" animBg="1"/>
-      <p:bldP spid="56" grpId="0" animBg="1"/>
-      <p:bldP spid="65" grpId="0" animBg="1"/>
-      <p:bldP spid="68" grpId="0" animBg="1"/>
-    </p:bldLst>
-  </p:timing>
-</p:sld>
-</file>
-
 <file path=ppt/theme/theme1.xml><?xml version="1.0" encoding="utf-8"?>
 <a:theme xmlns:a="http://schemas.openxmlformats.org/drawingml/2006/main" name="Office Theme">
   <a:themeElements>
